--- a/files/pitch.pptx
+++ b/files/pitch.pptx
@@ -1,6 +1,6 @@
 
 <file path=ppt/presentation.xml><?xml version="1.0" encoding="utf-8"?>
-<p:presentation xmlns:a="http://schemas.openxmlformats.org/drawingml/2006/main" xmlns:r="http://schemas.openxmlformats.org/officeDocument/2006/relationships" xmlns:mc="http://schemas.openxmlformats.org/markup-compatibility/2006" xmlns:mv="urn:schemas-microsoft-com:mac:vml" xmlns:p="http://schemas.openxmlformats.org/presentationml/2006/main" xmlns:c="http://schemas.openxmlformats.org/drawingml/2006/chart" xmlns:dgm="http://schemas.openxmlformats.org/drawingml/2006/diagram" xmlns:o="urn:schemas-microsoft-com:office:office" xmlns:v="urn:schemas-microsoft-com:vml" xmlns:pvml="urn:schemas-microsoft-com:office:powerpoint" xmlns:com="http://schemas.openxmlformats.org/drawingml/2006/compatibility" xmlns:p14="http://schemas.microsoft.com/office/powerpoint/2010/main" xmlns:p15="http://schemas.microsoft.com/office/powerpoint/2012/main" autoCompressPictures="0" embedTrueTypeFonts="1" strictFirstAndLastChars="0" saveSubsetFonts="1">
+<p:presentation xmlns:a="http://schemas.openxmlformats.org/drawingml/2006/main" xmlns:r="http://schemas.openxmlformats.org/officeDocument/2006/relationships" xmlns:mc="http://schemas.openxmlformats.org/markup-compatibility/2006" xmlns:mv="urn:schemas-microsoft-com:mac:vml" xmlns:p="http://schemas.openxmlformats.org/presentationml/2006/main" xmlns:c="http://schemas.openxmlformats.org/drawingml/2006/chart" xmlns:dgm="http://schemas.openxmlformats.org/drawingml/2006/diagram" xmlns:o="urn:schemas-microsoft-com:office:office" xmlns:v="urn:schemas-microsoft-com:vml" xmlns:pvml="urn:schemas-microsoft-com:office:powerpoint" xmlns:com="http://schemas.openxmlformats.org/drawingml/2006/compatibility" xmlns:p14="http://schemas.microsoft.com/office/powerpoint/2010/main" xmlns:p15="http://schemas.microsoft.com/office/powerpoint/2012/main" autoCompressPictures="0" strictFirstAndLastChars="0" saveSubsetFonts="1">
   <p:sldMasterIdLst>
     <p:sldMasterId id="2147483659" r:id="rId4"/>
   </p:sldMasterIdLst>
@@ -21,19 +21,9 @@
     <p:sldId id="266" r:id="rId16"/>
     <p:sldId id="267" r:id="rId17"/>
     <p:sldId id="268" r:id="rId18"/>
-    <p:sldId id="269" r:id="rId19"/>
   </p:sldIdLst>
   <p:sldSz cy="5143500" cx="9144000"/>
   <p:notesSz cx="6858000" cy="9144000"/>
-  <p:embeddedFontLst>
-    <p:embeddedFont>
-      <p:font typeface="Roboto"/>
-      <p:regular r:id="rId20"/>
-      <p:bold r:id="rId21"/>
-      <p:italic r:id="rId22"/>
-      <p:boldItalic r:id="rId23"/>
-    </p:embeddedFont>
-  </p:embeddedFontLst>
   <p:defaultTextStyle>
     <a:defPPr lvl="0" marR="0" rtl="0" algn="l">
       <a:lnSpc>
@@ -711,7 +701,7 @@
   <p:cSld>
     <p:spTree>
       <p:nvGrpSpPr>
-        <p:cNvPr id="63" name="Shape 63"/>
+        <p:cNvPr id="50" name="Shape 50"/>
         <p:cNvGrpSpPr/>
         <p:nvPr/>
       </p:nvGrpSpPr>
@@ -725,7 +715,7 @@
       </p:grpSpPr>
       <p:sp>
         <p:nvSpPr>
-          <p:cNvPr id="64" name="Google Shape;64;p:notes"/>
+          <p:cNvPr id="51" name="Google Shape;51;p:notes"/>
           <p:cNvSpPr/>
           <p:nvPr>
             <p:ph idx="2" type="sldImg"/>
@@ -760,7 +750,7 @@
       </p:sp>
       <p:sp>
         <p:nvSpPr>
-          <p:cNvPr id="65" name="Google Shape;65;p:notes"/>
+          <p:cNvPr id="52" name="Google Shape;52;p:notes"/>
           <p:cNvSpPr txBox="1"/>
           <p:nvPr>
             <p:ph idx="1" type="body"/>
@@ -824,7 +814,7 @@
       </p:grpSpPr>
       <p:sp>
         <p:nvSpPr>
-          <p:cNvPr id="131" name="Google Shape;131;g3ee7a74570_0_5:notes"/>
+          <p:cNvPr id="131" name="Google Shape;131;g3ff464a2da_0_32:notes"/>
           <p:cNvSpPr/>
           <p:nvPr>
             <p:ph idx="2" type="sldImg"/>
@@ -859,7 +849,7 @@
       </p:sp>
       <p:sp>
         <p:nvSpPr>
-          <p:cNvPr id="132" name="Google Shape;132;g3ee7a74570_0_5:notes"/>
+          <p:cNvPr id="132" name="Google Shape;132;g3ff464a2da_0_32:notes"/>
           <p:cNvSpPr txBox="1"/>
           <p:nvPr>
             <p:ph idx="1" type="body"/>
@@ -880,7 +870,7 @@
           </a:bodyPr>
           <a:lstStyle/>
           <a:p>
-            <a:pPr indent="0" lvl="0" marL="0" rtl="0">
+            <a:pPr indent="0" lvl="0" marL="0">
               <a:spcBef>
                 <a:spcPts val="0"/>
               </a:spcBef>
@@ -909,7 +899,7 @@
   <p:cSld>
     <p:spTree>
       <p:nvGrpSpPr>
-        <p:cNvPr id="137" name="Shape 137"/>
+        <p:cNvPr id="138" name="Shape 138"/>
         <p:cNvGrpSpPr/>
         <p:nvPr/>
       </p:nvGrpSpPr>
@@ -923,7 +913,7 @@
       </p:grpSpPr>
       <p:sp>
         <p:nvSpPr>
-          <p:cNvPr id="138" name="Google Shape;138;g3e0bc31b84_1_91:notes"/>
+          <p:cNvPr id="139" name="Google Shape;139;g3ff464a2da_0_48:notes"/>
           <p:cNvSpPr/>
           <p:nvPr>
             <p:ph idx="2" type="sldImg"/>
@@ -958,7 +948,7 @@
       </p:sp>
       <p:sp>
         <p:nvSpPr>
-          <p:cNvPr id="139" name="Google Shape;139;g3e0bc31b84_1_91:notes"/>
+          <p:cNvPr id="140" name="Google Shape;140;g3ff464a2da_0_48:notes"/>
           <p:cNvSpPr txBox="1"/>
           <p:nvPr>
             <p:ph idx="1" type="body"/>
@@ -1008,7 +998,7 @@
   <p:cSld>
     <p:spTree>
       <p:nvGrpSpPr>
-        <p:cNvPr id="145" name="Shape 145"/>
+        <p:cNvPr id="149" name="Shape 149"/>
         <p:cNvGrpSpPr/>
         <p:nvPr/>
       </p:nvGrpSpPr>
@@ -1022,7 +1012,7 @@
       </p:grpSpPr>
       <p:sp>
         <p:nvSpPr>
-          <p:cNvPr id="146" name="Google Shape;146;g3ee7a74570_0_31:notes"/>
+          <p:cNvPr id="150" name="Google Shape;150;g3ff464a2da_0_70:notes"/>
           <p:cNvSpPr/>
           <p:nvPr>
             <p:ph idx="2" type="sldImg"/>
@@ -1057,7 +1047,7 @@
       </p:sp>
       <p:sp>
         <p:nvSpPr>
-          <p:cNvPr id="147" name="Google Shape;147;g3ee7a74570_0_31:notes"/>
+          <p:cNvPr id="151" name="Google Shape;151;g3ff464a2da_0_70:notes"/>
           <p:cNvSpPr txBox="1"/>
           <p:nvPr>
             <p:ph idx="1" type="body"/>
@@ -1078,7 +1068,7 @@
           </a:bodyPr>
           <a:lstStyle/>
           <a:p>
-            <a:pPr indent="0" lvl="0" marL="0" rtl="0">
+            <a:pPr indent="0" lvl="0" marL="0">
               <a:spcBef>
                 <a:spcPts val="0"/>
               </a:spcBef>
@@ -1107,7 +1097,7 @@
   <p:cSld>
     <p:spTree>
       <p:nvGrpSpPr>
-        <p:cNvPr id="152" name="Shape 152"/>
+        <p:cNvPr id="158" name="Shape 158"/>
         <p:cNvGrpSpPr/>
         <p:nvPr/>
       </p:nvGrpSpPr>
@@ -1121,7 +1111,7 @@
       </p:grpSpPr>
       <p:sp>
         <p:nvSpPr>
-          <p:cNvPr id="153" name="Google Shape;153;g3e0bc31b84_1_104:notes"/>
+          <p:cNvPr id="159" name="Google Shape;159;g3ff464a2da_0_62:notes"/>
           <p:cNvSpPr/>
           <p:nvPr>
             <p:ph idx="2" type="sldImg"/>
@@ -1156,7 +1146,7 @@
       </p:sp>
       <p:sp>
         <p:nvSpPr>
-          <p:cNvPr id="154" name="Google Shape;154;g3e0bc31b84_1_104:notes"/>
+          <p:cNvPr id="160" name="Google Shape;160;g3ff464a2da_0_62:notes"/>
           <p:cNvSpPr txBox="1"/>
           <p:nvPr>
             <p:ph idx="1" type="body"/>
@@ -1178,105 +1168,6 @@
           <a:lstStyle/>
           <a:p>
             <a:pPr indent="0" lvl="0" marL="0">
-              <a:spcBef>
-                <a:spcPts val="0"/>
-              </a:spcBef>
-              <a:spcAft>
-                <a:spcPts val="0"/>
-              </a:spcAft>
-              <a:buNone/>
-            </a:pPr>
-            <a:r>
-              <a:t/>
-            </a:r>
-            <a:endParaRPr/>
-          </a:p>
-        </p:txBody>
-      </p:sp>
-    </p:spTree>
-  </p:cSld>
-  <p:clrMapOvr>
-    <a:masterClrMapping/>
-  </p:clrMapOvr>
-</p:notes>
-</file>
-
-<file path=ppt/notesSlides/notesSlide14.xml><?xml version="1.0" encoding="utf-8"?>
-<p:notes xmlns:a="http://schemas.openxmlformats.org/drawingml/2006/main" xmlns:r="http://schemas.openxmlformats.org/officeDocument/2006/relationships" xmlns:mc="http://schemas.openxmlformats.org/markup-compatibility/2006" xmlns:mv="urn:schemas-microsoft-com:mac:vml" xmlns:p="http://schemas.openxmlformats.org/presentationml/2006/main" xmlns:c="http://schemas.openxmlformats.org/drawingml/2006/chart" xmlns:dgm="http://schemas.openxmlformats.org/drawingml/2006/diagram" xmlns:o="urn:schemas-microsoft-com:office:office" xmlns:v="urn:schemas-microsoft-com:vml" xmlns:pvml="urn:schemas-microsoft-com:office:powerpoint" xmlns:com="http://schemas.openxmlformats.org/drawingml/2006/compatibility" xmlns:p14="http://schemas.microsoft.com/office/powerpoint/2010/main" xmlns:p15="http://schemas.microsoft.com/office/powerpoint/2012/main" showMasterPhAnim="0" showMasterSp="0">
-  <p:cSld>
-    <p:spTree>
-      <p:nvGrpSpPr>
-        <p:cNvPr id="160" name="Shape 160"/>
-        <p:cNvGrpSpPr/>
-        <p:nvPr/>
-      </p:nvGrpSpPr>
-      <p:grpSpPr>
-        <a:xfrm>
-          <a:off x="0" y="0"/>
-          <a:ext cx="0" cy="0"/>
-          <a:chOff x="0" y="0"/>
-          <a:chExt cx="0" cy="0"/>
-        </a:xfrm>
-      </p:grpSpPr>
-      <p:sp>
-        <p:nvSpPr>
-          <p:cNvPr id="161" name="Google Shape;161;g3ee7a74570_0_25:notes"/>
-          <p:cNvSpPr/>
-          <p:nvPr>
-            <p:ph idx="2" type="sldImg"/>
-          </p:nvPr>
-        </p:nvSpPr>
-        <p:spPr>
-          <a:xfrm>
-            <a:off x="381300" y="685800"/>
-            <a:ext cx="6096000" cy="3429000"/>
-          </a:xfrm>
-          <a:custGeom>
-            <a:rect b="b" l="l" r="r" t="t"/>
-            <a:pathLst>
-              <a:path extrusionOk="0" h="120000" w="120000">
-                <a:moveTo>
-                  <a:pt x="0" y="0"/>
-                </a:moveTo>
-                <a:lnTo>
-                  <a:pt x="120000" y="0"/>
-                </a:lnTo>
-                <a:lnTo>
-                  <a:pt x="120000" y="120000"/>
-                </a:lnTo>
-                <a:lnTo>
-                  <a:pt x="0" y="120000"/>
-                </a:lnTo>
-                <a:close/>
-              </a:path>
-            </a:pathLst>
-          </a:custGeom>
-        </p:spPr>
-      </p:sp>
-      <p:sp>
-        <p:nvSpPr>
-          <p:cNvPr id="162" name="Google Shape;162;g3ee7a74570_0_25:notes"/>
-          <p:cNvSpPr txBox="1"/>
-          <p:nvPr>
-            <p:ph idx="1" type="body"/>
-          </p:nvPr>
-        </p:nvSpPr>
-        <p:spPr>
-          <a:xfrm>
-            <a:off x="685800" y="4343400"/>
-            <a:ext cx="5486400" cy="4114800"/>
-          </a:xfrm>
-          <a:prstGeom prst="rect">
-            <a:avLst/>
-          </a:prstGeom>
-        </p:spPr>
-        <p:txBody>
-          <a:bodyPr anchorCtr="0" anchor="t" bIns="91425" lIns="91425" spcFirstLastPara="1" rIns="91425" wrap="square" tIns="91425">
-            <a:noAutofit/>
-          </a:bodyPr>
-          <a:lstStyle/>
-          <a:p>
-            <a:pPr indent="0" lvl="0" marL="0" rtl="0">
               <a:spcBef>
                 <a:spcPts val="0"/>
               </a:spcBef>
@@ -1305,7 +1196,7 @@
   <p:cSld>
     <p:spTree>
       <p:nvGrpSpPr>
-        <p:cNvPr id="70" name="Shape 70"/>
+        <p:cNvPr id="57" name="Shape 57"/>
         <p:cNvGrpSpPr/>
         <p:nvPr/>
       </p:nvGrpSpPr>
@@ -1319,7 +1210,7 @@
       </p:grpSpPr>
       <p:sp>
         <p:nvSpPr>
-          <p:cNvPr id="71" name="Google Shape;71;g3e0bc31b84_1_33:notes"/>
+          <p:cNvPr id="58" name="Google Shape;58;g408775d14d_1_11:notes"/>
           <p:cNvSpPr/>
           <p:nvPr>
             <p:ph idx="2" type="sldImg"/>
@@ -1354,7 +1245,7 @@
       </p:sp>
       <p:sp>
         <p:nvSpPr>
-          <p:cNvPr id="72" name="Google Shape;72;g3e0bc31b84_1_33:notes"/>
+          <p:cNvPr id="59" name="Google Shape;59;g408775d14d_1_11:notes"/>
           <p:cNvSpPr txBox="1"/>
           <p:nvPr>
             <p:ph idx="1" type="body"/>
@@ -1404,7 +1295,7 @@
   <p:cSld>
     <p:spTree>
       <p:nvGrpSpPr>
-        <p:cNvPr id="77" name="Shape 77"/>
+        <p:cNvPr id="65" name="Shape 65"/>
         <p:cNvGrpSpPr/>
         <p:nvPr/>
       </p:nvGrpSpPr>
@@ -1418,7 +1309,7 @@
       </p:grpSpPr>
       <p:sp>
         <p:nvSpPr>
-          <p:cNvPr id="78" name="Google Shape;78;g3e0bc31b84_1_10:notes"/>
+          <p:cNvPr id="66" name="Google Shape;66;g408775d14d_1_17:notes"/>
           <p:cNvSpPr/>
           <p:nvPr>
             <p:ph idx="2" type="sldImg"/>
@@ -1453,7 +1344,7 @@
       </p:sp>
       <p:sp>
         <p:nvSpPr>
-          <p:cNvPr id="79" name="Google Shape;79;g3e0bc31b84_1_10:notes"/>
+          <p:cNvPr id="67" name="Google Shape;67;g408775d14d_1_17:notes"/>
           <p:cNvSpPr txBox="1"/>
           <p:nvPr>
             <p:ph idx="1" type="body"/>
@@ -1503,7 +1394,7 @@
   <p:cSld>
     <p:spTree>
       <p:nvGrpSpPr>
-        <p:cNvPr id="86" name="Shape 86"/>
+        <p:cNvPr id="73" name="Shape 73"/>
         <p:cNvGrpSpPr/>
         <p:nvPr/>
       </p:nvGrpSpPr>
@@ -1517,7 +1408,7 @@
       </p:grpSpPr>
       <p:sp>
         <p:nvSpPr>
-          <p:cNvPr id="87" name="Google Shape;87;g3e0bc31b84_1_23:notes"/>
+          <p:cNvPr id="74" name="Google Shape;74;g408775d14d_1_23:notes"/>
           <p:cNvSpPr/>
           <p:nvPr>
             <p:ph idx="2" type="sldImg"/>
@@ -1552,7 +1443,7 @@
       </p:sp>
       <p:sp>
         <p:nvSpPr>
-          <p:cNvPr id="88" name="Google Shape;88;g3e0bc31b84_1_23:notes"/>
+          <p:cNvPr id="75" name="Google Shape;75;g408775d14d_1_23:notes"/>
           <p:cNvSpPr txBox="1"/>
           <p:nvPr>
             <p:ph idx="1" type="body"/>
@@ -1602,7 +1493,7 @@
   <p:cSld>
     <p:spTree>
       <p:nvGrpSpPr>
-        <p:cNvPr id="93" name="Shape 93"/>
+        <p:cNvPr id="81" name="Shape 81"/>
         <p:cNvGrpSpPr/>
         <p:nvPr/>
       </p:nvGrpSpPr>
@@ -1616,7 +1507,7 @@
       </p:grpSpPr>
       <p:sp>
         <p:nvSpPr>
-          <p:cNvPr id="94" name="Google Shape;94;g3e0bc31b84_1_28:notes"/>
+          <p:cNvPr id="82" name="Google Shape;82;g408775d14d_1_30:notes"/>
           <p:cNvSpPr/>
           <p:nvPr>
             <p:ph idx="2" type="sldImg"/>
@@ -1651,7 +1542,7 @@
       </p:sp>
       <p:sp>
         <p:nvSpPr>
-          <p:cNvPr id="95" name="Google Shape;95;g3e0bc31b84_1_28:notes"/>
+          <p:cNvPr id="83" name="Google Shape;83;g408775d14d_1_30:notes"/>
           <p:cNvSpPr txBox="1"/>
           <p:nvPr>
             <p:ph idx="1" type="body"/>
@@ -1701,7 +1592,7 @@
   <p:cSld>
     <p:spTree>
       <p:nvGrpSpPr>
-        <p:cNvPr id="100" name="Shape 100"/>
+        <p:cNvPr id="90" name="Shape 90"/>
         <p:cNvGrpSpPr/>
         <p:nvPr/>
       </p:nvGrpSpPr>
@@ -1715,7 +1606,7 @@
       </p:grpSpPr>
       <p:sp>
         <p:nvSpPr>
-          <p:cNvPr id="101" name="Google Shape;101;g3da4706a20_0_0:notes"/>
+          <p:cNvPr id="91" name="Google Shape;91;g408775d14d_1_38:notes"/>
           <p:cNvSpPr/>
           <p:nvPr>
             <p:ph idx="2" type="sldImg"/>
@@ -1750,7 +1641,7 @@
       </p:sp>
       <p:sp>
         <p:nvSpPr>
-          <p:cNvPr id="102" name="Google Shape;102;g3da4706a20_0_0:notes"/>
+          <p:cNvPr id="92" name="Google Shape;92;g408775d14d_1_38:notes"/>
           <p:cNvSpPr txBox="1"/>
           <p:nvPr>
             <p:ph idx="1" type="body"/>
@@ -1800,7 +1691,7 @@
   <p:cSld>
     <p:spTree>
       <p:nvGrpSpPr>
-        <p:cNvPr id="107" name="Shape 107"/>
+        <p:cNvPr id="101" name="Shape 101"/>
         <p:cNvGrpSpPr/>
         <p:nvPr/>
       </p:nvGrpSpPr>
@@ -1814,7 +1705,7 @@
       </p:grpSpPr>
       <p:sp>
         <p:nvSpPr>
-          <p:cNvPr id="108" name="Google Shape;108;g3ee7a74570_0_0:notes"/>
+          <p:cNvPr id="102" name="Google Shape;102;g3ff464a2da_0_1:notes"/>
           <p:cNvSpPr/>
           <p:nvPr>
             <p:ph idx="2" type="sldImg"/>
@@ -1849,7 +1740,7 @@
       </p:sp>
       <p:sp>
         <p:nvSpPr>
-          <p:cNvPr id="109" name="Google Shape;109;g3ee7a74570_0_0:notes"/>
+          <p:cNvPr id="103" name="Google Shape;103;g3ff464a2da_0_1:notes"/>
           <p:cNvSpPr txBox="1"/>
           <p:nvPr>
             <p:ph idx="1" type="body"/>
@@ -1899,7 +1790,7 @@
   <p:cSld>
     <p:spTree>
       <p:nvGrpSpPr>
-        <p:cNvPr id="114" name="Shape 114"/>
+        <p:cNvPr id="109" name="Shape 109"/>
         <p:cNvGrpSpPr/>
         <p:nvPr/>
       </p:nvGrpSpPr>
@@ -1913,7 +1804,7 @@
       </p:grpSpPr>
       <p:sp>
         <p:nvSpPr>
-          <p:cNvPr id="115" name="Google Shape;115;g3e0bc31b84_1_75:notes"/>
+          <p:cNvPr id="110" name="Google Shape;110;g3ff464a2da_0_9:notes"/>
           <p:cNvSpPr/>
           <p:nvPr>
             <p:ph idx="2" type="sldImg"/>
@@ -1948,7 +1839,7 @@
       </p:sp>
       <p:sp>
         <p:nvSpPr>
-          <p:cNvPr id="116" name="Google Shape;116;g3e0bc31b84_1_75:notes"/>
+          <p:cNvPr id="111" name="Google Shape;111;g3ff464a2da_0_9:notes"/>
           <p:cNvSpPr txBox="1"/>
           <p:nvPr>
             <p:ph idx="1" type="body"/>
@@ -1998,7 +1889,7 @@
   <p:cSld>
     <p:spTree>
       <p:nvGrpSpPr>
-        <p:cNvPr id="123" name="Shape 123"/>
+        <p:cNvPr id="120" name="Shape 120"/>
         <p:cNvGrpSpPr/>
         <p:nvPr/>
       </p:nvGrpSpPr>
@@ -2012,7 +1903,7 @@
       </p:grpSpPr>
       <p:sp>
         <p:nvSpPr>
-          <p:cNvPr id="124" name="Google Shape;124;g3d9a461bcf_0_0:notes"/>
+          <p:cNvPr id="121" name="Google Shape;121;g3ff464a2da_0_22:notes"/>
           <p:cNvSpPr/>
           <p:nvPr>
             <p:ph idx="2" type="sldImg"/>
@@ -2047,7 +1938,7 @@
       </p:sp>
       <p:sp>
         <p:nvSpPr>
-          <p:cNvPr id="125" name="Google Shape;125;g3d9a461bcf_0_0:notes"/>
+          <p:cNvPr id="122" name="Google Shape;122;g3ff464a2da_0_22:notes"/>
           <p:cNvSpPr txBox="1"/>
           <p:nvPr>
             <p:ph idx="1" type="body"/>
@@ -2112,91 +2003,274 @@
       <p:sp>
         <p:nvSpPr>
           <p:cNvPr id="10" name="Google Shape;10;p2"/>
-          <p:cNvSpPr/>
-          <p:nvPr/>
+          <p:cNvSpPr txBox="1"/>
+          <p:nvPr>
+            <p:ph type="ctrTitle"/>
+          </p:nvPr>
         </p:nvSpPr>
         <p:spPr>
-          <a:xfrm flipH="1">
-            <a:off x="8246400" y="4245925"/>
-            <a:ext cx="897600" cy="897600"/>
-          </a:xfrm>
-          <a:prstGeom prst="rtTriangle">
+          <a:xfrm>
+            <a:off x="311708" y="744575"/>
+            <a:ext cx="8520600" cy="2052600"/>
+          </a:xfrm>
+          <a:prstGeom prst="rect">
             <a:avLst/>
           </a:prstGeom>
-          <a:solidFill>
-            <a:schemeClr val="lt1"/>
-          </a:solidFill>
-          <a:ln>
-            <a:noFill/>
-          </a:ln>
         </p:spPr>
         <p:txBody>
-          <a:bodyPr anchorCtr="0" anchor="ctr" bIns="91425" lIns="91425" spcFirstLastPara="1" rIns="91425" wrap="square" tIns="91425">
-            <a:noAutofit/>
-          </a:bodyPr>
-          <a:lstStyle/>
-          <a:p>
-            <a:pPr indent="0" lvl="0" marL="0">
-              <a:spcBef>
-                <a:spcPts val="0"/>
-              </a:spcBef>
-              <a:spcAft>
-                <a:spcPts val="0"/>
-              </a:spcAft>
-              <a:buNone/>
-            </a:pPr>
-            <a:r>
-              <a:t/>
-            </a:r>
-            <a:endParaRPr/>
-          </a:p>
+          <a:bodyPr anchorCtr="0" anchor="b" bIns="91425" lIns="91425" spcFirstLastPara="1" rIns="91425" wrap="square" tIns="91425"/>
+          <a:lstStyle>
+            <a:lvl1pPr lvl="0" algn="ctr">
+              <a:spcBef>
+                <a:spcPts val="0"/>
+              </a:spcBef>
+              <a:spcAft>
+                <a:spcPts val="0"/>
+              </a:spcAft>
+              <a:buSzPts val="5200"/>
+              <a:buNone/>
+              <a:defRPr sz="5200"/>
+            </a:lvl1pPr>
+            <a:lvl2pPr lvl="1" algn="ctr">
+              <a:spcBef>
+                <a:spcPts val="0"/>
+              </a:spcBef>
+              <a:spcAft>
+                <a:spcPts val="0"/>
+              </a:spcAft>
+              <a:buSzPts val="5200"/>
+              <a:buNone/>
+              <a:defRPr sz="5200"/>
+            </a:lvl2pPr>
+            <a:lvl3pPr lvl="2" algn="ctr">
+              <a:spcBef>
+                <a:spcPts val="0"/>
+              </a:spcBef>
+              <a:spcAft>
+                <a:spcPts val="0"/>
+              </a:spcAft>
+              <a:buSzPts val="5200"/>
+              <a:buNone/>
+              <a:defRPr sz="5200"/>
+            </a:lvl3pPr>
+            <a:lvl4pPr lvl="3" algn="ctr">
+              <a:spcBef>
+                <a:spcPts val="0"/>
+              </a:spcBef>
+              <a:spcAft>
+                <a:spcPts val="0"/>
+              </a:spcAft>
+              <a:buSzPts val="5200"/>
+              <a:buNone/>
+              <a:defRPr sz="5200"/>
+            </a:lvl4pPr>
+            <a:lvl5pPr lvl="4" algn="ctr">
+              <a:spcBef>
+                <a:spcPts val="0"/>
+              </a:spcBef>
+              <a:spcAft>
+                <a:spcPts val="0"/>
+              </a:spcAft>
+              <a:buSzPts val="5200"/>
+              <a:buNone/>
+              <a:defRPr sz="5200"/>
+            </a:lvl5pPr>
+            <a:lvl6pPr lvl="5" algn="ctr">
+              <a:spcBef>
+                <a:spcPts val="0"/>
+              </a:spcBef>
+              <a:spcAft>
+                <a:spcPts val="0"/>
+              </a:spcAft>
+              <a:buSzPts val="5200"/>
+              <a:buNone/>
+              <a:defRPr sz="5200"/>
+            </a:lvl6pPr>
+            <a:lvl7pPr lvl="6" algn="ctr">
+              <a:spcBef>
+                <a:spcPts val="0"/>
+              </a:spcBef>
+              <a:spcAft>
+                <a:spcPts val="0"/>
+              </a:spcAft>
+              <a:buSzPts val="5200"/>
+              <a:buNone/>
+              <a:defRPr sz="5200"/>
+            </a:lvl7pPr>
+            <a:lvl8pPr lvl="7" algn="ctr">
+              <a:spcBef>
+                <a:spcPts val="0"/>
+              </a:spcBef>
+              <a:spcAft>
+                <a:spcPts val="0"/>
+              </a:spcAft>
+              <a:buSzPts val="5200"/>
+              <a:buNone/>
+              <a:defRPr sz="5200"/>
+            </a:lvl8pPr>
+            <a:lvl9pPr lvl="8" algn="ctr">
+              <a:spcBef>
+                <a:spcPts val="0"/>
+              </a:spcBef>
+              <a:spcAft>
+                <a:spcPts val="0"/>
+              </a:spcAft>
+              <a:buSzPts val="5200"/>
+              <a:buNone/>
+              <a:defRPr sz="5200"/>
+            </a:lvl9pPr>
+          </a:lstStyle>
+          <a:p/>
         </p:txBody>
       </p:sp>
       <p:sp>
         <p:nvSpPr>
           <p:cNvPr id="11" name="Google Shape;11;p2"/>
-          <p:cNvSpPr/>
-          <p:nvPr/>
+          <p:cNvSpPr txBox="1"/>
+          <p:nvPr>
+            <p:ph idx="1" type="subTitle"/>
+          </p:nvPr>
         </p:nvSpPr>
         <p:spPr>
-          <a:xfrm flipH="1">
-            <a:off x="8246400" y="4245875"/>
-            <a:ext cx="897600" cy="897600"/>
-          </a:xfrm>
-          <a:prstGeom prst="round1Rect">
-            <a:avLst>
-              <a:gd fmla="val 16667" name="adj"/>
-            </a:avLst>
-          </a:prstGeom>
-          <a:solidFill>
-            <a:schemeClr val="lt1">
-              <a:alpha val="68080"/>
-            </a:schemeClr>
-          </a:solidFill>
-          <a:ln>
-            <a:noFill/>
-          </a:ln>
+          <a:xfrm>
+            <a:off x="311700" y="2834125"/>
+            <a:ext cx="8520600" cy="792600"/>
+          </a:xfrm>
+          <a:prstGeom prst="rect">
+            <a:avLst/>
+          </a:prstGeom>
         </p:spPr>
         <p:txBody>
-          <a:bodyPr anchorCtr="0" anchor="ctr" bIns="91425" lIns="91425" spcFirstLastPara="1" rIns="91425" wrap="square" tIns="91425">
-            <a:noAutofit/>
-          </a:bodyPr>
-          <a:lstStyle/>
-          <a:p>
-            <a:pPr indent="0" lvl="0" marL="0">
-              <a:spcBef>
-                <a:spcPts val="0"/>
-              </a:spcBef>
-              <a:spcAft>
-                <a:spcPts val="0"/>
-              </a:spcAft>
-              <a:buNone/>
-            </a:pPr>
-            <a:r>
-              <a:t/>
-            </a:r>
-            <a:endParaRPr/>
-          </a:p>
+          <a:bodyPr anchorCtr="0" anchor="t" bIns="91425" lIns="91425" spcFirstLastPara="1" rIns="91425" wrap="square" tIns="91425"/>
+          <a:lstStyle>
+            <a:lvl1pPr lvl="0" algn="ctr">
+              <a:lnSpc>
+                <a:spcPct val="100000"/>
+              </a:lnSpc>
+              <a:spcBef>
+                <a:spcPts val="0"/>
+              </a:spcBef>
+              <a:spcAft>
+                <a:spcPts val="0"/>
+              </a:spcAft>
+              <a:buSzPts val="2800"/>
+              <a:buNone/>
+              <a:defRPr sz="2800"/>
+            </a:lvl1pPr>
+            <a:lvl2pPr lvl="1" algn="ctr">
+              <a:lnSpc>
+                <a:spcPct val="100000"/>
+              </a:lnSpc>
+              <a:spcBef>
+                <a:spcPts val="0"/>
+              </a:spcBef>
+              <a:spcAft>
+                <a:spcPts val="0"/>
+              </a:spcAft>
+              <a:buSzPts val="2800"/>
+              <a:buNone/>
+              <a:defRPr sz="2800"/>
+            </a:lvl2pPr>
+            <a:lvl3pPr lvl="2" algn="ctr">
+              <a:lnSpc>
+                <a:spcPct val="100000"/>
+              </a:lnSpc>
+              <a:spcBef>
+                <a:spcPts val="0"/>
+              </a:spcBef>
+              <a:spcAft>
+                <a:spcPts val="0"/>
+              </a:spcAft>
+              <a:buSzPts val="2800"/>
+              <a:buNone/>
+              <a:defRPr sz="2800"/>
+            </a:lvl3pPr>
+            <a:lvl4pPr lvl="3" algn="ctr">
+              <a:lnSpc>
+                <a:spcPct val="100000"/>
+              </a:lnSpc>
+              <a:spcBef>
+                <a:spcPts val="0"/>
+              </a:spcBef>
+              <a:spcAft>
+                <a:spcPts val="0"/>
+              </a:spcAft>
+              <a:buSzPts val="2800"/>
+              <a:buNone/>
+              <a:defRPr sz="2800"/>
+            </a:lvl4pPr>
+            <a:lvl5pPr lvl="4" algn="ctr">
+              <a:lnSpc>
+                <a:spcPct val="100000"/>
+              </a:lnSpc>
+              <a:spcBef>
+                <a:spcPts val="0"/>
+              </a:spcBef>
+              <a:spcAft>
+                <a:spcPts val="0"/>
+              </a:spcAft>
+              <a:buSzPts val="2800"/>
+              <a:buNone/>
+              <a:defRPr sz="2800"/>
+            </a:lvl5pPr>
+            <a:lvl6pPr lvl="5" algn="ctr">
+              <a:lnSpc>
+                <a:spcPct val="100000"/>
+              </a:lnSpc>
+              <a:spcBef>
+                <a:spcPts val="0"/>
+              </a:spcBef>
+              <a:spcAft>
+                <a:spcPts val="0"/>
+              </a:spcAft>
+              <a:buSzPts val="2800"/>
+              <a:buNone/>
+              <a:defRPr sz="2800"/>
+            </a:lvl6pPr>
+            <a:lvl7pPr lvl="6" algn="ctr">
+              <a:lnSpc>
+                <a:spcPct val="100000"/>
+              </a:lnSpc>
+              <a:spcBef>
+                <a:spcPts val="0"/>
+              </a:spcBef>
+              <a:spcAft>
+                <a:spcPts val="0"/>
+              </a:spcAft>
+              <a:buSzPts val="2800"/>
+              <a:buNone/>
+              <a:defRPr sz="2800"/>
+            </a:lvl7pPr>
+            <a:lvl8pPr lvl="7" algn="ctr">
+              <a:lnSpc>
+                <a:spcPct val="100000"/>
+              </a:lnSpc>
+              <a:spcBef>
+                <a:spcPts val="0"/>
+              </a:spcBef>
+              <a:spcAft>
+                <a:spcPts val="0"/>
+              </a:spcAft>
+              <a:buSzPts val="2800"/>
+              <a:buNone/>
+              <a:defRPr sz="2800"/>
+            </a:lvl8pPr>
+            <a:lvl9pPr lvl="8" algn="ctr">
+              <a:lnSpc>
+                <a:spcPct val="100000"/>
+              </a:lnSpc>
+              <a:spcBef>
+                <a:spcPts val="0"/>
+              </a:spcBef>
+              <a:spcAft>
+                <a:spcPts val="0"/>
+              </a:spcAft>
+              <a:buSzPts val="2800"/>
+              <a:buNone/>
+              <a:defRPr sz="2800"/>
+            </a:lvl9pPr>
+          </a:lstStyle>
+          <a:p/>
         </p:txBody>
       </p:sp>
       <p:sp>
@@ -2204,348 +2278,12 @@
           <p:cNvPr id="12" name="Google Shape;12;p2"/>
           <p:cNvSpPr txBox="1"/>
           <p:nvPr>
-            <p:ph type="ctrTitle"/>
-          </p:nvPr>
-        </p:nvSpPr>
-        <p:spPr>
-          <a:xfrm>
-            <a:off x="390525" y="1819275"/>
-            <a:ext cx="8222100" cy="933600"/>
-          </a:xfrm>
-          <a:prstGeom prst="rect">
-            <a:avLst/>
-          </a:prstGeom>
-        </p:spPr>
-        <p:txBody>
-          <a:bodyPr anchorCtr="0" anchor="b" bIns="91425" lIns="91425" spcFirstLastPara="1" rIns="91425" wrap="square" tIns="91425"/>
-          <a:lstStyle>
-            <a:lvl1pPr lvl="0">
-              <a:spcBef>
-                <a:spcPts val="0"/>
-              </a:spcBef>
-              <a:spcAft>
-                <a:spcPts val="0"/>
-              </a:spcAft>
-              <a:buSzPts val="4800"/>
-              <a:buNone/>
-              <a:defRPr sz="4800"/>
-            </a:lvl1pPr>
-            <a:lvl2pPr lvl="1">
-              <a:spcBef>
-                <a:spcPts val="0"/>
-              </a:spcBef>
-              <a:spcAft>
-                <a:spcPts val="0"/>
-              </a:spcAft>
-              <a:buSzPts val="4800"/>
-              <a:buNone/>
-              <a:defRPr sz="4800"/>
-            </a:lvl2pPr>
-            <a:lvl3pPr lvl="2">
-              <a:spcBef>
-                <a:spcPts val="0"/>
-              </a:spcBef>
-              <a:spcAft>
-                <a:spcPts val="0"/>
-              </a:spcAft>
-              <a:buSzPts val="4800"/>
-              <a:buNone/>
-              <a:defRPr sz="4800"/>
-            </a:lvl3pPr>
-            <a:lvl4pPr lvl="3">
-              <a:spcBef>
-                <a:spcPts val="0"/>
-              </a:spcBef>
-              <a:spcAft>
-                <a:spcPts val="0"/>
-              </a:spcAft>
-              <a:buSzPts val="4800"/>
-              <a:buNone/>
-              <a:defRPr sz="4800"/>
-            </a:lvl4pPr>
-            <a:lvl5pPr lvl="4">
-              <a:spcBef>
-                <a:spcPts val="0"/>
-              </a:spcBef>
-              <a:spcAft>
-                <a:spcPts val="0"/>
-              </a:spcAft>
-              <a:buSzPts val="4800"/>
-              <a:buNone/>
-              <a:defRPr sz="4800"/>
-            </a:lvl5pPr>
-            <a:lvl6pPr lvl="5">
-              <a:spcBef>
-                <a:spcPts val="0"/>
-              </a:spcBef>
-              <a:spcAft>
-                <a:spcPts val="0"/>
-              </a:spcAft>
-              <a:buSzPts val="4800"/>
-              <a:buNone/>
-              <a:defRPr sz="4800"/>
-            </a:lvl6pPr>
-            <a:lvl7pPr lvl="6">
-              <a:spcBef>
-                <a:spcPts val="0"/>
-              </a:spcBef>
-              <a:spcAft>
-                <a:spcPts val="0"/>
-              </a:spcAft>
-              <a:buSzPts val="4800"/>
-              <a:buNone/>
-              <a:defRPr sz="4800"/>
-            </a:lvl7pPr>
-            <a:lvl8pPr lvl="7">
-              <a:spcBef>
-                <a:spcPts val="0"/>
-              </a:spcBef>
-              <a:spcAft>
-                <a:spcPts val="0"/>
-              </a:spcAft>
-              <a:buSzPts val="4800"/>
-              <a:buNone/>
-              <a:defRPr sz="4800"/>
-            </a:lvl8pPr>
-            <a:lvl9pPr lvl="8">
-              <a:spcBef>
-                <a:spcPts val="0"/>
-              </a:spcBef>
-              <a:spcAft>
-                <a:spcPts val="0"/>
-              </a:spcAft>
-              <a:buSzPts val="4800"/>
-              <a:buNone/>
-              <a:defRPr sz="4800"/>
-            </a:lvl9pPr>
-          </a:lstStyle>
-          <a:p/>
-        </p:txBody>
-      </p:sp>
-      <p:sp>
-        <p:nvSpPr>
-          <p:cNvPr id="13" name="Google Shape;13;p2"/>
-          <p:cNvSpPr txBox="1"/>
-          <p:nvPr>
-            <p:ph idx="1" type="subTitle"/>
-          </p:nvPr>
-        </p:nvSpPr>
-        <p:spPr>
-          <a:xfrm>
-            <a:off x="390525" y="2789130"/>
-            <a:ext cx="8222100" cy="432900"/>
-          </a:xfrm>
-          <a:prstGeom prst="rect">
-            <a:avLst/>
-          </a:prstGeom>
-        </p:spPr>
-        <p:txBody>
-          <a:bodyPr anchorCtr="0" anchor="t" bIns="91425" lIns="91425" spcFirstLastPara="1" rIns="91425" wrap="square" tIns="91425"/>
-          <a:lstStyle>
-            <a:lvl1pPr lvl="0">
-              <a:lnSpc>
-                <a:spcPct val="100000"/>
-              </a:lnSpc>
-              <a:spcBef>
-                <a:spcPts val="0"/>
-              </a:spcBef>
-              <a:spcAft>
-                <a:spcPts val="0"/>
-              </a:spcAft>
-              <a:buClr>
-                <a:schemeClr val="lt1"/>
-              </a:buClr>
-              <a:buSzPts val="1800"/>
-              <a:buNone/>
-              <a:defRPr>
-                <a:solidFill>
-                  <a:schemeClr val="lt1"/>
-                </a:solidFill>
-              </a:defRPr>
-            </a:lvl1pPr>
-            <a:lvl2pPr lvl="1">
-              <a:lnSpc>
-                <a:spcPct val="100000"/>
-              </a:lnSpc>
-              <a:spcBef>
-                <a:spcPts val="0"/>
-              </a:spcBef>
-              <a:spcAft>
-                <a:spcPts val="0"/>
-              </a:spcAft>
-              <a:buClr>
-                <a:schemeClr val="lt1"/>
-              </a:buClr>
-              <a:buSzPts val="1800"/>
-              <a:buNone/>
-              <a:defRPr sz="1800">
-                <a:solidFill>
-                  <a:schemeClr val="lt1"/>
-                </a:solidFill>
-              </a:defRPr>
-            </a:lvl2pPr>
-            <a:lvl3pPr lvl="2">
-              <a:lnSpc>
-                <a:spcPct val="100000"/>
-              </a:lnSpc>
-              <a:spcBef>
-                <a:spcPts val="0"/>
-              </a:spcBef>
-              <a:spcAft>
-                <a:spcPts val="0"/>
-              </a:spcAft>
-              <a:buClr>
-                <a:schemeClr val="lt1"/>
-              </a:buClr>
-              <a:buSzPts val="1800"/>
-              <a:buNone/>
-              <a:defRPr sz="1800">
-                <a:solidFill>
-                  <a:schemeClr val="lt1"/>
-                </a:solidFill>
-              </a:defRPr>
-            </a:lvl3pPr>
-            <a:lvl4pPr lvl="3">
-              <a:lnSpc>
-                <a:spcPct val="100000"/>
-              </a:lnSpc>
-              <a:spcBef>
-                <a:spcPts val="0"/>
-              </a:spcBef>
-              <a:spcAft>
-                <a:spcPts val="0"/>
-              </a:spcAft>
-              <a:buClr>
-                <a:schemeClr val="lt1"/>
-              </a:buClr>
-              <a:buSzPts val="1800"/>
-              <a:buNone/>
-              <a:defRPr sz="1800">
-                <a:solidFill>
-                  <a:schemeClr val="lt1"/>
-                </a:solidFill>
-              </a:defRPr>
-            </a:lvl4pPr>
-            <a:lvl5pPr lvl="4">
-              <a:lnSpc>
-                <a:spcPct val="100000"/>
-              </a:lnSpc>
-              <a:spcBef>
-                <a:spcPts val="0"/>
-              </a:spcBef>
-              <a:spcAft>
-                <a:spcPts val="0"/>
-              </a:spcAft>
-              <a:buClr>
-                <a:schemeClr val="lt1"/>
-              </a:buClr>
-              <a:buSzPts val="1800"/>
-              <a:buNone/>
-              <a:defRPr sz="1800">
-                <a:solidFill>
-                  <a:schemeClr val="lt1"/>
-                </a:solidFill>
-              </a:defRPr>
-            </a:lvl5pPr>
-            <a:lvl6pPr lvl="5">
-              <a:lnSpc>
-                <a:spcPct val="100000"/>
-              </a:lnSpc>
-              <a:spcBef>
-                <a:spcPts val="0"/>
-              </a:spcBef>
-              <a:spcAft>
-                <a:spcPts val="0"/>
-              </a:spcAft>
-              <a:buClr>
-                <a:schemeClr val="lt1"/>
-              </a:buClr>
-              <a:buSzPts val="1800"/>
-              <a:buNone/>
-              <a:defRPr sz="1800">
-                <a:solidFill>
-                  <a:schemeClr val="lt1"/>
-                </a:solidFill>
-              </a:defRPr>
-            </a:lvl6pPr>
-            <a:lvl7pPr lvl="6">
-              <a:lnSpc>
-                <a:spcPct val="100000"/>
-              </a:lnSpc>
-              <a:spcBef>
-                <a:spcPts val="0"/>
-              </a:spcBef>
-              <a:spcAft>
-                <a:spcPts val="0"/>
-              </a:spcAft>
-              <a:buClr>
-                <a:schemeClr val="lt1"/>
-              </a:buClr>
-              <a:buSzPts val="1800"/>
-              <a:buNone/>
-              <a:defRPr sz="1800">
-                <a:solidFill>
-                  <a:schemeClr val="lt1"/>
-                </a:solidFill>
-              </a:defRPr>
-            </a:lvl7pPr>
-            <a:lvl8pPr lvl="7">
-              <a:lnSpc>
-                <a:spcPct val="100000"/>
-              </a:lnSpc>
-              <a:spcBef>
-                <a:spcPts val="0"/>
-              </a:spcBef>
-              <a:spcAft>
-                <a:spcPts val="0"/>
-              </a:spcAft>
-              <a:buClr>
-                <a:schemeClr val="lt1"/>
-              </a:buClr>
-              <a:buSzPts val="1800"/>
-              <a:buNone/>
-              <a:defRPr sz="1800">
-                <a:solidFill>
-                  <a:schemeClr val="lt1"/>
-                </a:solidFill>
-              </a:defRPr>
-            </a:lvl8pPr>
-            <a:lvl9pPr lvl="8">
-              <a:lnSpc>
-                <a:spcPct val="100000"/>
-              </a:lnSpc>
-              <a:spcBef>
-                <a:spcPts val="0"/>
-              </a:spcBef>
-              <a:spcAft>
-                <a:spcPts val="0"/>
-              </a:spcAft>
-              <a:buClr>
-                <a:schemeClr val="lt1"/>
-              </a:buClr>
-              <a:buSzPts val="1800"/>
-              <a:buNone/>
-              <a:defRPr sz="1800">
-                <a:solidFill>
-                  <a:schemeClr val="lt1"/>
-                </a:solidFill>
-              </a:defRPr>
-            </a:lvl9pPr>
-          </a:lstStyle>
-          <a:p/>
-        </p:txBody>
-      </p:sp>
-      <p:sp>
-        <p:nvSpPr>
-          <p:cNvPr id="14" name="Google Shape;14;p2"/>
-          <p:cNvSpPr txBox="1"/>
-          <p:nvPr>
             <p:ph idx="12" type="sldNum"/>
           </p:nvPr>
         </p:nvSpPr>
         <p:spPr>
           <a:xfrm>
-            <a:off x="8523541" y="4695623"/>
+            <a:off x="8472458" y="4663217"/>
             <a:ext cx="548700" cy="393600"/>
           </a:xfrm>
           <a:prstGeom prst="rect">
@@ -2623,16 +2361,9 @@
 <file path=ppt/slideLayouts/slideLayout10.xml><?xml version="1.0" encoding="utf-8"?>
 <p:sldLayout xmlns:a="http://schemas.openxmlformats.org/drawingml/2006/main" xmlns:r="http://schemas.openxmlformats.org/officeDocument/2006/relationships" xmlns:mc="http://schemas.openxmlformats.org/markup-compatibility/2006" xmlns:mv="urn:schemas-microsoft-com:mac:vml" xmlns:p="http://schemas.openxmlformats.org/presentationml/2006/main" xmlns:c="http://schemas.openxmlformats.org/drawingml/2006/chart" xmlns:dgm="http://schemas.openxmlformats.org/drawingml/2006/diagram" xmlns:o="urn:schemas-microsoft-com:office:office" xmlns:v="urn:schemas-microsoft-com:vml" xmlns:pvml="urn:schemas-microsoft-com:office:powerpoint" xmlns:com="http://schemas.openxmlformats.org/drawingml/2006/compatibility" xmlns:p14="http://schemas.microsoft.com/office/powerpoint/2010/main" xmlns:p15="http://schemas.microsoft.com/office/powerpoint/2012/main" matchingName="Big number">
   <p:cSld name="BIG_NUMBER">
-    <p:bg>
-      <p:bgPr>
-        <a:solidFill>
-          <a:schemeClr val="accent4"/>
-        </a:solidFill>
-      </p:bgPr>
-    </p:bg>
     <p:spTree>
       <p:nvGrpSpPr>
-        <p:cNvPr id="57" name="Shape 57"/>
+        <p:cNvPr id="44" name="Shape 44"/>
         <p:cNvGrpSpPr/>
         <p:nvPr/>
       </p:nvGrpSpPr>
@@ -2646,7 +2377,7 @@
       </p:grpSpPr>
       <p:sp>
         <p:nvSpPr>
-          <p:cNvPr id="58" name="Google Shape;58;p11"/>
+          <p:cNvPr id="45" name="Google Shape;45;p11"/>
           <p:cNvSpPr txBox="1"/>
           <p:nvPr>
             <p:ph hasCustomPrompt="1" type="title"/>
@@ -2654,8 +2385,8 @@
         </p:nvSpPr>
         <p:spPr>
           <a:xfrm>
-            <a:off x="475500" y="1258525"/>
-            <a:ext cx="8222100" cy="1963500"/>
+            <a:off x="311700" y="1106125"/>
+            <a:ext cx="8520600" cy="1963500"/>
           </a:xfrm>
           <a:prstGeom prst="rect">
             <a:avLst/>
@@ -2671,16 +2402,9 @@
               <a:spcAft>
                 <a:spcPts val="0"/>
               </a:spcAft>
-              <a:buClr>
-                <a:schemeClr val="dk2"/>
-              </a:buClr>
               <a:buSzPts val="12000"/>
               <a:buNone/>
-              <a:defRPr sz="12000">
-                <a:solidFill>
-                  <a:schemeClr val="dk2"/>
-                </a:solidFill>
-              </a:defRPr>
+              <a:defRPr sz="12000"/>
             </a:lvl1pPr>
             <a:lvl2pPr lvl="1" algn="ctr">
               <a:spcBef>
@@ -2689,16 +2413,9 @@
               <a:spcAft>
                 <a:spcPts val="0"/>
               </a:spcAft>
-              <a:buClr>
-                <a:schemeClr val="dk2"/>
-              </a:buClr>
               <a:buSzPts val="12000"/>
               <a:buNone/>
-              <a:defRPr sz="12000">
-                <a:solidFill>
-                  <a:schemeClr val="dk2"/>
-                </a:solidFill>
-              </a:defRPr>
+              <a:defRPr sz="12000"/>
             </a:lvl2pPr>
             <a:lvl3pPr lvl="2" algn="ctr">
               <a:spcBef>
@@ -2707,16 +2424,9 @@
               <a:spcAft>
                 <a:spcPts val="0"/>
               </a:spcAft>
-              <a:buClr>
-                <a:schemeClr val="dk2"/>
-              </a:buClr>
               <a:buSzPts val="12000"/>
               <a:buNone/>
-              <a:defRPr sz="12000">
-                <a:solidFill>
-                  <a:schemeClr val="dk2"/>
-                </a:solidFill>
-              </a:defRPr>
+              <a:defRPr sz="12000"/>
             </a:lvl3pPr>
             <a:lvl4pPr lvl="3" algn="ctr">
               <a:spcBef>
@@ -2725,16 +2435,9 @@
               <a:spcAft>
                 <a:spcPts val="0"/>
               </a:spcAft>
-              <a:buClr>
-                <a:schemeClr val="dk2"/>
-              </a:buClr>
               <a:buSzPts val="12000"/>
               <a:buNone/>
-              <a:defRPr sz="12000">
-                <a:solidFill>
-                  <a:schemeClr val="dk2"/>
-                </a:solidFill>
-              </a:defRPr>
+              <a:defRPr sz="12000"/>
             </a:lvl4pPr>
             <a:lvl5pPr lvl="4" algn="ctr">
               <a:spcBef>
@@ -2743,16 +2446,9 @@
               <a:spcAft>
                 <a:spcPts val="0"/>
               </a:spcAft>
-              <a:buClr>
-                <a:schemeClr val="dk2"/>
-              </a:buClr>
               <a:buSzPts val="12000"/>
               <a:buNone/>
-              <a:defRPr sz="12000">
-                <a:solidFill>
-                  <a:schemeClr val="dk2"/>
-                </a:solidFill>
-              </a:defRPr>
+              <a:defRPr sz="12000"/>
             </a:lvl5pPr>
             <a:lvl6pPr lvl="5" algn="ctr">
               <a:spcBef>
@@ -2761,16 +2457,9 @@
               <a:spcAft>
                 <a:spcPts val="0"/>
               </a:spcAft>
-              <a:buClr>
-                <a:schemeClr val="dk2"/>
-              </a:buClr>
               <a:buSzPts val="12000"/>
               <a:buNone/>
-              <a:defRPr sz="12000">
-                <a:solidFill>
-                  <a:schemeClr val="dk2"/>
-                </a:solidFill>
-              </a:defRPr>
+              <a:defRPr sz="12000"/>
             </a:lvl6pPr>
             <a:lvl7pPr lvl="6" algn="ctr">
               <a:spcBef>
@@ -2779,16 +2468,9 @@
               <a:spcAft>
                 <a:spcPts val="0"/>
               </a:spcAft>
-              <a:buClr>
-                <a:schemeClr val="dk2"/>
-              </a:buClr>
               <a:buSzPts val="12000"/>
               <a:buNone/>
-              <a:defRPr sz="12000">
-                <a:solidFill>
-                  <a:schemeClr val="dk2"/>
-                </a:solidFill>
-              </a:defRPr>
+              <a:defRPr sz="12000"/>
             </a:lvl7pPr>
             <a:lvl8pPr lvl="7" algn="ctr">
               <a:spcBef>
@@ -2797,16 +2479,9 @@
               <a:spcAft>
                 <a:spcPts val="0"/>
               </a:spcAft>
-              <a:buClr>
-                <a:schemeClr val="dk2"/>
-              </a:buClr>
               <a:buSzPts val="12000"/>
               <a:buNone/>
-              <a:defRPr sz="12000">
-                <a:solidFill>
-                  <a:schemeClr val="dk2"/>
-                </a:solidFill>
-              </a:defRPr>
+              <a:defRPr sz="12000"/>
             </a:lvl8pPr>
             <a:lvl9pPr lvl="8" algn="ctr">
               <a:spcBef>
@@ -2815,16 +2490,9 @@
               <a:spcAft>
                 <a:spcPts val="0"/>
               </a:spcAft>
-              <a:buClr>
-                <a:schemeClr val="dk2"/>
-              </a:buClr>
               <a:buSzPts val="12000"/>
               <a:buNone/>
-              <a:defRPr sz="12000">
-                <a:solidFill>
-                  <a:schemeClr val="dk2"/>
-                </a:solidFill>
-              </a:defRPr>
+              <a:defRPr sz="12000"/>
             </a:lvl9pPr>
           </a:lstStyle>
           <a:p>
@@ -2836,7 +2504,7 @@
       </p:sp>
       <p:sp>
         <p:nvSpPr>
-          <p:cNvPr id="59" name="Google Shape;59;p11"/>
+          <p:cNvPr id="46" name="Google Shape;46;p11"/>
           <p:cNvSpPr txBox="1"/>
           <p:nvPr>
             <p:ph idx="1" type="body"/>
@@ -2844,8 +2512,8 @@
         </p:nvSpPr>
         <p:spPr>
           <a:xfrm>
-            <a:off x="475500" y="3304625"/>
-            <a:ext cx="8222100" cy="1300800"/>
+            <a:off x="311700" y="3152225"/>
+            <a:ext cx="8520600" cy="1300800"/>
           </a:xfrm>
           <a:prstGeom prst="rect">
             <a:avLst/>
@@ -2959,7 +2627,7 @@
       </p:sp>
       <p:sp>
         <p:nvSpPr>
-          <p:cNvPr id="60" name="Google Shape;60;p11"/>
+          <p:cNvPr id="47" name="Google Shape;47;p11"/>
           <p:cNvSpPr txBox="1"/>
           <p:nvPr>
             <p:ph idx="12" type="sldNum"/>
@@ -2967,7 +2635,7 @@
         </p:nvSpPr>
         <p:spPr>
           <a:xfrm>
-            <a:off x="8523541" y="4695623"/>
+            <a:off x="8472458" y="4663217"/>
             <a:ext cx="548700" cy="393600"/>
           </a:xfrm>
           <a:prstGeom prst="rect">
@@ -3045,16 +2713,9 @@
 <file path=ppt/slideLayouts/slideLayout11.xml><?xml version="1.0" encoding="utf-8"?>
 <p:sldLayout xmlns:a="http://schemas.openxmlformats.org/drawingml/2006/main" xmlns:r="http://schemas.openxmlformats.org/officeDocument/2006/relationships" xmlns:mc="http://schemas.openxmlformats.org/markup-compatibility/2006" xmlns:mv="urn:schemas-microsoft-com:mac:vml" xmlns:p="http://schemas.openxmlformats.org/presentationml/2006/main" xmlns:c="http://schemas.openxmlformats.org/drawingml/2006/chart" xmlns:dgm="http://schemas.openxmlformats.org/drawingml/2006/diagram" xmlns:o="urn:schemas-microsoft-com:office:office" xmlns:v="urn:schemas-microsoft-com:vml" xmlns:pvml="urn:schemas-microsoft-com:office:powerpoint" xmlns:com="http://schemas.openxmlformats.org/drawingml/2006/compatibility" xmlns:p14="http://schemas.microsoft.com/office/powerpoint/2010/main" xmlns:p15="http://schemas.microsoft.com/office/powerpoint/2012/main" matchingName="Blank" type="blank">
   <p:cSld name="BLANK">
-    <p:bg>
-      <p:bgPr>
-        <a:solidFill>
-          <a:schemeClr val="accent4"/>
-        </a:solidFill>
-      </p:bgPr>
-    </p:bg>
     <p:spTree>
       <p:nvGrpSpPr>
-        <p:cNvPr id="61" name="Shape 61"/>
+        <p:cNvPr id="48" name="Shape 48"/>
         <p:cNvGrpSpPr/>
         <p:nvPr/>
       </p:nvGrpSpPr>
@@ -3068,7 +2729,7 @@
       </p:grpSpPr>
       <p:sp>
         <p:nvSpPr>
-          <p:cNvPr id="62" name="Google Shape;62;p12"/>
+          <p:cNvPr id="49" name="Google Shape;49;p12"/>
           <p:cNvSpPr txBox="1"/>
           <p:nvPr>
             <p:ph idx="12" type="sldNum"/>
@@ -3076,7 +2737,7 @@
         </p:nvSpPr>
         <p:spPr>
           <a:xfrm>
-            <a:off x="8523541" y="4695623"/>
+            <a:off x="8472458" y="4663217"/>
             <a:ext cx="548700" cy="393600"/>
           </a:xfrm>
           <a:prstGeom prst="rect">
@@ -3156,7 +2817,7 @@
   <p:cSld name="SECTION_HEADER">
     <p:spTree>
       <p:nvGrpSpPr>
-        <p:cNvPr id="15" name="Shape 15"/>
+        <p:cNvPr id="13" name="Shape 13"/>
         <p:cNvGrpSpPr/>
         <p:nvPr/>
       </p:nvGrpSpPr>
@@ -3170,7 +2831,7 @@
       </p:grpSpPr>
       <p:sp>
         <p:nvSpPr>
-          <p:cNvPr id="16" name="Google Shape;16;p3"/>
+          <p:cNvPr id="14" name="Google Shape;14;p3"/>
           <p:cNvSpPr txBox="1"/>
           <p:nvPr>
             <p:ph type="title"/>
@@ -3178,8 +2839,8 @@
         </p:nvSpPr>
         <p:spPr>
           <a:xfrm>
-            <a:off x="460950" y="2065350"/>
-            <a:ext cx="8222100" cy="1012800"/>
+            <a:off x="311700" y="2150850"/>
+            <a:ext cx="8520600" cy="841800"/>
           </a:xfrm>
           <a:prstGeom prst="rect">
             <a:avLst/>
@@ -3188,104 +2849,104 @@
         <p:txBody>
           <a:bodyPr anchorCtr="0" anchor="ctr" bIns="91425" lIns="91425" spcFirstLastPara="1" rIns="91425" wrap="square" tIns="91425"/>
           <a:lstStyle>
-            <a:lvl1pPr lvl="0">
-              <a:spcBef>
-                <a:spcPts val="0"/>
-              </a:spcBef>
-              <a:spcAft>
-                <a:spcPts val="0"/>
-              </a:spcAft>
-              <a:buSzPts val="4200"/>
-              <a:buNone/>
-              <a:defRPr sz="4200"/>
+            <a:lvl1pPr lvl="0" algn="ctr">
+              <a:spcBef>
+                <a:spcPts val="0"/>
+              </a:spcBef>
+              <a:spcAft>
+                <a:spcPts val="0"/>
+              </a:spcAft>
+              <a:buSzPts val="3600"/>
+              <a:buNone/>
+              <a:defRPr sz="3600"/>
             </a:lvl1pPr>
-            <a:lvl2pPr lvl="1">
-              <a:spcBef>
-                <a:spcPts val="0"/>
-              </a:spcBef>
-              <a:spcAft>
-                <a:spcPts val="0"/>
-              </a:spcAft>
-              <a:buSzPts val="4200"/>
-              <a:buNone/>
-              <a:defRPr sz="4200"/>
+            <a:lvl2pPr lvl="1" algn="ctr">
+              <a:spcBef>
+                <a:spcPts val="0"/>
+              </a:spcBef>
+              <a:spcAft>
+                <a:spcPts val="0"/>
+              </a:spcAft>
+              <a:buSzPts val="3600"/>
+              <a:buNone/>
+              <a:defRPr sz="3600"/>
             </a:lvl2pPr>
-            <a:lvl3pPr lvl="2">
-              <a:spcBef>
-                <a:spcPts val="0"/>
-              </a:spcBef>
-              <a:spcAft>
-                <a:spcPts val="0"/>
-              </a:spcAft>
-              <a:buSzPts val="4200"/>
-              <a:buNone/>
-              <a:defRPr sz="4200"/>
+            <a:lvl3pPr lvl="2" algn="ctr">
+              <a:spcBef>
+                <a:spcPts val="0"/>
+              </a:spcBef>
+              <a:spcAft>
+                <a:spcPts val="0"/>
+              </a:spcAft>
+              <a:buSzPts val="3600"/>
+              <a:buNone/>
+              <a:defRPr sz="3600"/>
             </a:lvl3pPr>
-            <a:lvl4pPr lvl="3">
-              <a:spcBef>
-                <a:spcPts val="0"/>
-              </a:spcBef>
-              <a:spcAft>
-                <a:spcPts val="0"/>
-              </a:spcAft>
-              <a:buSzPts val="4200"/>
-              <a:buNone/>
-              <a:defRPr sz="4200"/>
+            <a:lvl4pPr lvl="3" algn="ctr">
+              <a:spcBef>
+                <a:spcPts val="0"/>
+              </a:spcBef>
+              <a:spcAft>
+                <a:spcPts val="0"/>
+              </a:spcAft>
+              <a:buSzPts val="3600"/>
+              <a:buNone/>
+              <a:defRPr sz="3600"/>
             </a:lvl4pPr>
-            <a:lvl5pPr lvl="4">
-              <a:spcBef>
-                <a:spcPts val="0"/>
-              </a:spcBef>
-              <a:spcAft>
-                <a:spcPts val="0"/>
-              </a:spcAft>
-              <a:buSzPts val="4200"/>
-              <a:buNone/>
-              <a:defRPr sz="4200"/>
+            <a:lvl5pPr lvl="4" algn="ctr">
+              <a:spcBef>
+                <a:spcPts val="0"/>
+              </a:spcBef>
+              <a:spcAft>
+                <a:spcPts val="0"/>
+              </a:spcAft>
+              <a:buSzPts val="3600"/>
+              <a:buNone/>
+              <a:defRPr sz="3600"/>
             </a:lvl5pPr>
-            <a:lvl6pPr lvl="5">
-              <a:spcBef>
-                <a:spcPts val="0"/>
-              </a:spcBef>
-              <a:spcAft>
-                <a:spcPts val="0"/>
-              </a:spcAft>
-              <a:buSzPts val="4200"/>
-              <a:buNone/>
-              <a:defRPr sz="4200"/>
+            <a:lvl6pPr lvl="5" algn="ctr">
+              <a:spcBef>
+                <a:spcPts val="0"/>
+              </a:spcBef>
+              <a:spcAft>
+                <a:spcPts val="0"/>
+              </a:spcAft>
+              <a:buSzPts val="3600"/>
+              <a:buNone/>
+              <a:defRPr sz="3600"/>
             </a:lvl6pPr>
-            <a:lvl7pPr lvl="6">
-              <a:spcBef>
-                <a:spcPts val="0"/>
-              </a:spcBef>
-              <a:spcAft>
-                <a:spcPts val="0"/>
-              </a:spcAft>
-              <a:buSzPts val="4200"/>
-              <a:buNone/>
-              <a:defRPr sz="4200"/>
+            <a:lvl7pPr lvl="6" algn="ctr">
+              <a:spcBef>
+                <a:spcPts val="0"/>
+              </a:spcBef>
+              <a:spcAft>
+                <a:spcPts val="0"/>
+              </a:spcAft>
+              <a:buSzPts val="3600"/>
+              <a:buNone/>
+              <a:defRPr sz="3600"/>
             </a:lvl7pPr>
-            <a:lvl8pPr lvl="7">
-              <a:spcBef>
-                <a:spcPts val="0"/>
-              </a:spcBef>
-              <a:spcAft>
-                <a:spcPts val="0"/>
-              </a:spcAft>
-              <a:buSzPts val="4200"/>
-              <a:buNone/>
-              <a:defRPr sz="4200"/>
+            <a:lvl8pPr lvl="7" algn="ctr">
+              <a:spcBef>
+                <a:spcPts val="0"/>
+              </a:spcBef>
+              <a:spcAft>
+                <a:spcPts val="0"/>
+              </a:spcAft>
+              <a:buSzPts val="3600"/>
+              <a:buNone/>
+              <a:defRPr sz="3600"/>
             </a:lvl8pPr>
-            <a:lvl9pPr lvl="8">
-              <a:spcBef>
-                <a:spcPts val="0"/>
-              </a:spcBef>
-              <a:spcAft>
-                <a:spcPts val="0"/>
-              </a:spcAft>
-              <a:buSzPts val="4200"/>
-              <a:buNone/>
-              <a:defRPr sz="4200"/>
+            <a:lvl9pPr lvl="8" algn="ctr">
+              <a:spcBef>
+                <a:spcPts val="0"/>
+              </a:spcBef>
+              <a:spcAft>
+                <a:spcPts val="0"/>
+              </a:spcAft>
+              <a:buSzPts val="3600"/>
+              <a:buNone/>
+              <a:defRPr sz="3600"/>
             </a:lvl9pPr>
           </a:lstStyle>
           <a:p/>
@@ -3293,7 +2954,7 @@
       </p:sp>
       <p:sp>
         <p:nvSpPr>
-          <p:cNvPr id="17" name="Google Shape;17;p3"/>
+          <p:cNvPr id="15" name="Google Shape;15;p3"/>
           <p:cNvSpPr txBox="1"/>
           <p:nvPr>
             <p:ph idx="12" type="sldNum"/>
@@ -3301,7 +2962,7 @@
         </p:nvSpPr>
         <p:spPr>
           <a:xfrm>
-            <a:off x="8523541" y="4695623"/>
+            <a:off x="8472458" y="4663217"/>
             <a:ext cx="548700" cy="393600"/>
           </a:xfrm>
           <a:prstGeom prst="rect">
@@ -3315,75 +2976,39 @@
           <a:lstStyle>
             <a:lvl1pPr lvl="0">
               <a:buNone/>
-              <a:defRPr>
-                <a:solidFill>
-                  <a:schemeClr val="lt1"/>
-                </a:solidFill>
-              </a:defRPr>
+              <a:defRPr/>
             </a:lvl1pPr>
             <a:lvl2pPr lvl="1">
               <a:buNone/>
-              <a:defRPr>
-                <a:solidFill>
-                  <a:schemeClr val="lt1"/>
-                </a:solidFill>
-              </a:defRPr>
+              <a:defRPr/>
             </a:lvl2pPr>
             <a:lvl3pPr lvl="2">
               <a:buNone/>
-              <a:defRPr>
-                <a:solidFill>
-                  <a:schemeClr val="lt1"/>
-                </a:solidFill>
-              </a:defRPr>
+              <a:defRPr/>
             </a:lvl3pPr>
             <a:lvl4pPr lvl="3">
               <a:buNone/>
-              <a:defRPr>
-                <a:solidFill>
-                  <a:schemeClr val="lt1"/>
-                </a:solidFill>
-              </a:defRPr>
+              <a:defRPr/>
             </a:lvl4pPr>
             <a:lvl5pPr lvl="4">
               <a:buNone/>
-              <a:defRPr>
-                <a:solidFill>
-                  <a:schemeClr val="lt1"/>
-                </a:solidFill>
-              </a:defRPr>
+              <a:defRPr/>
             </a:lvl5pPr>
             <a:lvl6pPr lvl="5">
               <a:buNone/>
-              <a:defRPr>
-                <a:solidFill>
-                  <a:schemeClr val="lt1"/>
-                </a:solidFill>
-              </a:defRPr>
+              <a:defRPr/>
             </a:lvl6pPr>
             <a:lvl7pPr lvl="6">
               <a:buNone/>
-              <a:defRPr>
-                <a:solidFill>
-                  <a:schemeClr val="lt1"/>
-                </a:solidFill>
-              </a:defRPr>
+              <a:defRPr/>
             </a:lvl7pPr>
             <a:lvl8pPr lvl="7">
               <a:buNone/>
-              <a:defRPr>
-                <a:solidFill>
-                  <a:schemeClr val="lt1"/>
-                </a:solidFill>
-              </a:defRPr>
+              <a:defRPr/>
             </a:lvl8pPr>
             <a:lvl9pPr lvl="8">
               <a:buNone/>
-              <a:defRPr>
-                <a:solidFill>
-                  <a:schemeClr val="lt1"/>
-                </a:solidFill>
-              </a:defRPr>
+              <a:defRPr/>
             </a:lvl9pPr>
           </a:lstStyle>
           <a:p>
@@ -3417,7 +3042,7 @@
   <p:cSld name="TITLE_AND_BODY">
     <p:spTree>
       <p:nvGrpSpPr>
-        <p:cNvPr id="18" name="Shape 18"/>
+        <p:cNvPr id="16" name="Shape 16"/>
         <p:cNvGrpSpPr/>
         <p:nvPr/>
       </p:nvGrpSpPr>
@@ -3431,107 +3056,7 @@
       </p:grpSpPr>
       <p:sp>
         <p:nvSpPr>
-          <p:cNvPr id="19" name="Google Shape;19;p4"/>
-          <p:cNvSpPr/>
-          <p:nvPr/>
-        </p:nvSpPr>
-        <p:spPr>
-          <a:xfrm flipH="1" rot="10800000">
-            <a:off x="0" y="1686000"/>
-            <a:ext cx="9144000" cy="3457500"/>
-          </a:xfrm>
-          <a:prstGeom prst="rect">
-            <a:avLst/>
-          </a:prstGeom>
-          <a:solidFill>
-            <a:schemeClr val="accent4"/>
-          </a:solidFill>
-          <a:ln>
-            <a:noFill/>
-          </a:ln>
-        </p:spPr>
-        <p:txBody>
-          <a:bodyPr anchorCtr="0" anchor="ctr" bIns="91425" lIns="91425" spcFirstLastPara="1" rIns="91425" wrap="square" tIns="91425">
-            <a:noAutofit/>
-          </a:bodyPr>
-          <a:lstStyle/>
-          <a:p>
-            <a:pPr indent="0" lvl="0" marL="0">
-              <a:spcBef>
-                <a:spcPts val="0"/>
-              </a:spcBef>
-              <a:spcAft>
-                <a:spcPts val="0"/>
-              </a:spcAft>
-              <a:buNone/>
-            </a:pPr>
-            <a:r>
-              <a:t/>
-            </a:r>
-            <a:endParaRPr/>
-          </a:p>
-        </p:txBody>
-      </p:sp>
-      <p:sp>
-        <p:nvSpPr>
-          <p:cNvPr id="20" name="Google Shape;20;p4"/>
-          <p:cNvSpPr/>
-          <p:nvPr/>
-        </p:nvSpPr>
-        <p:spPr>
-          <a:xfrm>
-            <a:off x="0" y="1686000"/>
-            <a:ext cx="9144000" cy="108600"/>
-          </a:xfrm>
-          <a:prstGeom prst="rect">
-            <a:avLst/>
-          </a:prstGeom>
-          <a:gradFill>
-            <a:gsLst>
-              <a:gs pos="0">
-                <a:srgbClr val="F9F9F9"/>
-              </a:gs>
-              <a:gs pos="36000">
-                <a:srgbClr val="F9F9F9"/>
-              </a:gs>
-              <a:gs pos="80000">
-                <a:srgbClr val="DEDEDE"/>
-              </a:gs>
-              <a:gs pos="100000">
-                <a:srgbClr val="999999"/>
-              </a:gs>
-            </a:gsLst>
-            <a:lin ang="16200038" scaled="0"/>
-          </a:gradFill>
-          <a:ln>
-            <a:noFill/>
-          </a:ln>
-        </p:spPr>
-        <p:txBody>
-          <a:bodyPr anchorCtr="0" anchor="ctr" bIns="91425" lIns="91425" spcFirstLastPara="1" rIns="91425" wrap="square" tIns="91425">
-            <a:noAutofit/>
-          </a:bodyPr>
-          <a:lstStyle/>
-          <a:p>
-            <a:pPr indent="0" lvl="0" marL="0">
-              <a:spcBef>
-                <a:spcPts val="0"/>
-              </a:spcBef>
-              <a:spcAft>
-                <a:spcPts val="0"/>
-              </a:spcAft>
-              <a:buNone/>
-            </a:pPr>
-            <a:r>
-              <a:t/>
-            </a:r>
-            <a:endParaRPr/>
-          </a:p>
-        </p:txBody>
-      </p:sp>
-      <p:sp>
-        <p:nvSpPr>
-          <p:cNvPr id="21" name="Google Shape;21;p4"/>
+          <p:cNvPr id="17" name="Google Shape;17;p4"/>
           <p:cNvSpPr txBox="1"/>
           <p:nvPr>
             <p:ph type="title"/>
@@ -3539,15 +3064,15 @@
         </p:nvSpPr>
         <p:spPr>
           <a:xfrm>
-            <a:off x="471900" y="738725"/>
-            <a:ext cx="8222100" cy="767700"/>
+            <a:off x="311700" y="445025"/>
+            <a:ext cx="8520600" cy="572700"/>
           </a:xfrm>
           <a:prstGeom prst="rect">
             <a:avLst/>
           </a:prstGeom>
         </p:spPr>
         <p:txBody>
-          <a:bodyPr anchorCtr="0" anchor="b" bIns="91425" lIns="91425" spcFirstLastPara="1" rIns="91425" wrap="square" tIns="91425"/>
+          <a:bodyPr anchorCtr="0" anchor="t" bIns="91425" lIns="91425" spcFirstLastPara="1" rIns="91425" wrap="square" tIns="91425"/>
           <a:lstStyle>
             <a:lvl1pPr lvl="0">
               <a:spcBef>
@@ -3556,7 +3081,7 @@
               <a:spcAft>
                 <a:spcPts val="0"/>
               </a:spcAft>
-              <a:buSzPts val="3200"/>
+              <a:buSzPts val="2800"/>
               <a:buNone/>
               <a:defRPr/>
             </a:lvl1pPr>
@@ -3567,7 +3092,7 @@
               <a:spcAft>
                 <a:spcPts val="0"/>
               </a:spcAft>
-              <a:buSzPts val="3200"/>
+              <a:buSzPts val="2800"/>
               <a:buNone/>
               <a:defRPr/>
             </a:lvl2pPr>
@@ -3578,7 +3103,7 @@
               <a:spcAft>
                 <a:spcPts val="0"/>
               </a:spcAft>
-              <a:buSzPts val="3200"/>
+              <a:buSzPts val="2800"/>
               <a:buNone/>
               <a:defRPr/>
             </a:lvl3pPr>
@@ -3589,7 +3114,7 @@
               <a:spcAft>
                 <a:spcPts val="0"/>
               </a:spcAft>
-              <a:buSzPts val="3200"/>
+              <a:buSzPts val="2800"/>
               <a:buNone/>
               <a:defRPr/>
             </a:lvl4pPr>
@@ -3600,7 +3125,7 @@
               <a:spcAft>
                 <a:spcPts val="0"/>
               </a:spcAft>
-              <a:buSzPts val="3200"/>
+              <a:buSzPts val="2800"/>
               <a:buNone/>
               <a:defRPr/>
             </a:lvl5pPr>
@@ -3611,7 +3136,7 @@
               <a:spcAft>
                 <a:spcPts val="0"/>
               </a:spcAft>
-              <a:buSzPts val="3200"/>
+              <a:buSzPts val="2800"/>
               <a:buNone/>
               <a:defRPr/>
             </a:lvl6pPr>
@@ -3622,7 +3147,7 @@
               <a:spcAft>
                 <a:spcPts val="0"/>
               </a:spcAft>
-              <a:buSzPts val="3200"/>
+              <a:buSzPts val="2800"/>
               <a:buNone/>
               <a:defRPr/>
             </a:lvl7pPr>
@@ -3633,7 +3158,7 @@
               <a:spcAft>
                 <a:spcPts val="0"/>
               </a:spcAft>
-              <a:buSzPts val="3200"/>
+              <a:buSzPts val="2800"/>
               <a:buNone/>
               <a:defRPr/>
             </a:lvl8pPr>
@@ -3644,7 +3169,7 @@
               <a:spcAft>
                 <a:spcPts val="0"/>
               </a:spcAft>
-              <a:buSzPts val="3200"/>
+              <a:buSzPts val="2800"/>
               <a:buNone/>
               <a:defRPr/>
             </a:lvl9pPr>
@@ -3654,7 +3179,7 @@
       </p:sp>
       <p:sp>
         <p:nvSpPr>
-          <p:cNvPr id="22" name="Google Shape;22;p4"/>
+          <p:cNvPr id="18" name="Google Shape;18;p4"/>
           <p:cNvSpPr txBox="1"/>
           <p:nvPr>
             <p:ph idx="1" type="body"/>
@@ -3662,8 +3187,8 @@
         </p:nvSpPr>
         <p:spPr>
           <a:xfrm>
-            <a:off x="471900" y="1919075"/>
-            <a:ext cx="8222100" cy="2710200"/>
+            <a:off x="311700" y="1152475"/>
+            <a:ext cx="8520600" cy="3416400"/>
           </a:xfrm>
           <a:prstGeom prst="rect">
             <a:avLst/>
@@ -3777,7 +3302,7 @@
       </p:sp>
       <p:sp>
         <p:nvSpPr>
-          <p:cNvPr id="23" name="Google Shape;23;p4"/>
+          <p:cNvPr id="19" name="Google Shape;19;p4"/>
           <p:cNvSpPr txBox="1"/>
           <p:nvPr>
             <p:ph idx="12" type="sldNum"/>
@@ -3785,7 +3310,7 @@
         </p:nvSpPr>
         <p:spPr>
           <a:xfrm>
-            <a:off x="8523541" y="4695623"/>
+            <a:off x="8472458" y="4663217"/>
             <a:ext cx="548700" cy="393600"/>
           </a:xfrm>
           <a:prstGeom prst="rect">
@@ -3865,7 +3390,7 @@
   <p:cSld name="TITLE_AND_TWO_COLUMNS">
     <p:spTree>
       <p:nvGrpSpPr>
-        <p:cNvPr id="24" name="Shape 24"/>
+        <p:cNvPr id="20" name="Shape 20"/>
         <p:cNvGrpSpPr/>
         <p:nvPr/>
       </p:nvGrpSpPr>
@@ -3879,107 +3404,7 @@
       </p:grpSpPr>
       <p:sp>
         <p:nvSpPr>
-          <p:cNvPr id="25" name="Google Shape;25;p5"/>
-          <p:cNvSpPr/>
-          <p:nvPr/>
-        </p:nvSpPr>
-        <p:spPr>
-          <a:xfrm flipH="1" rot="10800000">
-            <a:off x="0" y="1686000"/>
-            <a:ext cx="9144000" cy="3457500"/>
-          </a:xfrm>
-          <a:prstGeom prst="rect">
-            <a:avLst/>
-          </a:prstGeom>
-          <a:solidFill>
-            <a:schemeClr val="accent4"/>
-          </a:solidFill>
-          <a:ln>
-            <a:noFill/>
-          </a:ln>
-        </p:spPr>
-        <p:txBody>
-          <a:bodyPr anchorCtr="0" anchor="ctr" bIns="91425" lIns="91425" spcFirstLastPara="1" rIns="91425" wrap="square" tIns="91425">
-            <a:noAutofit/>
-          </a:bodyPr>
-          <a:lstStyle/>
-          <a:p>
-            <a:pPr indent="0" lvl="0" marL="0">
-              <a:spcBef>
-                <a:spcPts val="0"/>
-              </a:spcBef>
-              <a:spcAft>
-                <a:spcPts val="0"/>
-              </a:spcAft>
-              <a:buNone/>
-            </a:pPr>
-            <a:r>
-              <a:t/>
-            </a:r>
-            <a:endParaRPr/>
-          </a:p>
-        </p:txBody>
-      </p:sp>
-      <p:sp>
-        <p:nvSpPr>
-          <p:cNvPr id="26" name="Google Shape;26;p5"/>
-          <p:cNvSpPr/>
-          <p:nvPr/>
-        </p:nvSpPr>
-        <p:spPr>
-          <a:xfrm>
-            <a:off x="0" y="1686000"/>
-            <a:ext cx="9144000" cy="108600"/>
-          </a:xfrm>
-          <a:prstGeom prst="rect">
-            <a:avLst/>
-          </a:prstGeom>
-          <a:gradFill>
-            <a:gsLst>
-              <a:gs pos="0">
-                <a:srgbClr val="F9F9F9"/>
-              </a:gs>
-              <a:gs pos="36000">
-                <a:srgbClr val="F9F9F9"/>
-              </a:gs>
-              <a:gs pos="80000">
-                <a:srgbClr val="DEDEDE"/>
-              </a:gs>
-              <a:gs pos="100000">
-                <a:srgbClr val="999999"/>
-              </a:gs>
-            </a:gsLst>
-            <a:lin ang="16200038" scaled="0"/>
-          </a:gradFill>
-          <a:ln>
-            <a:noFill/>
-          </a:ln>
-        </p:spPr>
-        <p:txBody>
-          <a:bodyPr anchorCtr="0" anchor="ctr" bIns="91425" lIns="91425" spcFirstLastPara="1" rIns="91425" wrap="square" tIns="91425">
-            <a:noAutofit/>
-          </a:bodyPr>
-          <a:lstStyle/>
-          <a:p>
-            <a:pPr indent="0" lvl="0" marL="0">
-              <a:spcBef>
-                <a:spcPts val="0"/>
-              </a:spcBef>
-              <a:spcAft>
-                <a:spcPts val="0"/>
-              </a:spcAft>
-              <a:buNone/>
-            </a:pPr>
-            <a:r>
-              <a:t/>
-            </a:r>
-            <a:endParaRPr/>
-          </a:p>
-        </p:txBody>
-      </p:sp>
-      <p:sp>
-        <p:nvSpPr>
-          <p:cNvPr id="27" name="Google Shape;27;p5"/>
+          <p:cNvPr id="21" name="Google Shape;21;p5"/>
           <p:cNvSpPr txBox="1"/>
           <p:nvPr>
             <p:ph type="title"/>
@@ -3987,15 +3412,15 @@
         </p:nvSpPr>
         <p:spPr>
           <a:xfrm>
-            <a:off x="471900" y="738725"/>
-            <a:ext cx="8222100" cy="767700"/>
+            <a:off x="311700" y="445025"/>
+            <a:ext cx="8520600" cy="572700"/>
           </a:xfrm>
           <a:prstGeom prst="rect">
             <a:avLst/>
           </a:prstGeom>
         </p:spPr>
         <p:txBody>
-          <a:bodyPr anchorCtr="0" anchor="b" bIns="91425" lIns="91425" spcFirstLastPara="1" rIns="91425" wrap="square" tIns="91425"/>
+          <a:bodyPr anchorCtr="0" anchor="t" bIns="91425" lIns="91425" spcFirstLastPara="1" rIns="91425" wrap="square" tIns="91425"/>
           <a:lstStyle>
             <a:lvl1pPr lvl="0">
               <a:spcBef>
@@ -4004,7 +3429,7 @@
               <a:spcAft>
                 <a:spcPts val="0"/>
               </a:spcAft>
-              <a:buSzPts val="3200"/>
+              <a:buSzPts val="2800"/>
               <a:buNone/>
               <a:defRPr/>
             </a:lvl1pPr>
@@ -4015,7 +3440,7 @@
               <a:spcAft>
                 <a:spcPts val="0"/>
               </a:spcAft>
-              <a:buSzPts val="3200"/>
+              <a:buSzPts val="2800"/>
               <a:buNone/>
               <a:defRPr/>
             </a:lvl2pPr>
@@ -4026,7 +3451,7 @@
               <a:spcAft>
                 <a:spcPts val="0"/>
               </a:spcAft>
-              <a:buSzPts val="3200"/>
+              <a:buSzPts val="2800"/>
               <a:buNone/>
               <a:defRPr/>
             </a:lvl3pPr>
@@ -4037,7 +3462,7 @@
               <a:spcAft>
                 <a:spcPts val="0"/>
               </a:spcAft>
-              <a:buSzPts val="3200"/>
+              <a:buSzPts val="2800"/>
               <a:buNone/>
               <a:defRPr/>
             </a:lvl4pPr>
@@ -4048,7 +3473,7 @@
               <a:spcAft>
                 <a:spcPts val="0"/>
               </a:spcAft>
-              <a:buSzPts val="3200"/>
+              <a:buSzPts val="2800"/>
               <a:buNone/>
               <a:defRPr/>
             </a:lvl5pPr>
@@ -4059,7 +3484,7 @@
               <a:spcAft>
                 <a:spcPts val="0"/>
               </a:spcAft>
-              <a:buSzPts val="3200"/>
+              <a:buSzPts val="2800"/>
               <a:buNone/>
               <a:defRPr/>
             </a:lvl6pPr>
@@ -4070,7 +3495,7 @@
               <a:spcAft>
                 <a:spcPts val="0"/>
               </a:spcAft>
-              <a:buSzPts val="3200"/>
+              <a:buSzPts val="2800"/>
               <a:buNone/>
               <a:defRPr/>
             </a:lvl7pPr>
@@ -4081,7 +3506,7 @@
               <a:spcAft>
                 <a:spcPts val="0"/>
               </a:spcAft>
-              <a:buSzPts val="3200"/>
+              <a:buSzPts val="2800"/>
               <a:buNone/>
               <a:defRPr/>
             </a:lvl8pPr>
@@ -4092,7 +3517,7 @@
               <a:spcAft>
                 <a:spcPts val="0"/>
               </a:spcAft>
-              <a:buSzPts val="3200"/>
+              <a:buSzPts val="2800"/>
               <a:buNone/>
               <a:defRPr/>
             </a:lvl9pPr>
@@ -4102,7 +3527,7 @@
       </p:sp>
       <p:sp>
         <p:nvSpPr>
-          <p:cNvPr id="28" name="Google Shape;28;p5"/>
+          <p:cNvPr id="22" name="Google Shape;22;p5"/>
           <p:cNvSpPr txBox="1"/>
           <p:nvPr>
             <p:ph idx="1" type="body"/>
@@ -4110,8 +3535,8 @@
         </p:nvSpPr>
         <p:spPr>
           <a:xfrm>
-            <a:off x="471900" y="1919075"/>
-            <a:ext cx="3999900" cy="2710200"/>
+            <a:off x="311700" y="1152475"/>
+            <a:ext cx="3999900" cy="3416400"/>
           </a:xfrm>
           <a:prstGeom prst="rect">
             <a:avLst/>
@@ -4225,7 +3650,7 @@
       </p:sp>
       <p:sp>
         <p:nvSpPr>
-          <p:cNvPr id="29" name="Google Shape;29;p5"/>
+          <p:cNvPr id="23" name="Google Shape;23;p5"/>
           <p:cNvSpPr txBox="1"/>
           <p:nvPr>
             <p:ph idx="2" type="body"/>
@@ -4233,8 +3658,8 @@
         </p:nvSpPr>
         <p:spPr>
           <a:xfrm>
-            <a:off x="4694250" y="1919075"/>
-            <a:ext cx="3999900" cy="2710200"/>
+            <a:off x="4832400" y="1152475"/>
+            <a:ext cx="3999900" cy="3416400"/>
           </a:xfrm>
           <a:prstGeom prst="rect">
             <a:avLst/>
@@ -4348,7 +3773,7 @@
       </p:sp>
       <p:sp>
         <p:nvSpPr>
-          <p:cNvPr id="30" name="Google Shape;30;p5"/>
+          <p:cNvPr id="24" name="Google Shape;24;p5"/>
           <p:cNvSpPr txBox="1"/>
           <p:nvPr>
             <p:ph idx="12" type="sldNum"/>
@@ -4356,7 +3781,7 @@
         </p:nvSpPr>
         <p:spPr>
           <a:xfrm>
-            <a:off x="8523541" y="4695623"/>
+            <a:off x="8472458" y="4663217"/>
             <a:ext cx="548700" cy="393600"/>
           </a:xfrm>
           <a:prstGeom prst="rect">
@@ -4436,7 +3861,7 @@
   <p:cSld name="TITLE_ONLY">
     <p:spTree>
       <p:nvGrpSpPr>
-        <p:cNvPr id="31" name="Shape 31"/>
+        <p:cNvPr id="25" name="Shape 25"/>
         <p:cNvGrpSpPr/>
         <p:nvPr/>
       </p:nvGrpSpPr>
@@ -4450,107 +3875,7 @@
       </p:grpSpPr>
       <p:sp>
         <p:nvSpPr>
-          <p:cNvPr id="32" name="Google Shape;32;p6"/>
-          <p:cNvSpPr/>
-          <p:nvPr/>
-        </p:nvSpPr>
-        <p:spPr>
-          <a:xfrm flipH="1" rot="10800000">
-            <a:off x="0" y="656400"/>
-            <a:ext cx="9144000" cy="4487100"/>
-          </a:xfrm>
-          <a:prstGeom prst="rect">
-            <a:avLst/>
-          </a:prstGeom>
-          <a:solidFill>
-            <a:schemeClr val="accent4"/>
-          </a:solidFill>
-          <a:ln>
-            <a:noFill/>
-          </a:ln>
-        </p:spPr>
-        <p:txBody>
-          <a:bodyPr anchorCtr="0" anchor="ctr" bIns="91425" lIns="91425" spcFirstLastPara="1" rIns="91425" wrap="square" tIns="91425">
-            <a:noAutofit/>
-          </a:bodyPr>
-          <a:lstStyle/>
-          <a:p>
-            <a:pPr indent="0" lvl="0" marL="0">
-              <a:spcBef>
-                <a:spcPts val="0"/>
-              </a:spcBef>
-              <a:spcAft>
-                <a:spcPts val="0"/>
-              </a:spcAft>
-              <a:buNone/>
-            </a:pPr>
-            <a:r>
-              <a:t/>
-            </a:r>
-            <a:endParaRPr/>
-          </a:p>
-        </p:txBody>
-      </p:sp>
-      <p:sp>
-        <p:nvSpPr>
-          <p:cNvPr id="33" name="Google Shape;33;p6"/>
-          <p:cNvSpPr/>
-          <p:nvPr/>
-        </p:nvSpPr>
-        <p:spPr>
-          <a:xfrm>
-            <a:off x="0" y="656350"/>
-            <a:ext cx="9144000" cy="108600"/>
-          </a:xfrm>
-          <a:prstGeom prst="rect">
-            <a:avLst/>
-          </a:prstGeom>
-          <a:gradFill>
-            <a:gsLst>
-              <a:gs pos="0">
-                <a:srgbClr val="F9F9F9"/>
-              </a:gs>
-              <a:gs pos="36000">
-                <a:srgbClr val="F9F9F9"/>
-              </a:gs>
-              <a:gs pos="80000">
-                <a:srgbClr val="DEDEDE"/>
-              </a:gs>
-              <a:gs pos="100000">
-                <a:srgbClr val="999999"/>
-              </a:gs>
-            </a:gsLst>
-            <a:lin ang="16200038" scaled="0"/>
-          </a:gradFill>
-          <a:ln>
-            <a:noFill/>
-          </a:ln>
-        </p:spPr>
-        <p:txBody>
-          <a:bodyPr anchorCtr="0" anchor="ctr" bIns="91425" lIns="91425" spcFirstLastPara="1" rIns="91425" wrap="square" tIns="91425">
-            <a:noAutofit/>
-          </a:bodyPr>
-          <a:lstStyle/>
-          <a:p>
-            <a:pPr indent="0" lvl="0" marL="0">
-              <a:spcBef>
-                <a:spcPts val="0"/>
-              </a:spcBef>
-              <a:spcAft>
-                <a:spcPts val="0"/>
-              </a:spcAft>
-              <a:buNone/>
-            </a:pPr>
-            <a:r>
-              <a:t/>
-            </a:r>
-            <a:endParaRPr/>
-          </a:p>
-        </p:txBody>
-      </p:sp>
-      <p:sp>
-        <p:nvSpPr>
-          <p:cNvPr id="34" name="Google Shape;34;p6"/>
+          <p:cNvPr id="26" name="Google Shape;26;p6"/>
           <p:cNvSpPr txBox="1"/>
           <p:nvPr>
             <p:ph type="title"/>
@@ -4558,15 +3883,15 @@
         </p:nvSpPr>
         <p:spPr>
           <a:xfrm>
-            <a:off x="98250" y="16350"/>
-            <a:ext cx="8826600" cy="602700"/>
+            <a:off x="311700" y="445025"/>
+            <a:ext cx="8520600" cy="572700"/>
           </a:xfrm>
           <a:prstGeom prst="rect">
             <a:avLst/>
           </a:prstGeom>
         </p:spPr>
         <p:txBody>
-          <a:bodyPr anchorCtr="0" anchor="ctr" bIns="91425" lIns="91425" spcFirstLastPara="1" rIns="91425" wrap="square" tIns="91425"/>
+          <a:bodyPr anchorCtr="0" anchor="t" bIns="91425" lIns="91425" spcFirstLastPara="1" rIns="91425" wrap="square" tIns="91425"/>
           <a:lstStyle>
             <a:lvl1pPr lvl="0">
               <a:spcBef>
@@ -4575,9 +3900,9 @@
               <a:spcAft>
                 <a:spcPts val="0"/>
               </a:spcAft>
-              <a:buSzPts val="1800"/>
-              <a:buNone/>
-              <a:defRPr sz="1800"/>
+              <a:buSzPts val="2800"/>
+              <a:buNone/>
+              <a:defRPr/>
             </a:lvl1pPr>
             <a:lvl2pPr lvl="1">
               <a:spcBef>
@@ -4586,9 +3911,9 @@
               <a:spcAft>
                 <a:spcPts val="0"/>
               </a:spcAft>
-              <a:buSzPts val="1800"/>
-              <a:buNone/>
-              <a:defRPr sz="1800"/>
+              <a:buSzPts val="2800"/>
+              <a:buNone/>
+              <a:defRPr/>
             </a:lvl2pPr>
             <a:lvl3pPr lvl="2">
               <a:spcBef>
@@ -4597,9 +3922,9 @@
               <a:spcAft>
                 <a:spcPts val="0"/>
               </a:spcAft>
-              <a:buSzPts val="1800"/>
-              <a:buNone/>
-              <a:defRPr sz="1800"/>
+              <a:buSzPts val="2800"/>
+              <a:buNone/>
+              <a:defRPr/>
             </a:lvl3pPr>
             <a:lvl4pPr lvl="3">
               <a:spcBef>
@@ -4608,9 +3933,9 @@
               <a:spcAft>
                 <a:spcPts val="0"/>
               </a:spcAft>
-              <a:buSzPts val="1800"/>
-              <a:buNone/>
-              <a:defRPr sz="1800"/>
+              <a:buSzPts val="2800"/>
+              <a:buNone/>
+              <a:defRPr/>
             </a:lvl4pPr>
             <a:lvl5pPr lvl="4">
               <a:spcBef>
@@ -4619,9 +3944,9 @@
               <a:spcAft>
                 <a:spcPts val="0"/>
               </a:spcAft>
-              <a:buSzPts val="1800"/>
-              <a:buNone/>
-              <a:defRPr sz="1800"/>
+              <a:buSzPts val="2800"/>
+              <a:buNone/>
+              <a:defRPr/>
             </a:lvl5pPr>
             <a:lvl6pPr lvl="5">
               <a:spcBef>
@@ -4630,9 +3955,9 @@
               <a:spcAft>
                 <a:spcPts val="0"/>
               </a:spcAft>
-              <a:buSzPts val="1800"/>
-              <a:buNone/>
-              <a:defRPr sz="1800"/>
+              <a:buSzPts val="2800"/>
+              <a:buNone/>
+              <a:defRPr/>
             </a:lvl6pPr>
             <a:lvl7pPr lvl="6">
               <a:spcBef>
@@ -4641,9 +3966,9 @@
               <a:spcAft>
                 <a:spcPts val="0"/>
               </a:spcAft>
-              <a:buSzPts val="1800"/>
-              <a:buNone/>
-              <a:defRPr sz="1800"/>
+              <a:buSzPts val="2800"/>
+              <a:buNone/>
+              <a:defRPr/>
             </a:lvl7pPr>
             <a:lvl8pPr lvl="7">
               <a:spcBef>
@@ -4652,9 +3977,9 @@
               <a:spcAft>
                 <a:spcPts val="0"/>
               </a:spcAft>
-              <a:buSzPts val="1800"/>
-              <a:buNone/>
-              <a:defRPr sz="1800"/>
+              <a:buSzPts val="2800"/>
+              <a:buNone/>
+              <a:defRPr/>
             </a:lvl8pPr>
             <a:lvl9pPr lvl="8">
               <a:spcBef>
@@ -4663,9 +3988,9 @@
               <a:spcAft>
                 <a:spcPts val="0"/>
               </a:spcAft>
-              <a:buSzPts val="1800"/>
-              <a:buNone/>
-              <a:defRPr sz="1800"/>
+              <a:buSzPts val="2800"/>
+              <a:buNone/>
+              <a:defRPr/>
             </a:lvl9pPr>
           </a:lstStyle>
           <a:p/>
@@ -4673,7 +3998,7 @@
       </p:sp>
       <p:sp>
         <p:nvSpPr>
-          <p:cNvPr id="35" name="Google Shape;35;p6"/>
+          <p:cNvPr id="27" name="Google Shape;27;p6"/>
           <p:cNvSpPr txBox="1"/>
           <p:nvPr>
             <p:ph idx="12" type="sldNum"/>
@@ -4681,7 +4006,7 @@
         </p:nvSpPr>
         <p:spPr>
           <a:xfrm>
-            <a:off x="8523541" y="4695623"/>
+            <a:off x="8472458" y="4663217"/>
             <a:ext cx="548700" cy="393600"/>
           </a:xfrm>
           <a:prstGeom prst="rect">
@@ -4761,7 +4086,7 @@
   <p:cSld name="ONE_COLUMN_TEXT">
     <p:spTree>
       <p:nvGrpSpPr>
-        <p:cNvPr id="36" name="Shape 36"/>
+        <p:cNvPr id="28" name="Shape 28"/>
         <p:cNvGrpSpPr/>
         <p:nvPr/>
       </p:nvGrpSpPr>
@@ -4775,107 +4100,7 @@
       </p:grpSpPr>
       <p:sp>
         <p:nvSpPr>
-          <p:cNvPr id="37" name="Google Shape;37;p7"/>
-          <p:cNvSpPr txBox="1"/>
-          <p:nvPr/>
-        </p:nvSpPr>
-        <p:spPr>
-          <a:xfrm flipH="1" rot="10800000">
-            <a:off x="3276600" y="25"/>
-            <a:ext cx="5867400" cy="5143500"/>
-          </a:xfrm>
-          <a:prstGeom prst="rect">
-            <a:avLst/>
-          </a:prstGeom>
-          <a:solidFill>
-            <a:schemeClr val="accent4"/>
-          </a:solidFill>
-          <a:ln>
-            <a:noFill/>
-          </a:ln>
-        </p:spPr>
-        <p:txBody>
-          <a:bodyPr anchorCtr="0" anchor="ctr" bIns="91425" lIns="91425" spcFirstLastPara="1" rIns="91425" wrap="square" tIns="91425">
-            <a:noAutofit/>
-          </a:bodyPr>
-          <a:lstStyle/>
-          <a:p>
-            <a:pPr indent="0" lvl="0" marL="0">
-              <a:spcBef>
-                <a:spcPts val="0"/>
-              </a:spcBef>
-              <a:spcAft>
-                <a:spcPts val="0"/>
-              </a:spcAft>
-              <a:buNone/>
-            </a:pPr>
-            <a:r>
-              <a:t/>
-            </a:r>
-            <a:endParaRPr/>
-          </a:p>
-        </p:txBody>
-      </p:sp>
-      <p:sp>
-        <p:nvSpPr>
-          <p:cNvPr id="38" name="Google Shape;38;p7"/>
-          <p:cNvSpPr/>
-          <p:nvPr/>
-        </p:nvSpPr>
-        <p:spPr>
-          <a:xfrm rot="-5400000">
-            <a:off x="759150" y="2517450"/>
-            <a:ext cx="5143500" cy="108600"/>
-          </a:xfrm>
-          <a:prstGeom prst="rect">
-            <a:avLst/>
-          </a:prstGeom>
-          <a:gradFill>
-            <a:gsLst>
-              <a:gs pos="0">
-                <a:srgbClr val="F9F9F9"/>
-              </a:gs>
-              <a:gs pos="36000">
-                <a:srgbClr val="F9F9F9"/>
-              </a:gs>
-              <a:gs pos="80000">
-                <a:srgbClr val="DEDEDE"/>
-              </a:gs>
-              <a:gs pos="100000">
-                <a:srgbClr val="999999"/>
-              </a:gs>
-            </a:gsLst>
-            <a:lin ang="16200038" scaled="0"/>
-          </a:gradFill>
-          <a:ln>
-            <a:noFill/>
-          </a:ln>
-        </p:spPr>
-        <p:txBody>
-          <a:bodyPr anchorCtr="0" anchor="ctr" bIns="91425" lIns="91425" spcFirstLastPara="1" rIns="91425" wrap="square" tIns="91425">
-            <a:noAutofit/>
-          </a:bodyPr>
-          <a:lstStyle/>
-          <a:p>
-            <a:pPr indent="0" lvl="0" marL="0">
-              <a:spcBef>
-                <a:spcPts val="0"/>
-              </a:spcBef>
-              <a:spcAft>
-                <a:spcPts val="0"/>
-              </a:spcAft>
-              <a:buNone/>
-            </a:pPr>
-            <a:r>
-              <a:t/>
-            </a:r>
-            <a:endParaRPr/>
-          </a:p>
-        </p:txBody>
-      </p:sp>
-      <p:sp>
-        <p:nvSpPr>
-          <p:cNvPr id="39" name="Google Shape;39;p7"/>
+          <p:cNvPr id="29" name="Google Shape;29;p7"/>
           <p:cNvSpPr txBox="1"/>
           <p:nvPr>
             <p:ph type="title"/>
@@ -4883,8 +4108,8 @@
         </p:nvSpPr>
         <p:spPr>
           <a:xfrm>
-            <a:off x="226078" y="357800"/>
-            <a:ext cx="2808000" cy="953400"/>
+            <a:off x="311700" y="555600"/>
+            <a:ext cx="2808000" cy="755700"/>
           </a:xfrm>
           <a:prstGeom prst="rect">
             <a:avLst/>
@@ -4998,7 +4223,7 @@
       </p:sp>
       <p:sp>
         <p:nvSpPr>
-          <p:cNvPr id="40" name="Google Shape;40;p7"/>
+          <p:cNvPr id="30" name="Google Shape;30;p7"/>
           <p:cNvSpPr txBox="1"/>
           <p:nvPr>
             <p:ph idx="1" type="body"/>
@@ -5006,8 +4231,8 @@
         </p:nvSpPr>
         <p:spPr>
           <a:xfrm>
-            <a:off x="226075" y="1465800"/>
-            <a:ext cx="2808000" cy="3163500"/>
+            <a:off x="311700" y="1389600"/>
+            <a:ext cx="2808000" cy="3179400"/>
           </a:xfrm>
           <a:prstGeom prst="rect">
             <a:avLst/>
@@ -5023,16 +4248,9 @@
               <a:spcAft>
                 <a:spcPts val="0"/>
               </a:spcAft>
-              <a:buClr>
-                <a:schemeClr val="lt1"/>
-              </a:buClr>
               <a:buSzPts val="1200"/>
               <a:buChar char="●"/>
-              <a:defRPr sz="1200">
-                <a:solidFill>
-                  <a:schemeClr val="lt1"/>
-                </a:solidFill>
-              </a:defRPr>
+              <a:defRPr sz="1200"/>
             </a:lvl1pPr>
             <a:lvl2pPr indent="-304800" lvl="1" marL="914400">
               <a:spcBef>
@@ -5041,16 +4259,9 @@
               <a:spcAft>
                 <a:spcPts val="0"/>
               </a:spcAft>
-              <a:buClr>
-                <a:schemeClr val="lt1"/>
-              </a:buClr>
               <a:buSzPts val="1200"/>
               <a:buChar char="○"/>
-              <a:defRPr sz="1200">
-                <a:solidFill>
-                  <a:schemeClr val="lt1"/>
-                </a:solidFill>
-              </a:defRPr>
+              <a:defRPr sz="1200"/>
             </a:lvl2pPr>
             <a:lvl3pPr indent="-304800" lvl="2" marL="1371600">
               <a:spcBef>
@@ -5059,16 +4270,9 @@
               <a:spcAft>
                 <a:spcPts val="0"/>
               </a:spcAft>
-              <a:buClr>
-                <a:schemeClr val="lt1"/>
-              </a:buClr>
               <a:buSzPts val="1200"/>
               <a:buChar char="■"/>
-              <a:defRPr sz="1200">
-                <a:solidFill>
-                  <a:schemeClr val="lt1"/>
-                </a:solidFill>
-              </a:defRPr>
+              <a:defRPr sz="1200"/>
             </a:lvl3pPr>
             <a:lvl4pPr indent="-304800" lvl="3" marL="1828800">
               <a:spcBef>
@@ -5077,16 +4281,9 @@
               <a:spcAft>
                 <a:spcPts val="0"/>
               </a:spcAft>
-              <a:buClr>
-                <a:schemeClr val="lt1"/>
-              </a:buClr>
               <a:buSzPts val="1200"/>
               <a:buChar char="●"/>
-              <a:defRPr sz="1200">
-                <a:solidFill>
-                  <a:schemeClr val="lt1"/>
-                </a:solidFill>
-              </a:defRPr>
+              <a:defRPr sz="1200"/>
             </a:lvl4pPr>
             <a:lvl5pPr indent="-304800" lvl="4" marL="2286000">
               <a:spcBef>
@@ -5095,16 +4292,9 @@
               <a:spcAft>
                 <a:spcPts val="0"/>
               </a:spcAft>
-              <a:buClr>
-                <a:schemeClr val="lt1"/>
-              </a:buClr>
               <a:buSzPts val="1200"/>
               <a:buChar char="○"/>
-              <a:defRPr sz="1200">
-                <a:solidFill>
-                  <a:schemeClr val="lt1"/>
-                </a:solidFill>
-              </a:defRPr>
+              <a:defRPr sz="1200"/>
             </a:lvl5pPr>
             <a:lvl6pPr indent="-304800" lvl="5" marL="2743200">
               <a:spcBef>
@@ -5113,16 +4303,9 @@
               <a:spcAft>
                 <a:spcPts val="0"/>
               </a:spcAft>
-              <a:buClr>
-                <a:schemeClr val="lt1"/>
-              </a:buClr>
               <a:buSzPts val="1200"/>
               <a:buChar char="■"/>
-              <a:defRPr sz="1200">
-                <a:solidFill>
-                  <a:schemeClr val="lt1"/>
-                </a:solidFill>
-              </a:defRPr>
+              <a:defRPr sz="1200"/>
             </a:lvl6pPr>
             <a:lvl7pPr indent="-304800" lvl="6" marL="3200400">
               <a:spcBef>
@@ -5131,16 +4314,9 @@
               <a:spcAft>
                 <a:spcPts val="0"/>
               </a:spcAft>
-              <a:buClr>
-                <a:schemeClr val="lt1"/>
-              </a:buClr>
               <a:buSzPts val="1200"/>
               <a:buChar char="●"/>
-              <a:defRPr sz="1200">
-                <a:solidFill>
-                  <a:schemeClr val="lt1"/>
-                </a:solidFill>
-              </a:defRPr>
+              <a:defRPr sz="1200"/>
             </a:lvl7pPr>
             <a:lvl8pPr indent="-304800" lvl="7" marL="3657600">
               <a:spcBef>
@@ -5149,16 +4325,9 @@
               <a:spcAft>
                 <a:spcPts val="0"/>
               </a:spcAft>
-              <a:buClr>
-                <a:schemeClr val="lt1"/>
-              </a:buClr>
               <a:buSzPts val="1200"/>
               <a:buChar char="○"/>
-              <a:defRPr sz="1200">
-                <a:solidFill>
-                  <a:schemeClr val="lt1"/>
-                </a:solidFill>
-              </a:defRPr>
+              <a:defRPr sz="1200"/>
             </a:lvl8pPr>
             <a:lvl9pPr indent="-304800" lvl="8" marL="4114800">
               <a:spcBef>
@@ -5167,16 +4336,9 @@
               <a:spcAft>
                 <a:spcPts val="1600"/>
               </a:spcAft>
-              <a:buClr>
-                <a:schemeClr val="lt1"/>
-              </a:buClr>
               <a:buSzPts val="1200"/>
               <a:buChar char="■"/>
-              <a:defRPr sz="1200">
-                <a:solidFill>
-                  <a:schemeClr val="lt1"/>
-                </a:solidFill>
-              </a:defRPr>
+              <a:defRPr sz="1200"/>
             </a:lvl9pPr>
           </a:lstStyle>
           <a:p/>
@@ -5184,7 +4346,7 @@
       </p:sp>
       <p:sp>
         <p:nvSpPr>
-          <p:cNvPr id="41" name="Google Shape;41;p7"/>
+          <p:cNvPr id="31" name="Google Shape;31;p7"/>
           <p:cNvSpPr txBox="1"/>
           <p:nvPr>
             <p:ph idx="12" type="sldNum"/>
@@ -5192,7 +4354,7 @@
         </p:nvSpPr>
         <p:spPr>
           <a:xfrm>
-            <a:off x="8523541" y="4695623"/>
+            <a:off x="8472458" y="4663217"/>
             <a:ext cx="548700" cy="393600"/>
           </a:xfrm>
           <a:prstGeom prst="rect">
@@ -5272,7 +4434,7 @@
   <p:cSld name="MAIN_POINT">
     <p:spTree>
       <p:nvGrpSpPr>
-        <p:cNvPr id="42" name="Shape 42"/>
+        <p:cNvPr id="32" name="Shape 32"/>
         <p:cNvGrpSpPr/>
         <p:nvPr/>
       </p:nvGrpSpPr>
@@ -5286,7 +4448,7 @@
       </p:grpSpPr>
       <p:sp>
         <p:nvSpPr>
-          <p:cNvPr id="43" name="Google Shape;43;p8"/>
+          <p:cNvPr id="33" name="Google Shape;33;p8"/>
           <p:cNvSpPr txBox="1"/>
           <p:nvPr>
             <p:ph type="title"/>
@@ -5294,8 +4456,8 @@
         </p:nvSpPr>
         <p:spPr>
           <a:xfrm>
-            <a:off x="490250" y="488250"/>
-            <a:ext cx="6227100" cy="4090800"/>
+            <a:off x="490250" y="450150"/>
+            <a:ext cx="6367800" cy="4090800"/>
           </a:xfrm>
           <a:prstGeom prst="rect">
             <a:avLst/>
@@ -5311,9 +4473,9 @@
               <a:spcAft>
                 <a:spcPts val="0"/>
               </a:spcAft>
-              <a:buSzPts val="6000"/>
-              <a:buNone/>
-              <a:defRPr sz="6000"/>
+              <a:buSzPts val="4800"/>
+              <a:buNone/>
+              <a:defRPr sz="4800"/>
             </a:lvl1pPr>
             <a:lvl2pPr lvl="1">
               <a:spcBef>
@@ -5322,9 +4484,9 @@
               <a:spcAft>
                 <a:spcPts val="0"/>
               </a:spcAft>
-              <a:buSzPts val="6000"/>
-              <a:buNone/>
-              <a:defRPr sz="6000"/>
+              <a:buSzPts val="4800"/>
+              <a:buNone/>
+              <a:defRPr sz="4800"/>
             </a:lvl2pPr>
             <a:lvl3pPr lvl="2">
               <a:spcBef>
@@ -5333,9 +4495,9 @@
               <a:spcAft>
                 <a:spcPts val="0"/>
               </a:spcAft>
-              <a:buSzPts val="6000"/>
-              <a:buNone/>
-              <a:defRPr sz="6000"/>
+              <a:buSzPts val="4800"/>
+              <a:buNone/>
+              <a:defRPr sz="4800"/>
             </a:lvl3pPr>
             <a:lvl4pPr lvl="3">
               <a:spcBef>
@@ -5344,9 +4506,9 @@
               <a:spcAft>
                 <a:spcPts val="0"/>
               </a:spcAft>
-              <a:buSzPts val="6000"/>
-              <a:buNone/>
-              <a:defRPr sz="6000"/>
+              <a:buSzPts val="4800"/>
+              <a:buNone/>
+              <a:defRPr sz="4800"/>
             </a:lvl4pPr>
             <a:lvl5pPr lvl="4">
               <a:spcBef>
@@ -5355,9 +4517,9 @@
               <a:spcAft>
                 <a:spcPts val="0"/>
               </a:spcAft>
-              <a:buSzPts val="6000"/>
-              <a:buNone/>
-              <a:defRPr sz="6000"/>
+              <a:buSzPts val="4800"/>
+              <a:buNone/>
+              <a:defRPr sz="4800"/>
             </a:lvl5pPr>
             <a:lvl6pPr lvl="5">
               <a:spcBef>
@@ -5366,9 +4528,9 @@
               <a:spcAft>
                 <a:spcPts val="0"/>
               </a:spcAft>
-              <a:buSzPts val="6000"/>
-              <a:buNone/>
-              <a:defRPr sz="6000"/>
+              <a:buSzPts val="4800"/>
+              <a:buNone/>
+              <a:defRPr sz="4800"/>
             </a:lvl6pPr>
             <a:lvl7pPr lvl="6">
               <a:spcBef>
@@ -5377,9 +4539,9 @@
               <a:spcAft>
                 <a:spcPts val="0"/>
               </a:spcAft>
-              <a:buSzPts val="6000"/>
-              <a:buNone/>
-              <a:defRPr sz="6000"/>
+              <a:buSzPts val="4800"/>
+              <a:buNone/>
+              <a:defRPr sz="4800"/>
             </a:lvl7pPr>
             <a:lvl8pPr lvl="7">
               <a:spcBef>
@@ -5388,9 +4550,9 @@
               <a:spcAft>
                 <a:spcPts val="0"/>
               </a:spcAft>
-              <a:buSzPts val="6000"/>
-              <a:buNone/>
-              <a:defRPr sz="6000"/>
+              <a:buSzPts val="4800"/>
+              <a:buNone/>
+              <a:defRPr sz="4800"/>
             </a:lvl8pPr>
             <a:lvl9pPr lvl="8">
               <a:spcBef>
@@ -5399,9 +4561,9 @@
               <a:spcAft>
                 <a:spcPts val="0"/>
               </a:spcAft>
-              <a:buSzPts val="6000"/>
-              <a:buNone/>
-              <a:defRPr sz="6000"/>
+              <a:buSzPts val="4800"/>
+              <a:buNone/>
+              <a:defRPr sz="4800"/>
             </a:lvl9pPr>
           </a:lstStyle>
           <a:p/>
@@ -5409,7 +4571,7 @@
       </p:sp>
       <p:sp>
         <p:nvSpPr>
-          <p:cNvPr id="44" name="Google Shape;44;p8"/>
+          <p:cNvPr id="34" name="Google Shape;34;p8"/>
           <p:cNvSpPr txBox="1"/>
           <p:nvPr>
             <p:ph idx="12" type="sldNum"/>
@@ -5417,7 +4579,7 @@
         </p:nvSpPr>
         <p:spPr>
           <a:xfrm>
-            <a:off x="8523541" y="4695623"/>
+            <a:off x="8472458" y="4663217"/>
             <a:ext cx="548700" cy="393600"/>
           </a:xfrm>
           <a:prstGeom prst="rect">
@@ -5431,75 +4593,39 @@
           <a:lstStyle>
             <a:lvl1pPr lvl="0">
               <a:buNone/>
-              <a:defRPr>
-                <a:solidFill>
-                  <a:schemeClr val="lt1"/>
-                </a:solidFill>
-              </a:defRPr>
+              <a:defRPr/>
             </a:lvl1pPr>
             <a:lvl2pPr lvl="1">
               <a:buNone/>
-              <a:defRPr>
-                <a:solidFill>
-                  <a:schemeClr val="lt1"/>
-                </a:solidFill>
-              </a:defRPr>
+              <a:defRPr/>
             </a:lvl2pPr>
             <a:lvl3pPr lvl="2">
               <a:buNone/>
-              <a:defRPr>
-                <a:solidFill>
-                  <a:schemeClr val="lt1"/>
-                </a:solidFill>
-              </a:defRPr>
+              <a:defRPr/>
             </a:lvl3pPr>
             <a:lvl4pPr lvl="3">
               <a:buNone/>
-              <a:defRPr>
-                <a:solidFill>
-                  <a:schemeClr val="lt1"/>
-                </a:solidFill>
-              </a:defRPr>
+              <a:defRPr/>
             </a:lvl4pPr>
             <a:lvl5pPr lvl="4">
               <a:buNone/>
-              <a:defRPr>
-                <a:solidFill>
-                  <a:schemeClr val="lt1"/>
-                </a:solidFill>
-              </a:defRPr>
+              <a:defRPr/>
             </a:lvl5pPr>
             <a:lvl6pPr lvl="5">
               <a:buNone/>
-              <a:defRPr>
-                <a:solidFill>
-                  <a:schemeClr val="lt1"/>
-                </a:solidFill>
-              </a:defRPr>
+              <a:defRPr/>
             </a:lvl6pPr>
             <a:lvl7pPr lvl="6">
               <a:buNone/>
-              <a:defRPr>
-                <a:solidFill>
-                  <a:schemeClr val="lt1"/>
-                </a:solidFill>
-              </a:defRPr>
+              <a:defRPr/>
             </a:lvl7pPr>
             <a:lvl8pPr lvl="7">
               <a:buNone/>
-              <a:defRPr>
-                <a:solidFill>
-                  <a:schemeClr val="lt1"/>
-                </a:solidFill>
-              </a:defRPr>
+              <a:defRPr/>
             </a:lvl8pPr>
             <a:lvl9pPr lvl="8">
               <a:buNone/>
-              <a:defRPr>
-                <a:solidFill>
-                  <a:schemeClr val="lt1"/>
-                </a:solidFill>
-              </a:defRPr>
+              <a:defRPr/>
             </a:lvl9pPr>
           </a:lstStyle>
           <a:p>
@@ -5533,7 +4659,7 @@
   <p:cSld name="SECTION_TITLE_AND_DESCRIPTION">
     <p:spTree>
       <p:nvGrpSpPr>
-        <p:cNvPr id="45" name="Shape 45"/>
+        <p:cNvPr id="35" name="Shape 35"/>
         <p:cNvGrpSpPr/>
         <p:nvPr/>
       </p:nvGrpSpPr>
@@ -5547,20 +4673,20 @@
       </p:grpSpPr>
       <p:sp>
         <p:nvSpPr>
-          <p:cNvPr id="46" name="Google Shape;46;p9"/>
+          <p:cNvPr id="36" name="Google Shape;36;p9"/>
           <p:cNvSpPr/>
           <p:nvPr/>
         </p:nvSpPr>
         <p:spPr>
-          <a:xfrm flipH="1">
-            <a:off x="0" y="0"/>
+          <a:xfrm>
+            <a:off x="4572000" y="-125"/>
             <a:ext cx="4572000" cy="5143500"/>
           </a:xfrm>
           <a:prstGeom prst="rect">
             <a:avLst/>
           </a:prstGeom>
           <a:solidFill>
-            <a:schemeClr val="accent4"/>
+            <a:schemeClr val="lt2"/>
           </a:solidFill>
           <a:ln>
             <a:noFill/>
@@ -5590,64 +4716,7 @@
       </p:sp>
       <p:sp>
         <p:nvSpPr>
-          <p:cNvPr id="47" name="Google Shape;47;p9"/>
-          <p:cNvSpPr/>
-          <p:nvPr/>
-        </p:nvSpPr>
-        <p:spPr>
-          <a:xfrm rot="5400000">
-            <a:off x="1946425" y="2517750"/>
-            <a:ext cx="5142900" cy="108600"/>
-          </a:xfrm>
-          <a:prstGeom prst="rect">
-            <a:avLst/>
-          </a:prstGeom>
-          <a:gradFill>
-            <a:gsLst>
-              <a:gs pos="0">
-                <a:srgbClr val="F9F9F9"/>
-              </a:gs>
-              <a:gs pos="36000">
-                <a:srgbClr val="F9F9F9"/>
-              </a:gs>
-              <a:gs pos="80000">
-                <a:srgbClr val="DEDEDE"/>
-              </a:gs>
-              <a:gs pos="100000">
-                <a:srgbClr val="999999"/>
-              </a:gs>
-            </a:gsLst>
-            <a:lin ang="16200038" scaled="0"/>
-          </a:gradFill>
-          <a:ln>
-            <a:noFill/>
-          </a:ln>
-        </p:spPr>
-        <p:txBody>
-          <a:bodyPr anchorCtr="0" anchor="ctr" bIns="91425" lIns="91425" spcFirstLastPara="1" rIns="91425" wrap="square" tIns="91425">
-            <a:noAutofit/>
-          </a:bodyPr>
-          <a:lstStyle/>
-          <a:p>
-            <a:pPr indent="0" lvl="0" marL="0">
-              <a:spcBef>
-                <a:spcPts val="0"/>
-              </a:spcBef>
-              <a:spcAft>
-                <a:spcPts val="0"/>
-              </a:spcAft>
-              <a:buNone/>
-            </a:pPr>
-            <a:r>
-              <a:t/>
-            </a:r>
-            <a:endParaRPr/>
-          </a:p>
-        </p:txBody>
-      </p:sp>
-      <p:sp>
-        <p:nvSpPr>
-          <p:cNvPr id="48" name="Google Shape;48;p9"/>
+          <p:cNvPr id="37" name="Google Shape;37;p9"/>
           <p:cNvSpPr txBox="1"/>
           <p:nvPr>
             <p:ph type="title"/>
@@ -5672,16 +4741,9 @@
               <a:spcAft>
                 <a:spcPts val="0"/>
               </a:spcAft>
-              <a:buClr>
-                <a:schemeClr val="dk2"/>
-              </a:buClr>
               <a:buSzPts val="4200"/>
               <a:buNone/>
-              <a:defRPr sz="4200">
-                <a:solidFill>
-                  <a:schemeClr val="dk2"/>
-                </a:solidFill>
-              </a:defRPr>
+              <a:defRPr sz="4200"/>
             </a:lvl1pPr>
             <a:lvl2pPr lvl="1" algn="ctr">
               <a:spcBef>
@@ -5690,16 +4752,9 @@
               <a:spcAft>
                 <a:spcPts val="0"/>
               </a:spcAft>
-              <a:buClr>
-                <a:schemeClr val="dk2"/>
-              </a:buClr>
               <a:buSzPts val="4200"/>
               <a:buNone/>
-              <a:defRPr sz="4200">
-                <a:solidFill>
-                  <a:schemeClr val="dk2"/>
-                </a:solidFill>
-              </a:defRPr>
+              <a:defRPr sz="4200"/>
             </a:lvl2pPr>
             <a:lvl3pPr lvl="2" algn="ctr">
               <a:spcBef>
@@ -5708,16 +4763,9 @@
               <a:spcAft>
                 <a:spcPts val="0"/>
               </a:spcAft>
-              <a:buClr>
-                <a:schemeClr val="dk2"/>
-              </a:buClr>
               <a:buSzPts val="4200"/>
               <a:buNone/>
-              <a:defRPr sz="4200">
-                <a:solidFill>
-                  <a:schemeClr val="dk2"/>
-                </a:solidFill>
-              </a:defRPr>
+              <a:defRPr sz="4200"/>
             </a:lvl3pPr>
             <a:lvl4pPr lvl="3" algn="ctr">
               <a:spcBef>
@@ -5726,16 +4774,9 @@
               <a:spcAft>
                 <a:spcPts val="0"/>
               </a:spcAft>
-              <a:buClr>
-                <a:schemeClr val="dk2"/>
-              </a:buClr>
               <a:buSzPts val="4200"/>
               <a:buNone/>
-              <a:defRPr sz="4200">
-                <a:solidFill>
-                  <a:schemeClr val="dk2"/>
-                </a:solidFill>
-              </a:defRPr>
+              <a:defRPr sz="4200"/>
             </a:lvl4pPr>
             <a:lvl5pPr lvl="4" algn="ctr">
               <a:spcBef>
@@ -5744,16 +4785,9 @@
               <a:spcAft>
                 <a:spcPts val="0"/>
               </a:spcAft>
-              <a:buClr>
-                <a:schemeClr val="dk2"/>
-              </a:buClr>
               <a:buSzPts val="4200"/>
               <a:buNone/>
-              <a:defRPr sz="4200">
-                <a:solidFill>
-                  <a:schemeClr val="dk2"/>
-                </a:solidFill>
-              </a:defRPr>
+              <a:defRPr sz="4200"/>
             </a:lvl5pPr>
             <a:lvl6pPr lvl="5" algn="ctr">
               <a:spcBef>
@@ -5762,16 +4796,9 @@
               <a:spcAft>
                 <a:spcPts val="0"/>
               </a:spcAft>
-              <a:buClr>
-                <a:schemeClr val="dk2"/>
-              </a:buClr>
               <a:buSzPts val="4200"/>
               <a:buNone/>
-              <a:defRPr sz="4200">
-                <a:solidFill>
-                  <a:schemeClr val="dk2"/>
-                </a:solidFill>
-              </a:defRPr>
+              <a:defRPr sz="4200"/>
             </a:lvl6pPr>
             <a:lvl7pPr lvl="6" algn="ctr">
               <a:spcBef>
@@ -5780,16 +4807,9 @@
               <a:spcAft>
                 <a:spcPts val="0"/>
               </a:spcAft>
-              <a:buClr>
-                <a:schemeClr val="dk2"/>
-              </a:buClr>
               <a:buSzPts val="4200"/>
               <a:buNone/>
-              <a:defRPr sz="4200">
-                <a:solidFill>
-                  <a:schemeClr val="dk2"/>
-                </a:solidFill>
-              </a:defRPr>
+              <a:defRPr sz="4200"/>
             </a:lvl7pPr>
             <a:lvl8pPr lvl="7" algn="ctr">
               <a:spcBef>
@@ -5798,16 +4818,9 @@
               <a:spcAft>
                 <a:spcPts val="0"/>
               </a:spcAft>
-              <a:buClr>
-                <a:schemeClr val="dk2"/>
-              </a:buClr>
               <a:buSzPts val="4200"/>
               <a:buNone/>
-              <a:defRPr sz="4200">
-                <a:solidFill>
-                  <a:schemeClr val="dk2"/>
-                </a:solidFill>
-              </a:defRPr>
+              <a:defRPr sz="4200"/>
             </a:lvl8pPr>
             <a:lvl9pPr lvl="8" algn="ctr">
               <a:spcBef>
@@ -5816,16 +4829,9 @@
               <a:spcAft>
                 <a:spcPts val="0"/>
               </a:spcAft>
-              <a:buClr>
-                <a:schemeClr val="dk2"/>
-              </a:buClr>
               <a:buSzPts val="4200"/>
               <a:buNone/>
-              <a:defRPr sz="4200">
-                <a:solidFill>
-                  <a:schemeClr val="dk2"/>
-                </a:solidFill>
-              </a:defRPr>
+              <a:defRPr sz="4200"/>
             </a:lvl9pPr>
           </a:lstStyle>
           <a:p/>
@@ -5833,7 +4839,7 @@
       </p:sp>
       <p:sp>
         <p:nvSpPr>
-          <p:cNvPr id="49" name="Google Shape;49;p9"/>
+          <p:cNvPr id="38" name="Google Shape;38;p9"/>
           <p:cNvSpPr txBox="1"/>
           <p:nvPr>
             <p:ph idx="1" type="subTitle"/>
@@ -5841,7 +4847,7 @@
         </p:nvSpPr>
         <p:spPr>
           <a:xfrm>
-            <a:off x="265500" y="2779467"/>
+            <a:off x="265500" y="2803075"/>
             <a:ext cx="4045200" cy="1235100"/>
           </a:xfrm>
           <a:prstGeom prst="rect">
@@ -5983,7 +4989,7 @@
       </p:sp>
       <p:sp>
         <p:nvSpPr>
-          <p:cNvPr id="50" name="Google Shape;50;p9"/>
+          <p:cNvPr id="39" name="Google Shape;39;p9"/>
           <p:cNvSpPr txBox="1"/>
           <p:nvPr>
             <p:ph idx="2" type="body"/>
@@ -5991,7 +4997,7 @@
         </p:nvSpPr>
         <p:spPr>
           <a:xfrm>
-            <a:off x="4939500" y="724200"/>
+            <a:off x="4939500" y="724075"/>
             <a:ext cx="3837000" cy="3695100"/>
           </a:xfrm>
           <a:prstGeom prst="rect">
@@ -6008,16 +5014,9 @@
               <a:spcAft>
                 <a:spcPts val="0"/>
               </a:spcAft>
-              <a:buClr>
-                <a:schemeClr val="lt1"/>
-              </a:buClr>
               <a:buSzPts val="1800"/>
               <a:buChar char="●"/>
-              <a:defRPr>
-                <a:solidFill>
-                  <a:schemeClr val="lt1"/>
-                </a:solidFill>
-              </a:defRPr>
+              <a:defRPr/>
             </a:lvl1pPr>
             <a:lvl2pPr indent="-317500" lvl="1" marL="914400">
               <a:spcBef>
@@ -6026,16 +5025,9 @@
               <a:spcAft>
                 <a:spcPts val="0"/>
               </a:spcAft>
-              <a:buClr>
-                <a:schemeClr val="lt1"/>
-              </a:buClr>
               <a:buSzPts val="1400"/>
               <a:buChar char="○"/>
-              <a:defRPr>
-                <a:solidFill>
-                  <a:schemeClr val="lt1"/>
-                </a:solidFill>
-              </a:defRPr>
+              <a:defRPr/>
             </a:lvl2pPr>
             <a:lvl3pPr indent="-317500" lvl="2" marL="1371600">
               <a:spcBef>
@@ -6044,16 +5036,9 @@
               <a:spcAft>
                 <a:spcPts val="0"/>
               </a:spcAft>
-              <a:buClr>
-                <a:schemeClr val="lt1"/>
-              </a:buClr>
               <a:buSzPts val="1400"/>
               <a:buChar char="■"/>
-              <a:defRPr>
-                <a:solidFill>
-                  <a:schemeClr val="lt1"/>
-                </a:solidFill>
-              </a:defRPr>
+              <a:defRPr/>
             </a:lvl3pPr>
             <a:lvl4pPr indent="-317500" lvl="3" marL="1828800">
               <a:spcBef>
@@ -6062,16 +5047,9 @@
               <a:spcAft>
                 <a:spcPts val="0"/>
               </a:spcAft>
-              <a:buClr>
-                <a:schemeClr val="lt1"/>
-              </a:buClr>
               <a:buSzPts val="1400"/>
               <a:buChar char="●"/>
-              <a:defRPr>
-                <a:solidFill>
-                  <a:schemeClr val="lt1"/>
-                </a:solidFill>
-              </a:defRPr>
+              <a:defRPr/>
             </a:lvl4pPr>
             <a:lvl5pPr indent="-317500" lvl="4" marL="2286000">
               <a:spcBef>
@@ -6080,16 +5058,9 @@
               <a:spcAft>
                 <a:spcPts val="0"/>
               </a:spcAft>
-              <a:buClr>
-                <a:schemeClr val="lt1"/>
-              </a:buClr>
               <a:buSzPts val="1400"/>
               <a:buChar char="○"/>
-              <a:defRPr>
-                <a:solidFill>
-                  <a:schemeClr val="lt1"/>
-                </a:solidFill>
-              </a:defRPr>
+              <a:defRPr/>
             </a:lvl5pPr>
             <a:lvl6pPr indent="-317500" lvl="5" marL="2743200">
               <a:spcBef>
@@ -6098,16 +5069,9 @@
               <a:spcAft>
                 <a:spcPts val="0"/>
               </a:spcAft>
-              <a:buClr>
-                <a:schemeClr val="lt1"/>
-              </a:buClr>
               <a:buSzPts val="1400"/>
               <a:buChar char="■"/>
-              <a:defRPr>
-                <a:solidFill>
-                  <a:schemeClr val="lt1"/>
-                </a:solidFill>
-              </a:defRPr>
+              <a:defRPr/>
             </a:lvl6pPr>
             <a:lvl7pPr indent="-317500" lvl="6" marL="3200400">
               <a:spcBef>
@@ -6116,16 +5080,9 @@
               <a:spcAft>
                 <a:spcPts val="0"/>
               </a:spcAft>
-              <a:buClr>
-                <a:schemeClr val="lt1"/>
-              </a:buClr>
               <a:buSzPts val="1400"/>
               <a:buChar char="●"/>
-              <a:defRPr>
-                <a:solidFill>
-                  <a:schemeClr val="lt1"/>
-                </a:solidFill>
-              </a:defRPr>
+              <a:defRPr/>
             </a:lvl7pPr>
             <a:lvl8pPr indent="-317500" lvl="7" marL="3657600">
               <a:spcBef>
@@ -6134,16 +5091,9 @@
               <a:spcAft>
                 <a:spcPts val="0"/>
               </a:spcAft>
-              <a:buClr>
-                <a:schemeClr val="lt1"/>
-              </a:buClr>
               <a:buSzPts val="1400"/>
               <a:buChar char="○"/>
-              <a:defRPr>
-                <a:solidFill>
-                  <a:schemeClr val="lt1"/>
-                </a:solidFill>
-              </a:defRPr>
+              <a:defRPr/>
             </a:lvl8pPr>
             <a:lvl9pPr indent="-317500" lvl="8" marL="4114800">
               <a:spcBef>
@@ -6152,16 +5102,9 @@
               <a:spcAft>
                 <a:spcPts val="1600"/>
               </a:spcAft>
-              <a:buClr>
-                <a:schemeClr val="lt1"/>
-              </a:buClr>
               <a:buSzPts val="1400"/>
               <a:buChar char="■"/>
-              <a:defRPr>
-                <a:solidFill>
-                  <a:schemeClr val="lt1"/>
-                </a:solidFill>
-              </a:defRPr>
+              <a:defRPr/>
             </a:lvl9pPr>
           </a:lstStyle>
           <a:p/>
@@ -6169,7 +5112,7 @@
       </p:sp>
       <p:sp>
         <p:nvSpPr>
-          <p:cNvPr id="51" name="Google Shape;51;p9"/>
+          <p:cNvPr id="40" name="Google Shape;40;p9"/>
           <p:cNvSpPr txBox="1"/>
           <p:nvPr>
             <p:ph idx="12" type="sldNum"/>
@@ -6177,7 +5120,7 @@
         </p:nvSpPr>
         <p:spPr>
           <a:xfrm>
-            <a:off x="8523541" y="4695623"/>
+            <a:off x="8472458" y="4663217"/>
             <a:ext cx="548700" cy="393600"/>
           </a:xfrm>
           <a:prstGeom prst="rect">
@@ -6191,75 +5134,39 @@
           <a:lstStyle>
             <a:lvl1pPr lvl="0">
               <a:buNone/>
-              <a:defRPr>
-                <a:solidFill>
-                  <a:schemeClr val="lt1"/>
-                </a:solidFill>
-              </a:defRPr>
+              <a:defRPr/>
             </a:lvl1pPr>
             <a:lvl2pPr lvl="1">
               <a:buNone/>
-              <a:defRPr>
-                <a:solidFill>
-                  <a:schemeClr val="lt1"/>
-                </a:solidFill>
-              </a:defRPr>
+              <a:defRPr/>
             </a:lvl2pPr>
             <a:lvl3pPr lvl="2">
               <a:buNone/>
-              <a:defRPr>
-                <a:solidFill>
-                  <a:schemeClr val="lt1"/>
-                </a:solidFill>
-              </a:defRPr>
+              <a:defRPr/>
             </a:lvl3pPr>
             <a:lvl4pPr lvl="3">
               <a:buNone/>
-              <a:defRPr>
-                <a:solidFill>
-                  <a:schemeClr val="lt1"/>
-                </a:solidFill>
-              </a:defRPr>
+              <a:defRPr/>
             </a:lvl4pPr>
             <a:lvl5pPr lvl="4">
               <a:buNone/>
-              <a:defRPr>
-                <a:solidFill>
-                  <a:schemeClr val="lt1"/>
-                </a:solidFill>
-              </a:defRPr>
+              <a:defRPr/>
             </a:lvl5pPr>
             <a:lvl6pPr lvl="5">
               <a:buNone/>
-              <a:defRPr>
-                <a:solidFill>
-                  <a:schemeClr val="lt1"/>
-                </a:solidFill>
-              </a:defRPr>
+              <a:defRPr/>
             </a:lvl6pPr>
             <a:lvl7pPr lvl="6">
               <a:buNone/>
-              <a:defRPr>
-                <a:solidFill>
-                  <a:schemeClr val="lt1"/>
-                </a:solidFill>
-              </a:defRPr>
+              <a:defRPr/>
             </a:lvl7pPr>
             <a:lvl8pPr lvl="7">
               <a:buNone/>
-              <a:defRPr>
-                <a:solidFill>
-                  <a:schemeClr val="lt1"/>
-                </a:solidFill>
-              </a:defRPr>
+              <a:defRPr/>
             </a:lvl8pPr>
             <a:lvl9pPr lvl="8">
               <a:buNone/>
-              <a:defRPr>
-                <a:solidFill>
-                  <a:schemeClr val="lt1"/>
-                </a:solidFill>
-              </a:defRPr>
+              <a:defRPr/>
             </a:lvl9pPr>
           </a:lstStyle>
           <a:p>
@@ -6293,7 +5200,7 @@
   <p:cSld name="CAPTION_ONLY">
     <p:spTree>
       <p:nvGrpSpPr>
-        <p:cNvPr id="52" name="Shape 52"/>
+        <p:cNvPr id="41" name="Shape 41"/>
         <p:cNvGrpSpPr/>
         <p:nvPr/>
       </p:nvGrpSpPr>
@@ -6307,107 +5214,7 @@
       </p:grpSpPr>
       <p:sp>
         <p:nvSpPr>
-          <p:cNvPr id="53" name="Google Shape;53;p10"/>
-          <p:cNvSpPr txBox="1"/>
-          <p:nvPr/>
-        </p:nvSpPr>
-        <p:spPr>
-          <a:xfrm flipH="1" rot="10800000">
-            <a:off x="0" y="0"/>
-            <a:ext cx="9144000" cy="4695900"/>
-          </a:xfrm>
-          <a:prstGeom prst="rect">
-            <a:avLst/>
-          </a:prstGeom>
-          <a:solidFill>
-            <a:schemeClr val="accent4"/>
-          </a:solidFill>
-          <a:ln>
-            <a:noFill/>
-          </a:ln>
-        </p:spPr>
-        <p:txBody>
-          <a:bodyPr anchorCtr="0" anchor="ctr" bIns="91425" lIns="91425" spcFirstLastPara="1" rIns="91425" wrap="square" tIns="91425">
-            <a:noAutofit/>
-          </a:bodyPr>
-          <a:lstStyle/>
-          <a:p>
-            <a:pPr indent="0" lvl="0" marL="0">
-              <a:spcBef>
-                <a:spcPts val="0"/>
-              </a:spcBef>
-              <a:spcAft>
-                <a:spcPts val="0"/>
-              </a:spcAft>
-              <a:buNone/>
-            </a:pPr>
-            <a:r>
-              <a:t/>
-            </a:r>
-            <a:endParaRPr/>
-          </a:p>
-        </p:txBody>
-      </p:sp>
-      <p:sp>
-        <p:nvSpPr>
-          <p:cNvPr id="54" name="Google Shape;54;p10"/>
-          <p:cNvSpPr/>
-          <p:nvPr/>
-        </p:nvSpPr>
-        <p:spPr>
-          <a:xfrm flipH="1" rot="10800000">
-            <a:off x="0" y="4622725"/>
-            <a:ext cx="9144000" cy="74100"/>
-          </a:xfrm>
-          <a:prstGeom prst="rect">
-            <a:avLst/>
-          </a:prstGeom>
-          <a:gradFill>
-            <a:gsLst>
-              <a:gs pos="0">
-                <a:srgbClr val="F9F9F9"/>
-              </a:gs>
-              <a:gs pos="36000">
-                <a:srgbClr val="F9F9F9"/>
-              </a:gs>
-              <a:gs pos="80000">
-                <a:srgbClr val="DEDEDE"/>
-              </a:gs>
-              <a:gs pos="100000">
-                <a:srgbClr val="999999"/>
-              </a:gs>
-            </a:gsLst>
-            <a:lin ang="16200038" scaled="0"/>
-          </a:gradFill>
-          <a:ln>
-            <a:noFill/>
-          </a:ln>
-        </p:spPr>
-        <p:txBody>
-          <a:bodyPr anchorCtr="0" anchor="ctr" bIns="91425" lIns="91425" spcFirstLastPara="1" rIns="91425" wrap="square" tIns="91425">
-            <a:noAutofit/>
-          </a:bodyPr>
-          <a:lstStyle/>
-          <a:p>
-            <a:pPr indent="0" lvl="0" marL="0">
-              <a:spcBef>
-                <a:spcPts val="0"/>
-              </a:spcBef>
-              <a:spcAft>
-                <a:spcPts val="0"/>
-              </a:spcAft>
-              <a:buNone/>
-            </a:pPr>
-            <a:r>
-              <a:t/>
-            </a:r>
-            <a:endParaRPr/>
-          </a:p>
-        </p:txBody>
-      </p:sp>
-      <p:sp>
-        <p:nvSpPr>
-          <p:cNvPr id="55" name="Google Shape;55;p10"/>
+          <p:cNvPr id="42" name="Google Shape;42;p10"/>
           <p:cNvSpPr txBox="1"/>
           <p:nvPr>
             <p:ph idx="1" type="body"/>
@@ -6415,8 +5222,8 @@
         </p:nvSpPr>
         <p:spPr>
           <a:xfrm>
-            <a:off x="57150" y="4696825"/>
-            <a:ext cx="8382000" cy="446700"/>
+            <a:off x="311700" y="4230575"/>
+            <a:ext cx="5998800" cy="605100"/>
           </a:xfrm>
           <a:prstGeom prst="rect">
             <a:avLst/>
@@ -6435,16 +5242,9 @@
               <a:spcAft>
                 <a:spcPts val="0"/>
               </a:spcAft>
-              <a:buClr>
-                <a:schemeClr val="lt1"/>
-              </a:buClr>
-              <a:buSzPts val="1200"/>
-              <a:buNone/>
-              <a:defRPr sz="1200">
-                <a:solidFill>
-                  <a:schemeClr val="lt1"/>
-                </a:solidFill>
-              </a:defRPr>
+              <a:buSzPts val="1800"/>
+              <a:buNone/>
+              <a:defRPr/>
             </a:lvl1pPr>
           </a:lstStyle>
           <a:p/>
@@ -6452,7 +5252,7 @@
       </p:sp>
       <p:sp>
         <p:nvSpPr>
-          <p:cNvPr id="56" name="Google Shape;56;p10"/>
+          <p:cNvPr id="43" name="Google Shape;43;p10"/>
           <p:cNvSpPr txBox="1"/>
           <p:nvPr>
             <p:ph idx="12" type="sldNum"/>
@@ -6460,7 +5260,7 @@
         </p:nvSpPr>
         <p:spPr>
           <a:xfrm>
-            <a:off x="8523541" y="4695623"/>
+            <a:off x="8472458" y="4663217"/>
             <a:ext cx="548700" cy="393600"/>
           </a:xfrm>
           <a:prstGeom prst="rect">
@@ -6474,75 +5274,39 @@
           <a:lstStyle>
             <a:lvl1pPr lvl="0">
               <a:buNone/>
-              <a:defRPr>
-                <a:solidFill>
-                  <a:schemeClr val="lt1"/>
-                </a:solidFill>
-              </a:defRPr>
+              <a:defRPr/>
             </a:lvl1pPr>
             <a:lvl2pPr lvl="1">
               <a:buNone/>
-              <a:defRPr>
-                <a:solidFill>
-                  <a:schemeClr val="lt1"/>
-                </a:solidFill>
-              </a:defRPr>
+              <a:defRPr/>
             </a:lvl2pPr>
             <a:lvl3pPr lvl="2">
               <a:buNone/>
-              <a:defRPr>
-                <a:solidFill>
-                  <a:schemeClr val="lt1"/>
-                </a:solidFill>
-              </a:defRPr>
+              <a:defRPr/>
             </a:lvl3pPr>
             <a:lvl4pPr lvl="3">
               <a:buNone/>
-              <a:defRPr>
-                <a:solidFill>
-                  <a:schemeClr val="lt1"/>
-                </a:solidFill>
-              </a:defRPr>
+              <a:defRPr/>
             </a:lvl4pPr>
             <a:lvl5pPr lvl="4">
               <a:buNone/>
-              <a:defRPr>
-                <a:solidFill>
-                  <a:schemeClr val="lt1"/>
-                </a:solidFill>
-              </a:defRPr>
+              <a:defRPr/>
             </a:lvl5pPr>
             <a:lvl6pPr lvl="5">
               <a:buNone/>
-              <a:defRPr>
-                <a:solidFill>
-                  <a:schemeClr val="lt1"/>
-                </a:solidFill>
-              </a:defRPr>
+              <a:defRPr/>
             </a:lvl6pPr>
             <a:lvl7pPr lvl="6">
               <a:buNone/>
-              <a:defRPr>
-                <a:solidFill>
-                  <a:schemeClr val="lt1"/>
-                </a:solidFill>
-              </a:defRPr>
+              <a:defRPr/>
             </a:lvl7pPr>
             <a:lvl8pPr lvl="7">
               <a:buNone/>
-              <a:defRPr>
-                <a:solidFill>
-                  <a:schemeClr val="lt1"/>
-                </a:solidFill>
-              </a:defRPr>
+              <a:defRPr/>
             </a:lvl8pPr>
             <a:lvl9pPr lvl="8">
               <a:buNone/>
-              <a:defRPr>
-                <a:solidFill>
-                  <a:schemeClr val="lt1"/>
-                </a:solidFill>
-              </a:defRPr>
+              <a:defRPr/>
             </a:lvl9pPr>
           </a:lstStyle>
           <a:p>
@@ -6573,11 +5337,11 @@
 
 <file path=ppt/slideMasters/slideMaster1.xml><?xml version="1.0" encoding="utf-8"?>
 <p:sldMaster xmlns:a="http://schemas.openxmlformats.org/drawingml/2006/main" xmlns:r="http://schemas.openxmlformats.org/officeDocument/2006/relationships" xmlns:mc="http://schemas.openxmlformats.org/markup-compatibility/2006" xmlns:mv="urn:schemas-microsoft-com:mac:vml" xmlns:p="http://schemas.openxmlformats.org/presentationml/2006/main" xmlns:c="http://schemas.openxmlformats.org/drawingml/2006/chart" xmlns:dgm="http://schemas.openxmlformats.org/drawingml/2006/diagram" xmlns:o="urn:schemas-microsoft-com:office:office" xmlns:v="urn:schemas-microsoft-com:vml" xmlns:pvml="urn:schemas-microsoft-com:office:powerpoint" xmlns:com="http://schemas.openxmlformats.org/drawingml/2006/compatibility" xmlns:p14="http://schemas.microsoft.com/office/powerpoint/2010/main" xmlns:p15="http://schemas.microsoft.com/office/powerpoint/2012/main">
-  <p:cSld name="material">
+  <p:cSld name="simple-light-2">
     <p:bg>
       <p:bgPr>
         <a:solidFill>
-          <a:schemeClr val="dk1"/>
+          <a:schemeClr val="lt1"/>
         </a:solidFill>
       </p:bgPr>
     </p:bg>
@@ -6605,8 +5369,8 @@
         </p:nvSpPr>
         <p:spPr>
           <a:xfrm>
-            <a:off x="471900" y="738725"/>
-            <a:ext cx="8222100" cy="767700"/>
+            <a:off x="311700" y="445025"/>
+            <a:ext cx="8520600" cy="572700"/>
           </a:xfrm>
           <a:prstGeom prst="rect">
             <a:avLst/>
@@ -6617,7 +5381,7 @@
           </a:ln>
         </p:spPr>
         <p:txBody>
-          <a:bodyPr anchorCtr="0" anchor="b" bIns="91425" lIns="91425" spcFirstLastPara="1" rIns="91425" wrap="square" tIns="91425"/>
+          <a:bodyPr anchorCtr="0" anchor="t" bIns="91425" lIns="91425" spcFirstLastPara="1" rIns="91425" wrap="square" tIns="91425"/>
           <a:lstStyle>
             <a:lvl1pPr lvl="0">
               <a:spcBef>
@@ -6627,19 +5391,14 @@
                 <a:spcPts val="0"/>
               </a:spcAft>
               <a:buClr>
-                <a:schemeClr val="lt1"/>
+                <a:schemeClr val="dk1"/>
               </a:buClr>
-              <a:buSzPts val="3200"/>
-              <a:buFont typeface="Roboto"/>
-              <a:buNone/>
-              <a:defRPr sz="3200">
+              <a:buSzPts val="2800"/>
+              <a:buNone/>
+              <a:defRPr sz="2800">
                 <a:solidFill>
-                  <a:schemeClr val="lt1"/>
+                  <a:schemeClr val="dk1"/>
                 </a:solidFill>
-                <a:latin typeface="Roboto"/>
-                <a:ea typeface="Roboto"/>
-                <a:cs typeface="Roboto"/>
-                <a:sym typeface="Roboto"/>
               </a:defRPr>
             </a:lvl1pPr>
             <a:lvl2pPr lvl="1">
@@ -6650,19 +5409,14 @@
                 <a:spcPts val="0"/>
               </a:spcAft>
               <a:buClr>
-                <a:schemeClr val="lt1"/>
+                <a:schemeClr val="dk1"/>
               </a:buClr>
-              <a:buSzPts val="3200"/>
-              <a:buFont typeface="Roboto"/>
-              <a:buNone/>
-              <a:defRPr sz="3200">
+              <a:buSzPts val="2800"/>
+              <a:buNone/>
+              <a:defRPr sz="2800">
                 <a:solidFill>
-                  <a:schemeClr val="lt1"/>
+                  <a:schemeClr val="dk1"/>
                 </a:solidFill>
-                <a:latin typeface="Roboto"/>
-                <a:ea typeface="Roboto"/>
-                <a:cs typeface="Roboto"/>
-                <a:sym typeface="Roboto"/>
               </a:defRPr>
             </a:lvl2pPr>
             <a:lvl3pPr lvl="2">
@@ -6673,19 +5427,14 @@
                 <a:spcPts val="0"/>
               </a:spcAft>
               <a:buClr>
-                <a:schemeClr val="lt1"/>
+                <a:schemeClr val="dk1"/>
               </a:buClr>
-              <a:buSzPts val="3200"/>
-              <a:buFont typeface="Roboto"/>
-              <a:buNone/>
-              <a:defRPr sz="3200">
+              <a:buSzPts val="2800"/>
+              <a:buNone/>
+              <a:defRPr sz="2800">
                 <a:solidFill>
-                  <a:schemeClr val="lt1"/>
+                  <a:schemeClr val="dk1"/>
                 </a:solidFill>
-                <a:latin typeface="Roboto"/>
-                <a:ea typeface="Roboto"/>
-                <a:cs typeface="Roboto"/>
-                <a:sym typeface="Roboto"/>
               </a:defRPr>
             </a:lvl3pPr>
             <a:lvl4pPr lvl="3">
@@ -6696,19 +5445,14 @@
                 <a:spcPts val="0"/>
               </a:spcAft>
               <a:buClr>
-                <a:schemeClr val="lt1"/>
+                <a:schemeClr val="dk1"/>
               </a:buClr>
-              <a:buSzPts val="3200"/>
-              <a:buFont typeface="Roboto"/>
-              <a:buNone/>
-              <a:defRPr sz="3200">
+              <a:buSzPts val="2800"/>
+              <a:buNone/>
+              <a:defRPr sz="2800">
                 <a:solidFill>
-                  <a:schemeClr val="lt1"/>
+                  <a:schemeClr val="dk1"/>
                 </a:solidFill>
-                <a:latin typeface="Roboto"/>
-                <a:ea typeface="Roboto"/>
-                <a:cs typeface="Roboto"/>
-                <a:sym typeface="Roboto"/>
               </a:defRPr>
             </a:lvl4pPr>
             <a:lvl5pPr lvl="4">
@@ -6719,19 +5463,14 @@
                 <a:spcPts val="0"/>
               </a:spcAft>
               <a:buClr>
-                <a:schemeClr val="lt1"/>
+                <a:schemeClr val="dk1"/>
               </a:buClr>
-              <a:buSzPts val="3200"/>
-              <a:buFont typeface="Roboto"/>
-              <a:buNone/>
-              <a:defRPr sz="3200">
+              <a:buSzPts val="2800"/>
+              <a:buNone/>
+              <a:defRPr sz="2800">
                 <a:solidFill>
-                  <a:schemeClr val="lt1"/>
+                  <a:schemeClr val="dk1"/>
                 </a:solidFill>
-                <a:latin typeface="Roboto"/>
-                <a:ea typeface="Roboto"/>
-                <a:cs typeface="Roboto"/>
-                <a:sym typeface="Roboto"/>
               </a:defRPr>
             </a:lvl5pPr>
             <a:lvl6pPr lvl="5">
@@ -6742,19 +5481,14 @@
                 <a:spcPts val="0"/>
               </a:spcAft>
               <a:buClr>
-                <a:schemeClr val="lt1"/>
+                <a:schemeClr val="dk1"/>
               </a:buClr>
-              <a:buSzPts val="3200"/>
-              <a:buFont typeface="Roboto"/>
-              <a:buNone/>
-              <a:defRPr sz="3200">
+              <a:buSzPts val="2800"/>
+              <a:buNone/>
+              <a:defRPr sz="2800">
                 <a:solidFill>
-                  <a:schemeClr val="lt1"/>
+                  <a:schemeClr val="dk1"/>
                 </a:solidFill>
-                <a:latin typeface="Roboto"/>
-                <a:ea typeface="Roboto"/>
-                <a:cs typeface="Roboto"/>
-                <a:sym typeface="Roboto"/>
               </a:defRPr>
             </a:lvl6pPr>
             <a:lvl7pPr lvl="6">
@@ -6765,19 +5499,14 @@
                 <a:spcPts val="0"/>
               </a:spcAft>
               <a:buClr>
-                <a:schemeClr val="lt1"/>
+                <a:schemeClr val="dk1"/>
               </a:buClr>
-              <a:buSzPts val="3200"/>
-              <a:buFont typeface="Roboto"/>
-              <a:buNone/>
-              <a:defRPr sz="3200">
+              <a:buSzPts val="2800"/>
+              <a:buNone/>
+              <a:defRPr sz="2800">
                 <a:solidFill>
-                  <a:schemeClr val="lt1"/>
+                  <a:schemeClr val="dk1"/>
                 </a:solidFill>
-                <a:latin typeface="Roboto"/>
-                <a:ea typeface="Roboto"/>
-                <a:cs typeface="Roboto"/>
-                <a:sym typeface="Roboto"/>
               </a:defRPr>
             </a:lvl7pPr>
             <a:lvl8pPr lvl="7">
@@ -6788,19 +5517,14 @@
                 <a:spcPts val="0"/>
               </a:spcAft>
               <a:buClr>
-                <a:schemeClr val="lt1"/>
+                <a:schemeClr val="dk1"/>
               </a:buClr>
-              <a:buSzPts val="3200"/>
-              <a:buFont typeface="Roboto"/>
-              <a:buNone/>
-              <a:defRPr sz="3200">
+              <a:buSzPts val="2800"/>
+              <a:buNone/>
+              <a:defRPr sz="2800">
                 <a:solidFill>
-                  <a:schemeClr val="lt1"/>
+                  <a:schemeClr val="dk1"/>
                 </a:solidFill>
-                <a:latin typeface="Roboto"/>
-                <a:ea typeface="Roboto"/>
-                <a:cs typeface="Roboto"/>
-                <a:sym typeface="Roboto"/>
               </a:defRPr>
             </a:lvl8pPr>
             <a:lvl9pPr lvl="8">
@@ -6811,19 +5535,14 @@
                 <a:spcPts val="0"/>
               </a:spcAft>
               <a:buClr>
-                <a:schemeClr val="lt1"/>
+                <a:schemeClr val="dk1"/>
               </a:buClr>
-              <a:buSzPts val="3200"/>
-              <a:buFont typeface="Roboto"/>
-              <a:buNone/>
-              <a:defRPr sz="3200">
+              <a:buSzPts val="2800"/>
+              <a:buNone/>
+              <a:defRPr sz="2800">
                 <a:solidFill>
-                  <a:schemeClr val="lt1"/>
+                  <a:schemeClr val="dk1"/>
                 </a:solidFill>
-                <a:latin typeface="Roboto"/>
-                <a:ea typeface="Roboto"/>
-                <a:cs typeface="Roboto"/>
-                <a:sym typeface="Roboto"/>
               </a:defRPr>
             </a:lvl9pPr>
           </a:lstStyle>
@@ -6840,8 +5559,8 @@
         </p:nvSpPr>
         <p:spPr>
           <a:xfrm>
-            <a:off x="471900" y="1919075"/>
-            <a:ext cx="8222100" cy="2710200"/>
+            <a:off x="311700" y="1152475"/>
+            <a:ext cx="8520600" cy="3416400"/>
           </a:xfrm>
           <a:prstGeom prst="rect">
             <a:avLst/>
@@ -6865,19 +5584,14 @@
                 <a:spcPts val="0"/>
               </a:spcAft>
               <a:buClr>
-                <a:schemeClr val="lt2"/>
+                <a:schemeClr val="dk2"/>
               </a:buClr>
               <a:buSzPts val="1800"/>
-              <a:buFont typeface="Roboto"/>
               <a:buChar char="●"/>
               <a:defRPr sz="1800">
                 <a:solidFill>
-                  <a:schemeClr val="lt2"/>
+                  <a:schemeClr val="dk2"/>
                 </a:solidFill>
-                <a:latin typeface="Roboto"/>
-                <a:ea typeface="Roboto"/>
-                <a:cs typeface="Roboto"/>
-                <a:sym typeface="Roboto"/>
               </a:defRPr>
             </a:lvl1pPr>
             <a:lvl2pPr indent="-317500" lvl="1" marL="914400">
@@ -6891,19 +5605,14 @@
                 <a:spcPts val="0"/>
               </a:spcAft>
               <a:buClr>
-                <a:schemeClr val="lt2"/>
+                <a:schemeClr val="dk2"/>
               </a:buClr>
               <a:buSzPts val="1400"/>
-              <a:buFont typeface="Roboto"/>
               <a:buChar char="○"/>
               <a:defRPr>
                 <a:solidFill>
-                  <a:schemeClr val="lt2"/>
+                  <a:schemeClr val="dk2"/>
                 </a:solidFill>
-                <a:latin typeface="Roboto"/>
-                <a:ea typeface="Roboto"/>
-                <a:cs typeface="Roboto"/>
-                <a:sym typeface="Roboto"/>
               </a:defRPr>
             </a:lvl2pPr>
             <a:lvl3pPr indent="-317500" lvl="2" marL="1371600">
@@ -6917,19 +5626,14 @@
                 <a:spcPts val="0"/>
               </a:spcAft>
               <a:buClr>
-                <a:schemeClr val="lt2"/>
+                <a:schemeClr val="dk2"/>
               </a:buClr>
               <a:buSzPts val="1400"/>
-              <a:buFont typeface="Roboto"/>
               <a:buChar char="■"/>
               <a:defRPr>
                 <a:solidFill>
-                  <a:schemeClr val="lt2"/>
+                  <a:schemeClr val="dk2"/>
                 </a:solidFill>
-                <a:latin typeface="Roboto"/>
-                <a:ea typeface="Roboto"/>
-                <a:cs typeface="Roboto"/>
-                <a:sym typeface="Roboto"/>
               </a:defRPr>
             </a:lvl3pPr>
             <a:lvl4pPr indent="-317500" lvl="3" marL="1828800">
@@ -6943,19 +5647,14 @@
                 <a:spcPts val="0"/>
               </a:spcAft>
               <a:buClr>
-                <a:schemeClr val="lt2"/>
+                <a:schemeClr val="dk2"/>
               </a:buClr>
               <a:buSzPts val="1400"/>
-              <a:buFont typeface="Roboto"/>
               <a:buChar char="●"/>
               <a:defRPr>
                 <a:solidFill>
-                  <a:schemeClr val="lt2"/>
+                  <a:schemeClr val="dk2"/>
                 </a:solidFill>
-                <a:latin typeface="Roboto"/>
-                <a:ea typeface="Roboto"/>
-                <a:cs typeface="Roboto"/>
-                <a:sym typeface="Roboto"/>
               </a:defRPr>
             </a:lvl4pPr>
             <a:lvl5pPr indent="-317500" lvl="4" marL="2286000">
@@ -6969,19 +5668,14 @@
                 <a:spcPts val="0"/>
               </a:spcAft>
               <a:buClr>
-                <a:schemeClr val="lt2"/>
+                <a:schemeClr val="dk2"/>
               </a:buClr>
               <a:buSzPts val="1400"/>
-              <a:buFont typeface="Roboto"/>
               <a:buChar char="○"/>
               <a:defRPr>
                 <a:solidFill>
-                  <a:schemeClr val="lt2"/>
+                  <a:schemeClr val="dk2"/>
                 </a:solidFill>
-                <a:latin typeface="Roboto"/>
-                <a:ea typeface="Roboto"/>
-                <a:cs typeface="Roboto"/>
-                <a:sym typeface="Roboto"/>
               </a:defRPr>
             </a:lvl5pPr>
             <a:lvl6pPr indent="-317500" lvl="5" marL="2743200">
@@ -6995,19 +5689,14 @@
                 <a:spcPts val="0"/>
               </a:spcAft>
               <a:buClr>
-                <a:schemeClr val="lt2"/>
+                <a:schemeClr val="dk2"/>
               </a:buClr>
               <a:buSzPts val="1400"/>
-              <a:buFont typeface="Roboto"/>
               <a:buChar char="■"/>
               <a:defRPr>
                 <a:solidFill>
-                  <a:schemeClr val="lt2"/>
+                  <a:schemeClr val="dk2"/>
                 </a:solidFill>
-                <a:latin typeface="Roboto"/>
-                <a:ea typeface="Roboto"/>
-                <a:cs typeface="Roboto"/>
-                <a:sym typeface="Roboto"/>
               </a:defRPr>
             </a:lvl6pPr>
             <a:lvl7pPr indent="-317500" lvl="6" marL="3200400">
@@ -7021,19 +5710,14 @@
                 <a:spcPts val="0"/>
               </a:spcAft>
               <a:buClr>
-                <a:schemeClr val="lt2"/>
+                <a:schemeClr val="dk2"/>
               </a:buClr>
               <a:buSzPts val="1400"/>
-              <a:buFont typeface="Roboto"/>
               <a:buChar char="●"/>
               <a:defRPr>
                 <a:solidFill>
-                  <a:schemeClr val="lt2"/>
+                  <a:schemeClr val="dk2"/>
                 </a:solidFill>
-                <a:latin typeface="Roboto"/>
-                <a:ea typeface="Roboto"/>
-                <a:cs typeface="Roboto"/>
-                <a:sym typeface="Roboto"/>
               </a:defRPr>
             </a:lvl7pPr>
             <a:lvl8pPr indent="-317500" lvl="7" marL="3657600">
@@ -7047,19 +5731,14 @@
                 <a:spcPts val="0"/>
               </a:spcAft>
               <a:buClr>
-                <a:schemeClr val="lt2"/>
+                <a:schemeClr val="dk2"/>
               </a:buClr>
               <a:buSzPts val="1400"/>
-              <a:buFont typeface="Roboto"/>
               <a:buChar char="○"/>
               <a:defRPr>
                 <a:solidFill>
-                  <a:schemeClr val="lt2"/>
+                  <a:schemeClr val="dk2"/>
                 </a:solidFill>
-                <a:latin typeface="Roboto"/>
-                <a:ea typeface="Roboto"/>
-                <a:cs typeface="Roboto"/>
-                <a:sym typeface="Roboto"/>
               </a:defRPr>
             </a:lvl8pPr>
             <a:lvl9pPr indent="-317500" lvl="8" marL="4114800">
@@ -7073,19 +5752,14 @@
                 <a:spcPts val="1600"/>
               </a:spcAft>
               <a:buClr>
-                <a:schemeClr val="lt2"/>
+                <a:schemeClr val="dk2"/>
               </a:buClr>
               <a:buSzPts val="1400"/>
-              <a:buFont typeface="Roboto"/>
               <a:buChar char="■"/>
               <a:defRPr>
                 <a:solidFill>
-                  <a:schemeClr val="lt2"/>
+                  <a:schemeClr val="dk2"/>
                 </a:solidFill>
-                <a:latin typeface="Roboto"/>
-                <a:ea typeface="Roboto"/>
-                <a:cs typeface="Roboto"/>
-                <a:sym typeface="Roboto"/>
               </a:defRPr>
             </a:lvl9pPr>
           </a:lstStyle>
@@ -7102,7 +5776,7 @@
         </p:nvSpPr>
         <p:spPr>
           <a:xfrm>
-            <a:off x="8523541" y="4695623"/>
+            <a:off x="8472458" y="4663217"/>
             <a:ext cx="548700" cy="393600"/>
           </a:xfrm>
           <a:prstGeom prst="rect">
@@ -7122,108 +5796,72 @@
               <a:buNone/>
               <a:defRPr sz="1000">
                 <a:solidFill>
-                  <a:schemeClr val="lt2"/>
+                  <a:schemeClr val="dk2"/>
                 </a:solidFill>
-                <a:latin typeface="Roboto"/>
-                <a:ea typeface="Roboto"/>
-                <a:cs typeface="Roboto"/>
-                <a:sym typeface="Roboto"/>
               </a:defRPr>
             </a:lvl1pPr>
             <a:lvl2pPr lvl="1" algn="r">
               <a:buNone/>
               <a:defRPr sz="1000">
                 <a:solidFill>
-                  <a:schemeClr val="lt2"/>
+                  <a:schemeClr val="dk2"/>
                 </a:solidFill>
-                <a:latin typeface="Roboto"/>
-                <a:ea typeface="Roboto"/>
-                <a:cs typeface="Roboto"/>
-                <a:sym typeface="Roboto"/>
               </a:defRPr>
             </a:lvl2pPr>
             <a:lvl3pPr lvl="2" algn="r">
               <a:buNone/>
               <a:defRPr sz="1000">
                 <a:solidFill>
-                  <a:schemeClr val="lt2"/>
+                  <a:schemeClr val="dk2"/>
                 </a:solidFill>
-                <a:latin typeface="Roboto"/>
-                <a:ea typeface="Roboto"/>
-                <a:cs typeface="Roboto"/>
-                <a:sym typeface="Roboto"/>
               </a:defRPr>
             </a:lvl3pPr>
             <a:lvl4pPr lvl="3" algn="r">
               <a:buNone/>
               <a:defRPr sz="1000">
                 <a:solidFill>
-                  <a:schemeClr val="lt2"/>
+                  <a:schemeClr val="dk2"/>
                 </a:solidFill>
-                <a:latin typeface="Roboto"/>
-                <a:ea typeface="Roboto"/>
-                <a:cs typeface="Roboto"/>
-                <a:sym typeface="Roboto"/>
               </a:defRPr>
             </a:lvl4pPr>
             <a:lvl5pPr lvl="4" algn="r">
               <a:buNone/>
               <a:defRPr sz="1000">
                 <a:solidFill>
-                  <a:schemeClr val="lt2"/>
+                  <a:schemeClr val="dk2"/>
                 </a:solidFill>
-                <a:latin typeface="Roboto"/>
-                <a:ea typeface="Roboto"/>
-                <a:cs typeface="Roboto"/>
-                <a:sym typeface="Roboto"/>
               </a:defRPr>
             </a:lvl5pPr>
             <a:lvl6pPr lvl="5" algn="r">
               <a:buNone/>
               <a:defRPr sz="1000">
                 <a:solidFill>
-                  <a:schemeClr val="lt2"/>
+                  <a:schemeClr val="dk2"/>
                 </a:solidFill>
-                <a:latin typeface="Roboto"/>
-                <a:ea typeface="Roboto"/>
-                <a:cs typeface="Roboto"/>
-                <a:sym typeface="Roboto"/>
               </a:defRPr>
             </a:lvl6pPr>
             <a:lvl7pPr lvl="6" algn="r">
               <a:buNone/>
               <a:defRPr sz="1000">
                 <a:solidFill>
-                  <a:schemeClr val="lt2"/>
+                  <a:schemeClr val="dk2"/>
                 </a:solidFill>
-                <a:latin typeface="Roboto"/>
-                <a:ea typeface="Roboto"/>
-                <a:cs typeface="Roboto"/>
-                <a:sym typeface="Roboto"/>
               </a:defRPr>
             </a:lvl7pPr>
             <a:lvl8pPr lvl="7" algn="r">
               <a:buNone/>
               <a:defRPr sz="1000">
                 <a:solidFill>
-                  <a:schemeClr val="lt2"/>
+                  <a:schemeClr val="dk2"/>
                 </a:solidFill>
-                <a:latin typeface="Roboto"/>
-                <a:ea typeface="Roboto"/>
-                <a:cs typeface="Roboto"/>
-                <a:sym typeface="Roboto"/>
               </a:defRPr>
             </a:lvl8pPr>
             <a:lvl9pPr lvl="8" algn="r">
               <a:buNone/>
               <a:defRPr sz="1000">
                 <a:solidFill>
-                  <a:schemeClr val="lt2"/>
+                  <a:schemeClr val="dk2"/>
                 </a:solidFill>
-                <a:latin typeface="Roboto"/>
-                <a:ea typeface="Roboto"/>
-                <a:cs typeface="Roboto"/>
-                <a:sym typeface="Roboto"/>
               </a:defRPr>
             </a:lvl9pPr>
           </a:lstStyle>
@@ -7957,9 +6595,16 @@
 <file path=ppt/slides/slide1.xml><?xml version="1.0" encoding="utf-8"?>
 <p:sld xmlns:a="http://schemas.openxmlformats.org/drawingml/2006/main" xmlns:r="http://schemas.openxmlformats.org/officeDocument/2006/relationships" xmlns:mc="http://schemas.openxmlformats.org/markup-compatibility/2006" xmlns:mv="urn:schemas-microsoft-com:mac:vml" xmlns:p="http://schemas.openxmlformats.org/presentationml/2006/main" xmlns:c="http://schemas.openxmlformats.org/drawingml/2006/chart" xmlns:dgm="http://schemas.openxmlformats.org/drawingml/2006/diagram" xmlns:o="urn:schemas-microsoft-com:office:office" xmlns:v="urn:schemas-microsoft-com:vml" xmlns:pvml="urn:schemas-microsoft-com:office:powerpoint" xmlns:com="http://schemas.openxmlformats.org/drawingml/2006/compatibility" xmlns:p14="http://schemas.microsoft.com/office/powerpoint/2010/main" xmlns:p15="http://schemas.microsoft.com/office/powerpoint/2012/main">
   <p:cSld>
+    <p:bg>
+      <p:bgPr>
+        <a:solidFill>
+          <a:srgbClr val="FFFFFF"/>
+        </a:solidFill>
+      </p:bgPr>
+    </p:bg>
     <p:spTree>
       <p:nvGrpSpPr>
-        <p:cNvPr id="66" name="Shape 66"/>
+        <p:cNvPr id="53" name="Shape 53"/>
         <p:cNvGrpSpPr/>
         <p:nvPr/>
       </p:nvGrpSpPr>
@@ -7973,7 +6618,7 @@
       </p:grpSpPr>
       <p:sp>
         <p:nvSpPr>
-          <p:cNvPr id="67" name="Google Shape;67;p13"/>
+          <p:cNvPr id="54" name="Google Shape;54;p13"/>
           <p:cNvSpPr txBox="1"/>
           <p:nvPr>
             <p:ph type="ctrTitle"/>
@@ -7981,8 +6626,8 @@
         </p:nvSpPr>
         <p:spPr>
           <a:xfrm>
-            <a:off x="390525" y="1819275"/>
-            <a:ext cx="8222100" cy="933600"/>
+            <a:off x="311708" y="744575"/>
+            <a:ext cx="8520600" cy="2052600"/>
           </a:xfrm>
           <a:prstGeom prst="rect">
             <a:avLst/>
@@ -8012,7 +6657,7 @@
       </p:sp>
       <p:sp>
         <p:nvSpPr>
-          <p:cNvPr id="68" name="Google Shape;68;p13"/>
+          <p:cNvPr id="55" name="Google Shape;55;p13"/>
           <p:cNvSpPr txBox="1"/>
           <p:nvPr>
             <p:ph idx="1" type="subTitle"/>
@@ -8020,8 +6665,8 @@
         </p:nvSpPr>
         <p:spPr>
           <a:xfrm>
-            <a:off x="390525" y="2789130"/>
-            <a:ext cx="8222100" cy="432900"/>
+            <a:off x="311700" y="2834125"/>
+            <a:ext cx="8520600" cy="792600"/>
           </a:xfrm>
           <a:prstGeom prst="rect">
             <a:avLst/>
@@ -8051,7 +6696,7 @@
       </p:sp>
       <p:pic>
         <p:nvPicPr>
-          <p:cNvPr id="69" name="Google Shape;69;p13"/>
+          <p:cNvPr id="56" name="Google Shape;56;p13"/>
           <p:cNvPicPr preferRelativeResize="0"/>
           <p:nvPr/>
         </p:nvPicPr>
@@ -8065,7 +6710,7 @@
         </p:blipFill>
         <p:spPr>
           <a:xfrm>
-            <a:off x="0" y="803925"/>
+            <a:off x="0" y="744575"/>
             <a:ext cx="9144000" cy="3307624"/>
           </a:xfrm>
           <a:prstGeom prst="rect">
@@ -8112,20 +6757,20 @@
         </p:nvSpPr>
         <p:spPr>
           <a:xfrm>
-            <a:off x="471900" y="738725"/>
-            <a:ext cx="8222100" cy="767700"/>
+            <a:off x="311700" y="445025"/>
+            <a:ext cx="8520600" cy="572700"/>
           </a:xfrm>
           <a:prstGeom prst="rect">
             <a:avLst/>
           </a:prstGeom>
         </p:spPr>
         <p:txBody>
-          <a:bodyPr anchorCtr="0" anchor="b" bIns="91425" lIns="91425" spcFirstLastPara="1" rIns="91425" wrap="square" tIns="91425">
+          <a:bodyPr anchorCtr="0" anchor="t" bIns="91425" lIns="91425" spcFirstLastPara="1" rIns="91425" wrap="square" tIns="91425">
             <a:noAutofit/>
           </a:bodyPr>
           <a:lstStyle/>
           <a:p>
-            <a:pPr indent="0" lvl="0" marL="0" rtl="0">
+            <a:pPr indent="0" lvl="0" marL="0">
               <a:spcBef>
                 <a:spcPts val="0"/>
               </a:spcBef>
@@ -8135,15 +6780,15 @@
               <a:buNone/>
             </a:pPr>
             <a:r>
-              <a:rPr b="1" lang="it">
+              <a:rPr b="1" lang="it" sz="3600">
                 <a:latin typeface="Times New Roman"/>
                 <a:ea typeface="Times New Roman"/>
                 <a:cs typeface="Times New Roman"/>
                 <a:sym typeface="Times New Roman"/>
               </a:rPr>
-              <a:t>Payment method</a:t>
+              <a:t>Customers profile</a:t>
             </a:r>
-            <a:endParaRPr b="1">
+            <a:endParaRPr b="1" sz="3600">
               <a:latin typeface="Times New Roman"/>
               <a:ea typeface="Times New Roman"/>
               <a:cs typeface="Times New Roman"/>
@@ -8152,22 +6797,52 @@
           </a:p>
         </p:txBody>
       </p:sp>
+      <p:pic>
+        <p:nvPicPr>
+          <p:cNvPr id="135" name="Google Shape;135;p22"/>
+          <p:cNvPicPr preferRelativeResize="0"/>
+          <p:nvPr/>
+        </p:nvPicPr>
+        <p:blipFill>
+          <a:blip r:embed="rId3">
+            <a:alphaModFix/>
+          </a:blip>
+          <a:stretch>
+            <a:fillRect/>
+          </a:stretch>
+        </p:blipFill>
+        <p:spPr>
+          <a:xfrm>
+            <a:off x="3328875" y="1430288"/>
+            <a:ext cx="2381250" cy="2381250"/>
+          </a:xfrm>
+          <a:prstGeom prst="rect">
+            <a:avLst/>
+          </a:prstGeom>
+          <a:noFill/>
+          <a:ln>
+            <a:noFill/>
+          </a:ln>
+        </p:spPr>
+      </p:pic>
       <p:sp>
         <p:nvSpPr>
-          <p:cNvPr id="135" name="Google Shape;135;p22"/>
+          <p:cNvPr id="136" name="Google Shape;136;p22"/>
           <p:cNvSpPr txBox="1"/>
-          <p:nvPr>
-            <p:ph idx="1" type="body"/>
-          </p:nvPr>
+          <p:nvPr/>
         </p:nvSpPr>
         <p:spPr>
           <a:xfrm>
-            <a:off x="471900" y="1919075"/>
-            <a:ext cx="8222100" cy="2710200"/>
+            <a:off x="2443650" y="3971638"/>
+            <a:ext cx="4256700" cy="496500"/>
           </a:xfrm>
           <a:prstGeom prst="rect">
             <a:avLst/>
           </a:prstGeom>
+          <a:noFill/>
+          <a:ln>
+            <a:noFill/>
+          </a:ln>
         </p:spPr>
         <p:txBody>
           <a:bodyPr anchorCtr="0" anchor="t" bIns="91425" lIns="91425" spcFirstLastPara="1" rIns="91425" wrap="square" tIns="91425">
@@ -8175,7 +6850,7 @@
           </a:bodyPr>
           <a:lstStyle/>
           <a:p>
-            <a:pPr indent="0" lvl="0" marL="0" rtl="0">
+            <a:pPr indent="457200" lvl="0" marL="914400" rtl="0" algn="just">
               <a:spcBef>
                 <a:spcPts val="0"/>
               </a:spcBef>
@@ -8185,25 +6860,15 @@
               <a:buNone/>
             </a:pPr>
             <a:r>
-              <a:rPr lang="it" sz="1400">
-                <a:latin typeface="Arial"/>
-                <a:ea typeface="Arial"/>
-                <a:cs typeface="Arial"/>
-                <a:sym typeface="Arial"/>
-              </a:rPr>
-              <a:t>The uploader will get a 50% fee from all the students who subscribe under his course.</a:t>
+              <a:rPr b="1" lang="it"/>
+              <a:t>Students</a:t>
             </a:r>
-            <a:endParaRPr sz="1400">
-              <a:latin typeface="Arial"/>
-              <a:ea typeface="Arial"/>
-              <a:cs typeface="Arial"/>
-              <a:sym typeface="Arial"/>
-            </a:endParaRPr>
+            <a:endParaRPr b="1"/>
           </a:p>
           <a:p>
-            <a:pPr indent="0" lvl="0" marL="0" rtl="0">
-              <a:spcBef>
-                <a:spcPts val="1600"/>
+            <a:pPr indent="0" lvl="0" marL="914400" rtl="0" algn="just">
+              <a:spcBef>
+                <a:spcPts val="0"/>
               </a:spcBef>
               <a:spcAft>
                 <a:spcPts val="0"/>
@@ -8211,173 +6876,25 @@
               <a:buNone/>
             </a:pPr>
             <a:r>
-              <a:rPr lang="it" sz="1400">
-                <a:latin typeface="Arial"/>
-                <a:ea typeface="Arial"/>
-                <a:cs typeface="Arial"/>
-                <a:sym typeface="Arial"/>
-              </a:rPr>
-              <a:t>If there is more than one uploader we have software that will keep track of views using a simple algorithm and will help us implement a fair payment method.</a:t>
-            </a:r>
-            <a:endParaRPr sz="1400">
-              <a:latin typeface="Arial"/>
-              <a:ea typeface="Arial"/>
-              <a:cs typeface="Arial"/>
-              <a:sym typeface="Arial"/>
-            </a:endParaRPr>
-          </a:p>
-          <a:p>
-            <a:pPr indent="0" lvl="0" marL="0" rtl="0">
-              <a:spcBef>
-                <a:spcPts val="1600"/>
-              </a:spcBef>
-              <a:spcAft>
-                <a:spcPts val="0"/>
-              </a:spcAft>
-              <a:buNone/>
-            </a:pPr>
-            <a:r>
-              <a:rPr lang="it" sz="1400">
-                <a:latin typeface="Arial"/>
-                <a:ea typeface="Arial"/>
-                <a:cs typeface="Arial"/>
-                <a:sym typeface="Arial"/>
-              </a:rPr>
-              <a:t>We will use</a:t>
+              <a:rPr lang="it"/>
+              <a:t>     </a:t>
             </a:r>
             <a:r>
-              <a:rPr b="1" lang="it" sz="1400">
-                <a:latin typeface="Arial"/>
-                <a:ea typeface="Arial"/>
-                <a:cs typeface="Arial"/>
-                <a:sym typeface="Arial"/>
-              </a:rPr>
-              <a:t> </a:t>
+              <a:rPr lang="it"/>
+              <a:t>19 - 30 years old</a:t>
             </a:r>
-            <a:r>
-              <a:rPr b="1" lang="it" sz="1400">
-                <a:latin typeface="Arial"/>
-                <a:ea typeface="Arial"/>
-                <a:cs typeface="Arial"/>
-                <a:sym typeface="Arial"/>
-              </a:rPr>
-              <a:t>Stars </a:t>
-            </a:r>
-            <a:r>
-              <a:rPr lang="it" sz="1400">
-                <a:latin typeface="Arial"/>
-                <a:ea typeface="Arial"/>
-                <a:cs typeface="Arial"/>
-                <a:sym typeface="Arial"/>
-              </a:rPr>
-              <a:t>times </a:t>
-            </a:r>
-            <a:r>
-              <a:rPr b="1" lang="it" sz="1400">
-                <a:latin typeface="Arial"/>
-                <a:ea typeface="Arial"/>
-                <a:cs typeface="Arial"/>
-                <a:sym typeface="Arial"/>
-              </a:rPr>
-              <a:t>Views </a:t>
-            </a:r>
-            <a:r>
-              <a:rPr lang="it" sz="1400">
-                <a:latin typeface="Arial"/>
-                <a:ea typeface="Arial"/>
-                <a:cs typeface="Arial"/>
-                <a:sym typeface="Arial"/>
-              </a:rPr>
-              <a:t>for each student and that will be our guide to payment. </a:t>
-            </a:r>
-            <a:endParaRPr sz="1400">
-              <a:latin typeface="Arial"/>
-              <a:ea typeface="Arial"/>
-              <a:cs typeface="Arial"/>
-              <a:sym typeface="Arial"/>
-            </a:endParaRPr>
-          </a:p>
-          <a:p>
-            <a:pPr indent="0" lvl="0" marL="0" rtl="0">
-              <a:spcBef>
-                <a:spcPts val="1600"/>
-              </a:spcBef>
-              <a:spcAft>
-                <a:spcPts val="1600"/>
-              </a:spcAft>
-              <a:buNone/>
-            </a:pPr>
-            <a:r>
-              <a:rPr lang="it" sz="1400">
-                <a:latin typeface="Arial"/>
-                <a:ea typeface="Arial"/>
-                <a:cs typeface="Arial"/>
-                <a:sym typeface="Arial"/>
-              </a:rPr>
-              <a:t>Whomever has more </a:t>
-            </a:r>
-            <a:r>
-              <a:rPr b="1" lang="it" sz="1400">
-                <a:latin typeface="Arial"/>
-                <a:ea typeface="Arial"/>
-                <a:cs typeface="Arial"/>
-                <a:sym typeface="Arial"/>
-              </a:rPr>
-              <a:t>S</a:t>
-            </a:r>
-            <a:r>
-              <a:rPr b="1" lang="it" sz="1400">
-                <a:latin typeface="Arial"/>
-                <a:ea typeface="Arial"/>
-                <a:cs typeface="Arial"/>
-                <a:sym typeface="Arial"/>
-              </a:rPr>
-              <a:t>tars </a:t>
-            </a:r>
-            <a:r>
-              <a:rPr lang="it" sz="1400">
-                <a:latin typeface="Arial"/>
-                <a:ea typeface="Arial"/>
-                <a:cs typeface="Arial"/>
-                <a:sym typeface="Arial"/>
-              </a:rPr>
-              <a:t>and more </a:t>
-            </a:r>
-            <a:r>
-              <a:rPr b="1" lang="it" sz="1400">
-                <a:latin typeface="Arial"/>
-                <a:ea typeface="Arial"/>
-                <a:cs typeface="Arial"/>
-                <a:sym typeface="Arial"/>
-              </a:rPr>
-              <a:t>Views </a:t>
-            </a:r>
-            <a:r>
-              <a:rPr lang="it" sz="1400">
-                <a:latin typeface="Arial"/>
-                <a:ea typeface="Arial"/>
-                <a:cs typeface="Arial"/>
-                <a:sym typeface="Arial"/>
-              </a:rPr>
-              <a:t>will have a bigger payout.</a:t>
-            </a:r>
-            <a:endParaRPr sz="1400">
-              <a:latin typeface="Arial"/>
-              <a:ea typeface="Arial"/>
-              <a:cs typeface="Arial"/>
-              <a:sym typeface="Arial"/>
-            </a:endParaRPr>
+            <a:endParaRPr/>
           </a:p>
         </p:txBody>
       </p:sp>
       <p:pic>
         <p:nvPicPr>
-          <p:cNvPr id="136" name="Google Shape;136;p22"/>
+          <p:cNvPr id="137" name="Google Shape;137;p22"/>
           <p:cNvPicPr preferRelativeResize="0"/>
           <p:nvPr/>
         </p:nvPicPr>
         <p:blipFill>
-          <a:blip r:embed="rId3">
+          <a:blip r:embed="rId4">
             <a:alphaModFix/>
           </a:blip>
           <a:stretch>
@@ -8411,7 +6928,7 @@
   <p:cSld>
     <p:spTree>
       <p:nvGrpSpPr>
-        <p:cNvPr id="140" name="Shape 140"/>
+        <p:cNvPr id="141" name="Shape 141"/>
         <p:cNvGrpSpPr/>
         <p:nvPr/>
       </p:nvGrpSpPr>
@@ -8425,22 +6942,20 @@
       </p:grpSpPr>
       <p:sp>
         <p:nvSpPr>
-          <p:cNvPr id="141" name="Google Shape;141;p23"/>
+          <p:cNvPr id="142" name="Google Shape;142;p23"/>
           <p:cNvSpPr txBox="1"/>
-          <p:nvPr/>
+          <p:nvPr>
+            <p:ph type="title"/>
+          </p:nvPr>
         </p:nvSpPr>
         <p:spPr>
           <a:xfrm>
-            <a:off x="351150" y="177900"/>
-            <a:ext cx="4256700" cy="496500"/>
+            <a:off x="311700" y="445025"/>
+            <a:ext cx="8520600" cy="572700"/>
           </a:xfrm>
           <a:prstGeom prst="rect">
             <a:avLst/>
           </a:prstGeom>
-          <a:noFill/>
-          <a:ln>
-            <a:noFill/>
-          </a:ln>
         </p:spPr>
         <p:txBody>
           <a:bodyPr anchorCtr="0" anchor="t" bIns="91425" lIns="91425" spcFirstLastPara="1" rIns="91425" wrap="square" tIns="91425">
@@ -8458,15 +6973,15 @@
               <a:buNone/>
             </a:pPr>
             <a:r>
-              <a:rPr b="1" lang="it" sz="3000">
+              <a:rPr b="1" lang="it" sz="3600">
                 <a:latin typeface="Times New Roman"/>
                 <a:ea typeface="Times New Roman"/>
                 <a:cs typeface="Times New Roman"/>
                 <a:sym typeface="Times New Roman"/>
               </a:rPr>
-              <a:t>Customer Profile</a:t>
+              <a:t>Competitor</a:t>
             </a:r>
-            <a:endParaRPr b="1" sz="3000">
+            <a:endParaRPr b="1" sz="3600">
               <a:latin typeface="Times New Roman"/>
               <a:ea typeface="Times New Roman"/>
               <a:cs typeface="Times New Roman"/>
@@ -8475,9 +6990,111 @@
           </a:p>
         </p:txBody>
       </p:sp>
+      <p:sp>
+        <p:nvSpPr>
+          <p:cNvPr id="143" name="Google Shape;143;p23"/>
+          <p:cNvSpPr/>
+          <p:nvPr/>
+        </p:nvSpPr>
+        <p:spPr>
+          <a:xfrm>
+            <a:off x="3803100" y="1113550"/>
+            <a:ext cx="1537800" cy="411000"/>
+          </a:xfrm>
+          <a:prstGeom prst="roundRect">
+            <a:avLst>
+              <a:gd fmla="val 16667" name="adj"/>
+            </a:avLst>
+          </a:prstGeom>
+          <a:solidFill>
+            <a:schemeClr val="lt2"/>
+          </a:solidFill>
+          <a:ln cap="flat" cmpd="sng" w="9525">
+            <a:solidFill>
+              <a:schemeClr val="dk2"/>
+            </a:solidFill>
+            <a:prstDash val="solid"/>
+            <a:round/>
+            <a:headEnd len="sm" w="sm" type="none"/>
+            <a:tailEnd len="sm" w="sm" type="none"/>
+          </a:ln>
+        </p:spPr>
+        <p:txBody>
+          <a:bodyPr anchorCtr="0" anchor="ctr" bIns="91425" lIns="91425" spcFirstLastPara="1" rIns="91425" wrap="square" tIns="91425">
+            <a:noAutofit/>
+          </a:bodyPr>
+          <a:lstStyle/>
+          <a:p>
+            <a:pPr indent="0" lvl="0" marL="0">
+              <a:spcBef>
+                <a:spcPts val="0"/>
+              </a:spcBef>
+              <a:spcAft>
+                <a:spcPts val="0"/>
+              </a:spcAft>
+              <a:buNone/>
+            </a:pPr>
+            <a:r>
+              <a:rPr b="1" lang="it" sz="1800"/>
+              <a:t>StudySoup</a:t>
+            </a:r>
+            <a:endParaRPr b="1" sz="1800"/>
+          </a:p>
+        </p:txBody>
+      </p:sp>
+      <p:sp>
+        <p:nvSpPr>
+          <p:cNvPr id="144" name="Google Shape;144;p23"/>
+          <p:cNvSpPr/>
+          <p:nvPr/>
+        </p:nvSpPr>
+        <p:spPr>
+          <a:xfrm>
+            <a:off x="1649675" y="1971900"/>
+            <a:ext cx="2546100" cy="1151700"/>
+          </a:xfrm>
+          <a:prstGeom prst="ellipse">
+            <a:avLst/>
+          </a:prstGeom>
+          <a:solidFill>
+            <a:srgbClr val="EFEFEF"/>
+          </a:solidFill>
+          <a:ln cap="flat" cmpd="sng" w="9525">
+            <a:solidFill>
+              <a:schemeClr val="dk2"/>
+            </a:solidFill>
+            <a:prstDash val="solid"/>
+            <a:round/>
+            <a:headEnd len="sm" w="sm" type="none"/>
+            <a:tailEnd len="sm" w="sm" type="none"/>
+          </a:ln>
+        </p:spPr>
+        <p:txBody>
+          <a:bodyPr anchorCtr="0" anchor="ctr" bIns="91425" lIns="91425" spcFirstLastPara="1" rIns="91425" wrap="square" tIns="91425">
+            <a:noAutofit/>
+          </a:bodyPr>
+          <a:lstStyle/>
+          <a:p>
+            <a:pPr indent="0" lvl="0" marL="0" algn="ctr">
+              <a:spcBef>
+                <a:spcPts val="0"/>
+              </a:spcBef>
+              <a:spcAft>
+                <a:spcPts val="0"/>
+              </a:spcAft>
+              <a:buNone/>
+            </a:pPr>
+            <a:r>
+              <a:rPr b="1" lang="it" sz="1800"/>
+              <a:t>USA based</a:t>
+            </a:r>
+            <a:endParaRPr b="1" sz="1800"/>
+          </a:p>
+        </p:txBody>
+      </p:sp>
       <p:pic>
         <p:nvPicPr>
-          <p:cNvPr id="142" name="Google Shape;142;p23"/>
+          <p:cNvPr id="145" name="Google Shape;145;p23"/>
           <p:cNvPicPr preferRelativeResize="0"/>
           <p:nvPr/>
         </p:nvPicPr>
@@ -8491,8 +7108,8 @@
         </p:blipFill>
         <p:spPr>
           <a:xfrm>
-            <a:off x="3328875" y="1059088"/>
-            <a:ext cx="2381250" cy="2381250"/>
+            <a:off x="8396717" y="110700"/>
+            <a:ext cx="449509" cy="477600"/>
           </a:xfrm>
           <a:prstGeom prst="rect">
             <a:avLst/>
@@ -8505,30 +7122,38 @@
       </p:pic>
       <p:sp>
         <p:nvSpPr>
-          <p:cNvPr id="143" name="Google Shape;143;p23"/>
-          <p:cNvSpPr txBox="1"/>
+          <p:cNvPr id="146" name="Google Shape;146;p23"/>
+          <p:cNvSpPr/>
           <p:nvPr/>
         </p:nvSpPr>
         <p:spPr>
           <a:xfrm>
-            <a:off x="2443650" y="3600438"/>
-            <a:ext cx="4256700" cy="496500"/>
-          </a:xfrm>
-          <a:prstGeom prst="rect">
+            <a:off x="1649675" y="3618950"/>
+            <a:ext cx="2546100" cy="1156800"/>
+          </a:xfrm>
+          <a:prstGeom prst="ellipse">
             <a:avLst/>
           </a:prstGeom>
-          <a:noFill/>
-          <a:ln>
-            <a:noFill/>
+          <a:solidFill>
+            <a:srgbClr val="EFEFEF"/>
+          </a:solidFill>
+          <a:ln cap="flat" cmpd="sng" w="9525">
+            <a:solidFill>
+              <a:schemeClr val="dk2"/>
+            </a:solidFill>
+            <a:prstDash val="solid"/>
+            <a:round/>
+            <a:headEnd len="sm" w="sm" type="none"/>
+            <a:tailEnd len="sm" w="sm" type="none"/>
           </a:ln>
         </p:spPr>
         <p:txBody>
-          <a:bodyPr anchorCtr="0" anchor="t" bIns="91425" lIns="91425" spcFirstLastPara="1" rIns="91425" wrap="square" tIns="91425">
+          <a:bodyPr anchorCtr="0" anchor="ctr" bIns="91425" lIns="91425" spcFirstLastPara="1" rIns="91425" wrap="square" tIns="91425">
             <a:noAutofit/>
           </a:bodyPr>
           <a:lstStyle/>
           <a:p>
-            <a:pPr indent="457200" lvl="0" marL="914400" rtl="0" algn="just">
+            <a:pPr indent="0" lvl="0" marL="0" rtl="0" algn="ctr">
               <a:spcBef>
                 <a:spcPts val="0"/>
               </a:spcBef>
@@ -8539,12 +7164,46 @@
             </a:pPr>
             <a:r>
               <a:rPr b="1" lang="it"/>
-              <a:t>Student</a:t>
+              <a:t>Over 1 M subscribe</a:t>
             </a:r>
             <a:endParaRPr b="1"/>
           </a:p>
+        </p:txBody>
+      </p:sp>
+      <p:sp>
+        <p:nvSpPr>
+          <p:cNvPr id="147" name="Google Shape;147;p23"/>
+          <p:cNvSpPr/>
+          <p:nvPr/>
+        </p:nvSpPr>
+        <p:spPr>
+          <a:xfrm>
+            <a:off x="4944700" y="3575925"/>
+            <a:ext cx="2744100" cy="1199700"/>
+          </a:xfrm>
+          <a:prstGeom prst="ellipse">
+            <a:avLst/>
+          </a:prstGeom>
+          <a:solidFill>
+            <a:srgbClr val="EFEFEF"/>
+          </a:solidFill>
+          <a:ln cap="flat" cmpd="sng" w="9525">
+            <a:solidFill>
+              <a:schemeClr val="dk2"/>
+            </a:solidFill>
+            <a:prstDash val="solid"/>
+            <a:round/>
+            <a:headEnd len="sm" w="sm" type="none"/>
+            <a:tailEnd len="sm" w="sm" type="none"/>
+          </a:ln>
+        </p:spPr>
+        <p:txBody>
+          <a:bodyPr anchorCtr="0" anchor="ctr" bIns="91425" lIns="91425" spcFirstLastPara="1" rIns="91425" wrap="square" tIns="91425">
+            <a:noAutofit/>
+          </a:bodyPr>
+          <a:lstStyle/>
           <a:p>
-            <a:pPr indent="0" lvl="0" marL="914400" rtl="0" algn="just">
+            <a:pPr indent="0" lvl="0" marL="0" rtl="0" algn="ctr">
               <a:spcBef>
                 <a:spcPts val="0"/>
               </a:spcBef>
@@ -8554,41 +7213,63 @@
               <a:buNone/>
             </a:pPr>
             <a:r>
-              <a:rPr lang="it"/>
-              <a:t>between 19 - 30 years old</a:t>
+              <a:rPr b="1" lang="it" sz="1800"/>
+              <a:t>Expensive</a:t>
             </a:r>
-            <a:endParaRPr/>
+            <a:endParaRPr b="1" sz="1800"/>
           </a:p>
         </p:txBody>
       </p:sp>
-      <p:pic>
-        <p:nvPicPr>
-          <p:cNvPr id="144" name="Google Shape;144;p23"/>
-          <p:cNvPicPr preferRelativeResize="0"/>
+      <p:sp>
+        <p:nvSpPr>
+          <p:cNvPr id="148" name="Google Shape;148;p23"/>
+          <p:cNvSpPr/>
           <p:nvPr/>
-        </p:nvPicPr>
-        <p:blipFill>
-          <a:blip r:embed="rId4">
-            <a:alphaModFix/>
-          </a:blip>
-          <a:stretch>
-            <a:fillRect/>
-          </a:stretch>
-        </p:blipFill>
-        <p:spPr>
-          <a:xfrm>
-            <a:off x="8396717" y="110700"/>
-            <a:ext cx="449509" cy="477600"/>
-          </a:xfrm>
-          <a:prstGeom prst="rect">
+        </p:nvSpPr>
+        <p:spPr>
+          <a:xfrm>
+            <a:off x="4944675" y="1971900"/>
+            <a:ext cx="2744100" cy="1156800"/>
+          </a:xfrm>
+          <a:prstGeom prst="ellipse">
             <a:avLst/>
           </a:prstGeom>
-          <a:noFill/>
-          <a:ln>
-            <a:noFill/>
+          <a:solidFill>
+            <a:srgbClr val="EFEFEF"/>
+          </a:solidFill>
+          <a:ln cap="flat" cmpd="sng" w="9525">
+            <a:solidFill>
+              <a:schemeClr val="dk2"/>
+            </a:solidFill>
+            <a:prstDash val="solid"/>
+            <a:round/>
+            <a:headEnd len="sm" w="sm" type="none"/>
+            <a:tailEnd len="sm" w="sm" type="none"/>
           </a:ln>
         </p:spPr>
-      </p:pic>
+        <p:txBody>
+          <a:bodyPr anchorCtr="0" anchor="ctr" bIns="91425" lIns="91425" spcFirstLastPara="1" rIns="91425" wrap="square" tIns="91425">
+            <a:noAutofit/>
+          </a:bodyPr>
+          <a:lstStyle/>
+          <a:p>
+            <a:pPr indent="0" lvl="0" marL="0" rtl="0">
+              <a:spcBef>
+                <a:spcPts val="0"/>
+              </a:spcBef>
+              <a:spcAft>
+                <a:spcPts val="0"/>
+              </a:spcAft>
+              <a:buNone/>
+            </a:pPr>
+            <a:r>
+              <a:rPr b="1" lang="it"/>
+              <a:t>Other Cost involved</a:t>
+            </a:r>
+            <a:endParaRPr b="1"/>
+          </a:p>
+        </p:txBody>
+      </p:sp>
     </p:spTree>
   </p:cSld>
   <p:clrMapOvr>
@@ -8602,7 +7283,7 @@
   <p:cSld>
     <p:spTree>
       <p:nvGrpSpPr>
-        <p:cNvPr id="148" name="Shape 148"/>
+        <p:cNvPr id="152" name="Shape 152"/>
         <p:cNvGrpSpPr/>
         <p:nvPr/>
       </p:nvGrpSpPr>
@@ -8616,7 +7297,7 @@
       </p:grpSpPr>
       <p:sp>
         <p:nvSpPr>
-          <p:cNvPr id="149" name="Google Shape;149;p24"/>
+          <p:cNvPr id="153" name="Google Shape;153;p24"/>
           <p:cNvSpPr txBox="1"/>
           <p:nvPr>
             <p:ph type="title"/>
@@ -8624,20 +7305,20 @@
         </p:nvSpPr>
         <p:spPr>
           <a:xfrm>
-            <a:off x="471900" y="738725"/>
-            <a:ext cx="8222100" cy="767700"/>
+            <a:off x="311700" y="445025"/>
+            <a:ext cx="8520600" cy="572700"/>
           </a:xfrm>
           <a:prstGeom prst="rect">
             <a:avLst/>
           </a:prstGeom>
         </p:spPr>
         <p:txBody>
-          <a:bodyPr anchorCtr="0" anchor="b" bIns="91425" lIns="91425" spcFirstLastPara="1" rIns="91425" wrap="square" tIns="91425">
+          <a:bodyPr anchorCtr="0" anchor="t" bIns="91425" lIns="91425" spcFirstLastPara="1" rIns="91425" wrap="square" tIns="91425">
             <a:noAutofit/>
           </a:bodyPr>
           <a:lstStyle/>
           <a:p>
-            <a:pPr indent="0" lvl="0" marL="0" rtl="0">
+            <a:pPr indent="0" lvl="0" marL="0">
               <a:spcBef>
                 <a:spcPts val="0"/>
               </a:spcBef>
@@ -8647,15 +7328,15 @@
               <a:buNone/>
             </a:pPr>
             <a:r>
-              <a:rPr b="1" lang="it">
+              <a:rPr b="1" lang="it" sz="3600">
                 <a:latin typeface="Times New Roman"/>
                 <a:ea typeface="Times New Roman"/>
                 <a:cs typeface="Times New Roman"/>
                 <a:sym typeface="Times New Roman"/>
               </a:rPr>
-              <a:t>Competitor</a:t>
+              <a:t>Unfair advantages</a:t>
             </a:r>
-            <a:endParaRPr b="1">
+            <a:endParaRPr b="1" sz="3600">
               <a:latin typeface="Times New Roman"/>
               <a:ea typeface="Times New Roman"/>
               <a:cs typeface="Times New Roman"/>
@@ -8666,23 +7347,87 @@
       </p:sp>
       <p:sp>
         <p:nvSpPr>
-          <p:cNvPr id="150" name="Google Shape;150;p24"/>
-          <p:cNvSpPr txBox="1"/>
-          <p:nvPr>
-            <p:ph idx="1" type="body"/>
-          </p:nvPr>
+          <p:cNvPr id="154" name="Google Shape;154;p24"/>
+          <p:cNvSpPr/>
+          <p:nvPr/>
         </p:nvSpPr>
         <p:spPr>
           <a:xfrm>
-            <a:off x="471900" y="1919075"/>
-            <a:ext cx="8222100" cy="2710200"/>
-          </a:xfrm>
-          <a:prstGeom prst="rect">
-            <a:avLst/>
-          </a:prstGeom>
+            <a:off x="1102200" y="1851725"/>
+            <a:ext cx="2704200" cy="742500"/>
+          </a:xfrm>
+          <a:prstGeom prst="roundRect">
+            <a:avLst>
+              <a:gd fmla="val 16667" name="adj"/>
+            </a:avLst>
+          </a:prstGeom>
+          <a:solidFill>
+            <a:srgbClr val="B6D7A8"/>
+          </a:solidFill>
+          <a:ln cap="flat" cmpd="sng" w="9525">
+            <a:solidFill>
+              <a:schemeClr val="dk2"/>
+            </a:solidFill>
+            <a:prstDash val="solid"/>
+            <a:round/>
+            <a:headEnd len="sm" w="sm" type="none"/>
+            <a:tailEnd len="sm" w="sm" type="none"/>
+          </a:ln>
         </p:spPr>
         <p:txBody>
-          <a:bodyPr anchorCtr="0" anchor="t" bIns="91425" lIns="91425" spcFirstLastPara="1" rIns="91425" wrap="square" tIns="91425">
+          <a:bodyPr anchorCtr="0" anchor="ctr" bIns="91425" lIns="91425" spcFirstLastPara="1" rIns="91425" wrap="square" tIns="91425">
+            <a:noAutofit/>
+          </a:bodyPr>
+          <a:lstStyle/>
+          <a:p>
+            <a:pPr indent="0" lvl="0" marL="0">
+              <a:spcBef>
+                <a:spcPts val="0"/>
+              </a:spcBef>
+              <a:spcAft>
+                <a:spcPts val="0"/>
+              </a:spcAft>
+              <a:buNone/>
+            </a:pPr>
+            <a:r>
+              <a:rPr b="1" lang="it" sz="1800"/>
+              <a:t>1st in Europe and Asia market</a:t>
+            </a:r>
+            <a:endParaRPr b="1" sz="1800"/>
+          </a:p>
+        </p:txBody>
+      </p:sp>
+      <p:sp>
+        <p:nvSpPr>
+          <p:cNvPr id="155" name="Google Shape;155;p24"/>
+          <p:cNvSpPr/>
+          <p:nvPr/>
+        </p:nvSpPr>
+        <p:spPr>
+          <a:xfrm>
+            <a:off x="5337600" y="1851738"/>
+            <a:ext cx="2704200" cy="742500"/>
+          </a:xfrm>
+          <a:prstGeom prst="roundRect">
+            <a:avLst>
+              <a:gd fmla="val 16667" name="adj"/>
+            </a:avLst>
+          </a:prstGeom>
+          <a:solidFill>
+            <a:srgbClr val="B6D7A8"/>
+          </a:solidFill>
+          <a:ln cap="flat" cmpd="sng" w="9525">
+            <a:solidFill>
+              <a:schemeClr val="dk2"/>
+            </a:solidFill>
+            <a:prstDash val="solid"/>
+            <a:round/>
+            <a:headEnd len="sm" w="sm" type="none"/>
+            <a:tailEnd len="sm" w="sm" type="none"/>
+          </a:ln>
+        </p:spPr>
+        <p:txBody>
+          <a:bodyPr anchorCtr="0" anchor="ctr" bIns="91425" lIns="91425" spcFirstLastPara="1" rIns="91425" wrap="square" tIns="91425">
             <a:noAutofit/>
           </a:bodyPr>
           <a:lstStyle/>
@@ -8697,172 +7442,117 @@
               <a:buNone/>
             </a:pPr>
             <a:r>
-              <a:rPr lang="it" sz="1400">
-                <a:latin typeface="Arial"/>
-                <a:ea typeface="Arial"/>
-                <a:cs typeface="Arial"/>
-                <a:sym typeface="Arial"/>
-              </a:rPr>
-              <a:t>The only competitor is StudySoup based in the USA. The software works only in the USA and has a count of 1 million subscriptions. </a:t>
+              <a:rPr b="1" lang="it" sz="1800"/>
+              <a:t>Business model working in USA</a:t>
             </a:r>
-            <a:endParaRPr sz="1400">
-              <a:latin typeface="Arial"/>
-              <a:ea typeface="Arial"/>
-              <a:cs typeface="Arial"/>
-              <a:sym typeface="Arial"/>
-            </a:endParaRPr>
-          </a:p>
-          <a:p>
-            <a:pPr indent="0" lvl="0" marL="0" rtl="0">
-              <a:spcBef>
-                <a:spcPts val="1600"/>
-              </a:spcBef>
-              <a:spcAft>
-                <a:spcPts val="0"/>
-              </a:spcAft>
-              <a:buNone/>
-            </a:pPr>
-            <a:br>
-              <a:rPr lang="it" sz="1400">
-                <a:latin typeface="Arial"/>
-                <a:ea typeface="Arial"/>
-                <a:cs typeface="Arial"/>
-                <a:sym typeface="Arial"/>
-              </a:rPr>
-            </a:br>
-            <a:r>
-              <a:rPr lang="it" sz="1400">
-                <a:latin typeface="Arial"/>
-                <a:ea typeface="Arial"/>
-                <a:cs typeface="Arial"/>
-                <a:sym typeface="Arial"/>
-              </a:rPr>
-              <a:t>Their fee is pretty high at 11$/month for a yearly subscription </a:t>
-            </a:r>
-            <a:r>
-              <a:rPr lang="it" sz="1400">
-                <a:latin typeface="Arial"/>
-                <a:ea typeface="Arial"/>
-                <a:cs typeface="Arial"/>
-                <a:sym typeface="Arial"/>
-              </a:rPr>
-              <a:t>and it has other separate fees as well, for example you must pay extra to buy study guide.</a:t>
-            </a:r>
-            <a:endParaRPr sz="1400">
-              <a:latin typeface="Arial"/>
-              <a:ea typeface="Arial"/>
-              <a:cs typeface="Arial"/>
-              <a:sym typeface="Arial"/>
-            </a:endParaRPr>
-          </a:p>
-          <a:p>
-            <a:pPr indent="0" lvl="0" marL="0" rtl="0">
-              <a:spcBef>
-                <a:spcPts val="1600"/>
-              </a:spcBef>
-              <a:spcAft>
-                <a:spcPts val="0"/>
-              </a:spcAft>
-              <a:buNone/>
-            </a:pPr>
-            <a:br>
-              <a:rPr lang="it" sz="1400">
-                <a:latin typeface="Arial"/>
-                <a:ea typeface="Arial"/>
-                <a:cs typeface="Arial"/>
-                <a:sym typeface="Arial"/>
-              </a:rPr>
-            </a:br>
-            <a:r>
-              <a:rPr lang="it" sz="1400">
-                <a:latin typeface="Arial"/>
-                <a:ea typeface="Arial"/>
-                <a:cs typeface="Arial"/>
-                <a:sym typeface="Arial"/>
-              </a:rPr>
-              <a:t>StudySoup does not operate in the our geographical area</a:t>
-            </a:r>
-            <a:endParaRPr sz="1400">
-              <a:latin typeface="Arial"/>
-              <a:ea typeface="Arial"/>
-              <a:cs typeface="Arial"/>
-              <a:sym typeface="Arial"/>
-            </a:endParaRPr>
-          </a:p>
-          <a:p>
-            <a:pPr indent="0" lvl="0" marL="0" rtl="0">
-              <a:spcBef>
-                <a:spcPts val="1600"/>
-              </a:spcBef>
-              <a:spcAft>
-                <a:spcPts val="1600"/>
-              </a:spcAft>
-              <a:buNone/>
-            </a:pPr>
-            <a:r>
-              <a:rPr lang="it" sz="1400">
-                <a:latin typeface="Arial"/>
-                <a:ea typeface="Arial"/>
-                <a:cs typeface="Arial"/>
-                <a:sym typeface="Arial"/>
-              </a:rPr>
-              <a:t> StudySoup is not a truly </a:t>
-            </a:r>
-            <a:r>
-              <a:rPr lang="it" sz="1400">
-                <a:latin typeface="Arial"/>
-                <a:ea typeface="Arial"/>
-                <a:cs typeface="Arial"/>
-                <a:sym typeface="Arial"/>
-              </a:rPr>
-              <a:t>affordable</a:t>
-            </a:r>
-            <a:r>
-              <a:rPr lang="it" sz="1400">
-                <a:latin typeface="Arial"/>
-                <a:ea typeface="Arial"/>
-                <a:cs typeface="Arial"/>
-                <a:sym typeface="Arial"/>
-              </a:rPr>
-              <a:t> solution but is important to note that even with high costs it is working in the USA market.</a:t>
-            </a:r>
-            <a:endParaRPr sz="1400">
-              <a:latin typeface="Arial"/>
-              <a:ea typeface="Arial"/>
-              <a:cs typeface="Arial"/>
-              <a:sym typeface="Arial"/>
-            </a:endParaRPr>
+            <a:endParaRPr b="1" sz="1800"/>
           </a:p>
         </p:txBody>
       </p:sp>
-      <p:pic>
-        <p:nvPicPr>
-          <p:cNvPr id="151" name="Google Shape;151;p24"/>
-          <p:cNvPicPr preferRelativeResize="0"/>
+      <p:sp>
+        <p:nvSpPr>
+          <p:cNvPr id="156" name="Google Shape;156;p24"/>
+          <p:cNvSpPr/>
           <p:nvPr/>
-        </p:nvPicPr>
-        <p:blipFill>
-          <a:blip r:embed="rId3">
-            <a:alphaModFix/>
-          </a:blip>
-          <a:stretch>
-            <a:fillRect/>
-          </a:stretch>
-        </p:blipFill>
-        <p:spPr>
-          <a:xfrm>
-            <a:off x="8396717" y="110700"/>
-            <a:ext cx="449509" cy="477600"/>
-          </a:xfrm>
-          <a:prstGeom prst="rect">
-            <a:avLst/>
-          </a:prstGeom>
-          <a:noFill/>
-          <a:ln>
-            <a:noFill/>
+        </p:nvSpPr>
+        <p:spPr>
+          <a:xfrm>
+            <a:off x="1102200" y="2999988"/>
+            <a:ext cx="2704200" cy="742500"/>
+          </a:xfrm>
+          <a:prstGeom prst="roundRect">
+            <a:avLst>
+              <a:gd fmla="val 16667" name="adj"/>
+            </a:avLst>
+          </a:prstGeom>
+          <a:solidFill>
+            <a:srgbClr val="B6D7A8"/>
+          </a:solidFill>
+          <a:ln cap="flat" cmpd="sng" w="9525">
+            <a:solidFill>
+              <a:schemeClr val="dk2"/>
+            </a:solidFill>
+            <a:prstDash val="solid"/>
+            <a:round/>
+            <a:headEnd len="sm" w="sm" type="none"/>
+            <a:tailEnd len="sm" w="sm" type="none"/>
           </a:ln>
         </p:spPr>
-      </p:pic>
+        <p:txBody>
+          <a:bodyPr anchorCtr="0" anchor="ctr" bIns="91425" lIns="91425" spcFirstLastPara="1" rIns="91425" wrap="square" tIns="91425">
+            <a:noAutofit/>
+          </a:bodyPr>
+          <a:lstStyle/>
+          <a:p>
+            <a:pPr indent="0" lvl="0" marL="0" rtl="0">
+              <a:spcBef>
+                <a:spcPts val="0"/>
+              </a:spcBef>
+              <a:spcAft>
+                <a:spcPts val="0"/>
+              </a:spcAft>
+              <a:buNone/>
+            </a:pPr>
+            <a:r>
+              <a:rPr b="1" lang="it" sz="1800"/>
+              <a:t>Cheap and use full</a:t>
+            </a:r>
+            <a:endParaRPr b="1" sz="1800"/>
+          </a:p>
+        </p:txBody>
+      </p:sp>
+      <p:sp>
+        <p:nvSpPr>
+          <p:cNvPr id="157" name="Google Shape;157;p24"/>
+          <p:cNvSpPr/>
+          <p:nvPr/>
+        </p:nvSpPr>
+        <p:spPr>
+          <a:xfrm>
+            <a:off x="5337600" y="3000013"/>
+            <a:ext cx="2704200" cy="742500"/>
+          </a:xfrm>
+          <a:prstGeom prst="roundRect">
+            <a:avLst>
+              <a:gd fmla="val 16667" name="adj"/>
+            </a:avLst>
+          </a:prstGeom>
+          <a:solidFill>
+            <a:srgbClr val="B6D7A8"/>
+          </a:solidFill>
+          <a:ln cap="flat" cmpd="sng" w="9525">
+            <a:solidFill>
+              <a:schemeClr val="dk2"/>
+            </a:solidFill>
+            <a:prstDash val="solid"/>
+            <a:round/>
+            <a:headEnd len="sm" w="sm" type="none"/>
+            <a:tailEnd len="sm" w="sm" type="none"/>
+          </a:ln>
+        </p:spPr>
+        <p:txBody>
+          <a:bodyPr anchorCtr="0" anchor="ctr" bIns="91425" lIns="91425" spcFirstLastPara="1" rIns="91425" wrap="square" tIns="91425">
+            <a:noAutofit/>
+          </a:bodyPr>
+          <a:lstStyle/>
+          <a:p>
+            <a:pPr indent="0" lvl="0" marL="0" rtl="0">
+              <a:spcBef>
+                <a:spcPts val="0"/>
+              </a:spcBef>
+              <a:spcAft>
+                <a:spcPts val="0"/>
+              </a:spcAft>
+              <a:buNone/>
+            </a:pPr>
+            <a:r>
+              <a:rPr b="1" lang="it" sz="1800"/>
+              <a:t>Target audience defined</a:t>
+            </a:r>
+            <a:endParaRPr b="1" sz="1800"/>
+          </a:p>
+        </p:txBody>
+      </p:sp>
     </p:spTree>
   </p:cSld>
   <p:clrMapOvr>
@@ -8876,7 +7566,7 @@
   <p:cSld>
     <p:spTree>
       <p:nvGrpSpPr>
-        <p:cNvPr id="155" name="Shape 155"/>
+        <p:cNvPr id="161" name="Shape 161"/>
         <p:cNvGrpSpPr/>
         <p:nvPr/>
       </p:nvGrpSpPr>
@@ -8890,7 +7580,7 @@
       </p:grpSpPr>
       <p:sp>
         <p:nvSpPr>
-          <p:cNvPr id="156" name="Google Shape;156;p25"/>
+          <p:cNvPr id="162" name="Google Shape;162;p25"/>
           <p:cNvSpPr txBox="1"/>
           <p:nvPr>
             <p:ph type="title"/>
@@ -8898,8 +7588,8 @@
         </p:nvSpPr>
         <p:spPr>
           <a:xfrm>
-            <a:off x="226075" y="357800"/>
-            <a:ext cx="2808000" cy="477600"/>
+            <a:off x="311700" y="555600"/>
+            <a:ext cx="2808000" cy="558000"/>
           </a:xfrm>
           <a:prstGeom prst="rect">
             <a:avLst/>
@@ -8921,162 +7611,26 @@
               <a:buNone/>
             </a:pPr>
             <a:r>
-              <a:rPr b="1" lang="it" sz="3000"/>
+              <a:rPr b="1" lang="it" sz="3600">
+                <a:latin typeface="Times New Roman"/>
+                <a:ea typeface="Times New Roman"/>
+                <a:cs typeface="Times New Roman"/>
+                <a:sym typeface="Times New Roman"/>
+              </a:rPr>
               <a:t>Market</a:t>
             </a:r>
-            <a:endParaRPr b="1" sz="3000"/>
-          </a:p>
-        </p:txBody>
-      </p:sp>
-      <p:sp>
-        <p:nvSpPr>
-          <p:cNvPr id="157" name="Google Shape;157;p25"/>
-          <p:cNvSpPr txBox="1"/>
-          <p:nvPr>
-            <p:ph idx="1" type="body"/>
-          </p:nvPr>
-        </p:nvSpPr>
-        <p:spPr>
-          <a:xfrm>
-            <a:off x="226075" y="1465800"/>
-            <a:ext cx="2927700" cy="3163500"/>
-          </a:xfrm>
-          <a:prstGeom prst="rect">
-            <a:avLst/>
-          </a:prstGeom>
-        </p:spPr>
-        <p:txBody>
-          <a:bodyPr anchorCtr="0" anchor="t" bIns="91425" lIns="91425" spcFirstLastPara="1" rIns="91425" wrap="square" tIns="91425">
-            <a:noAutofit/>
-          </a:bodyPr>
-          <a:lstStyle/>
-          <a:p>
-            <a:pPr indent="0" lvl="0" marL="0" rtl="0">
-              <a:spcBef>
-                <a:spcPts val="0"/>
-              </a:spcBef>
-              <a:spcAft>
-                <a:spcPts val="0"/>
-              </a:spcAft>
-              <a:buNone/>
-            </a:pPr>
-            <a:r>
-              <a:rPr lang="it" sz="1400">
-                <a:latin typeface="Arial"/>
-                <a:ea typeface="Arial"/>
-                <a:cs typeface="Arial"/>
-                <a:sym typeface="Arial"/>
-              </a:rPr>
-              <a:t>How</a:t>
-            </a:r>
-            <a:r>
-              <a:rPr lang="it" sz="1400">
-                <a:latin typeface="Arial"/>
-                <a:ea typeface="Arial"/>
-                <a:cs typeface="Arial"/>
-                <a:sym typeface="Arial"/>
-              </a:rPr>
-              <a:t> much</a:t>
-            </a:r>
-            <a:r>
-              <a:rPr lang="it" sz="1400">
-                <a:latin typeface="Arial"/>
-                <a:ea typeface="Arial"/>
-                <a:cs typeface="Arial"/>
-                <a:sym typeface="Arial"/>
-              </a:rPr>
-              <a:t> is spent per student?</a:t>
-            </a:r>
-            <a:endParaRPr sz="1400">
-              <a:latin typeface="Arial"/>
-              <a:ea typeface="Arial"/>
-              <a:cs typeface="Arial"/>
-              <a:sym typeface="Arial"/>
-            </a:endParaRPr>
-          </a:p>
-          <a:p>
-            <a:pPr indent="0" lvl="0" marL="0" rtl="0">
-              <a:spcBef>
-                <a:spcPts val="1600"/>
-              </a:spcBef>
-              <a:spcAft>
-                <a:spcPts val="0"/>
-              </a:spcAft>
-              <a:buNone/>
-            </a:pPr>
-            <a:br>
-              <a:rPr lang="it" sz="1400">
-                <a:latin typeface="Arial"/>
-                <a:ea typeface="Arial"/>
-                <a:cs typeface="Arial"/>
-                <a:sym typeface="Arial"/>
-              </a:rPr>
-            </a:br>
-            <a:r>
-              <a:rPr lang="it" sz="1400">
-                <a:latin typeface="Arial"/>
-                <a:ea typeface="Arial"/>
-                <a:cs typeface="Arial"/>
-                <a:sym typeface="Arial"/>
-              </a:rPr>
-              <a:t>This graph shows how much a student spends based on majors courses in USD.</a:t>
-            </a:r>
-            <a:endParaRPr sz="1400">
-              <a:latin typeface="Arial"/>
-              <a:ea typeface="Arial"/>
-              <a:cs typeface="Arial"/>
-              <a:sym typeface="Arial"/>
-            </a:endParaRPr>
-          </a:p>
-          <a:p>
-            <a:pPr indent="0" lvl="0" marL="0">
-              <a:spcBef>
-                <a:spcPts val="1600"/>
-              </a:spcBef>
-              <a:spcAft>
-                <a:spcPts val="1600"/>
-              </a:spcAft>
-              <a:buNone/>
-            </a:pPr>
-            <a:r>
-              <a:rPr lang="it" sz="1400">
-                <a:latin typeface="Arial"/>
-                <a:ea typeface="Arial"/>
-                <a:cs typeface="Arial"/>
-                <a:sym typeface="Arial"/>
-              </a:rPr>
-              <a:t>According to UNESCO there are over 207 </a:t>
-            </a:r>
-            <a:r>
-              <a:rPr lang="it" sz="1400">
-                <a:latin typeface="Arial"/>
-                <a:ea typeface="Arial"/>
-                <a:cs typeface="Arial"/>
-                <a:sym typeface="Arial"/>
-              </a:rPr>
-              <a:t>million students worldwide.</a:t>
-            </a:r>
-            <a:r>
-              <a:rPr lang="it" sz="1400">
-                <a:latin typeface="Arial"/>
-                <a:ea typeface="Arial"/>
-                <a:cs typeface="Arial"/>
-                <a:sym typeface="Arial"/>
-              </a:rPr>
-              <a:t>  </a:t>
-            </a:r>
-            <a:endParaRPr sz="1400">
-              <a:latin typeface="Arial"/>
-              <a:ea typeface="Arial"/>
-              <a:cs typeface="Arial"/>
-              <a:sym typeface="Arial"/>
+            <a:endParaRPr b="1" sz="3600">
+              <a:latin typeface="Times New Roman"/>
+              <a:ea typeface="Times New Roman"/>
+              <a:cs typeface="Times New Roman"/>
+              <a:sym typeface="Times New Roman"/>
             </a:endParaRPr>
           </a:p>
         </p:txBody>
       </p:sp>
       <p:pic>
         <p:nvPicPr>
-          <p:cNvPr id="158" name="Google Shape;158;p25"/>
+          <p:cNvPr id="163" name="Google Shape;163;p25"/>
           <p:cNvPicPr preferRelativeResize="0"/>
           <p:nvPr/>
         </p:nvPicPr>
@@ -9104,7 +7658,7 @@
       </p:pic>
       <p:pic>
         <p:nvPicPr>
-          <p:cNvPr id="159" name="Google Shape;159;p25"/>
+          <p:cNvPr id="164" name="Google Shape;164;p25"/>
           <p:cNvPicPr preferRelativeResize="0"/>
           <p:nvPr/>
         </p:nvPicPr>
@@ -9118,7 +7672,7 @@
         </p:blipFill>
         <p:spPr>
           <a:xfrm>
-            <a:off x="8396717" y="110700"/>
+            <a:off x="8549117" y="263100"/>
             <a:ext cx="449509" cy="477600"/>
           </a:xfrm>
           <a:prstGeom prst="rect">
@@ -9130,6 +7684,92 @@
           </a:ln>
         </p:spPr>
       </p:pic>
+      <p:sp>
+        <p:nvSpPr>
+          <p:cNvPr id="165" name="Google Shape;165;p25"/>
+          <p:cNvSpPr txBox="1"/>
+          <p:nvPr/>
+        </p:nvSpPr>
+        <p:spPr>
+          <a:xfrm>
+            <a:off x="463975" y="1206350"/>
+            <a:ext cx="3035700" cy="2399400"/>
+          </a:xfrm>
+          <a:prstGeom prst="rect">
+            <a:avLst/>
+          </a:prstGeom>
+          <a:noFill/>
+          <a:ln>
+            <a:noFill/>
+          </a:ln>
+        </p:spPr>
+        <p:txBody>
+          <a:bodyPr anchorCtr="0" anchor="t" bIns="91425" lIns="91425" spcFirstLastPara="1" rIns="91425" wrap="square" tIns="91425">
+            <a:noAutofit/>
+          </a:bodyPr>
+          <a:lstStyle/>
+          <a:p>
+            <a:pPr indent="0" lvl="0" marL="0" rtl="0">
+              <a:lnSpc>
+                <a:spcPct val="115000"/>
+              </a:lnSpc>
+              <a:spcBef>
+                <a:spcPts val="0"/>
+              </a:spcBef>
+              <a:spcAft>
+                <a:spcPts val="0"/>
+              </a:spcAft>
+              <a:buClr>
+                <a:schemeClr val="dk1"/>
+              </a:buClr>
+              <a:buSzPts val="1100"/>
+              <a:buFont typeface="Arial"/>
+              <a:buNone/>
+            </a:pPr>
+            <a:r>
+              <a:rPr b="1" lang="it" sz="1200">
+                <a:solidFill>
+                  <a:schemeClr val="dk1"/>
+                </a:solidFill>
+              </a:rPr>
+              <a:t>210 millions student are currently worldwide according to UNESCO.</a:t>
+            </a:r>
+            <a:endParaRPr b="1" sz="1200">
+              <a:solidFill>
+                <a:schemeClr val="dk1"/>
+              </a:solidFill>
+            </a:endParaRPr>
+          </a:p>
+          <a:p>
+            <a:pPr indent="0" lvl="0" marL="0" rtl="0">
+              <a:lnSpc>
+                <a:spcPct val="115000"/>
+              </a:lnSpc>
+              <a:spcBef>
+                <a:spcPts val="1600"/>
+              </a:spcBef>
+              <a:spcAft>
+                <a:spcPts val="1600"/>
+              </a:spcAft>
+              <a:buClr>
+                <a:schemeClr val="dk1"/>
+              </a:buClr>
+              <a:buSzPts val="1100"/>
+              <a:buFont typeface="Arial"/>
+              <a:buNone/>
+            </a:pPr>
+            <a:r>
+              <a:rPr lang="it">
+                <a:solidFill>
+                  <a:schemeClr val="dk1"/>
+                </a:solidFill>
+              </a:rPr>
+              <a:t>how much a student spends based on majors courses in USD.</a:t>
+            </a:r>
+            <a:endParaRPr/>
+          </a:p>
+        </p:txBody>
+      </p:sp>
     </p:spTree>
   </p:cSld>
   <p:clrMapOvr>
@@ -9138,12 +7778,12 @@
 </p:sld>
 </file>
 
-<file path=ppt/slides/slide14.xml><?xml version="1.0" encoding="utf-8"?>
+<file path=ppt/slides/slide2.xml><?xml version="1.0" encoding="utf-8"?>
 <p:sld xmlns:a="http://schemas.openxmlformats.org/drawingml/2006/main" xmlns:r="http://schemas.openxmlformats.org/officeDocument/2006/relationships" xmlns:mc="http://schemas.openxmlformats.org/markup-compatibility/2006" xmlns:mv="urn:schemas-microsoft-com:mac:vml" xmlns:p="http://schemas.openxmlformats.org/presentationml/2006/main" xmlns:c="http://schemas.openxmlformats.org/drawingml/2006/chart" xmlns:dgm="http://schemas.openxmlformats.org/drawingml/2006/diagram" xmlns:o="urn:schemas-microsoft-com:office:office" xmlns:v="urn:schemas-microsoft-com:vml" xmlns:pvml="urn:schemas-microsoft-com:office:powerpoint" xmlns:com="http://schemas.openxmlformats.org/drawingml/2006/compatibility" xmlns:p14="http://schemas.microsoft.com/office/powerpoint/2010/main" xmlns:p15="http://schemas.microsoft.com/office/powerpoint/2012/main">
   <p:cSld>
     <p:spTree>
       <p:nvGrpSpPr>
-        <p:cNvPr id="163" name="Shape 163"/>
+        <p:cNvPr id="60" name="Shape 60"/>
         <p:cNvGrpSpPr/>
         <p:nvPr/>
       </p:nvGrpSpPr>
@@ -9157,7 +7797,7 @@
       </p:grpSpPr>
       <p:sp>
         <p:nvSpPr>
-          <p:cNvPr id="164" name="Google Shape;164;p26"/>
+          <p:cNvPr id="61" name="Google Shape;61;p14"/>
           <p:cNvSpPr txBox="1"/>
           <p:nvPr>
             <p:ph type="title"/>
@@ -9165,8 +7805,8 @@
         </p:nvSpPr>
         <p:spPr>
           <a:xfrm>
-            <a:off x="471900" y="738725"/>
-            <a:ext cx="8222100" cy="767700"/>
+            <a:off x="311700" y="270700"/>
+            <a:ext cx="2808000" cy="755700"/>
           </a:xfrm>
           <a:prstGeom prst="rect">
             <a:avLst/>
@@ -9178,7 +7818,7 @@
           </a:bodyPr>
           <a:lstStyle/>
           <a:p>
-            <a:pPr indent="0" lvl="0" marL="0" rtl="0">
+            <a:pPr indent="0" lvl="0" marL="0">
               <a:spcBef>
                 <a:spcPts val="0"/>
               </a:spcBef>
@@ -9188,15 +7828,15 @@
               <a:buNone/>
             </a:pPr>
             <a:r>
-              <a:rPr b="1" lang="it">
+              <a:rPr b="1" lang="it" sz="3600">
                 <a:latin typeface="Times New Roman"/>
                 <a:ea typeface="Times New Roman"/>
                 <a:cs typeface="Times New Roman"/>
                 <a:sym typeface="Times New Roman"/>
               </a:rPr>
-              <a:t>Funding Target</a:t>
+              <a:t>StuSmart</a:t>
             </a:r>
-            <a:endParaRPr b="1">
+            <a:endParaRPr b="1" sz="3600">
               <a:latin typeface="Times New Roman"/>
               <a:ea typeface="Times New Roman"/>
               <a:cs typeface="Times New Roman"/>
@@ -9207,7 +7847,7 @@
       </p:sp>
       <p:sp>
         <p:nvSpPr>
-          <p:cNvPr id="165" name="Google Shape;165;p26"/>
+          <p:cNvPr id="62" name="Google Shape;62;p14"/>
           <p:cNvSpPr txBox="1"/>
           <p:nvPr>
             <p:ph idx="1" type="body"/>
@@ -9215,8 +7855,8 @@
         </p:nvSpPr>
         <p:spPr>
           <a:xfrm>
-            <a:off x="471900" y="1919075"/>
-            <a:ext cx="8222100" cy="2710200"/>
+            <a:off x="311700" y="1026400"/>
+            <a:ext cx="2808000" cy="528900"/>
           </a:xfrm>
           <a:prstGeom prst="rect">
             <a:avLst/>
@@ -9228,88 +7868,34 @@
           </a:bodyPr>
           <a:lstStyle/>
           <a:p>
-            <a:pPr indent="0" lvl="0" marL="0" rtl="0">
-              <a:spcBef>
-                <a:spcPts val="0"/>
-              </a:spcBef>
-              <a:spcAft>
-                <a:spcPts val="0"/>
-              </a:spcAft>
-              <a:buNone/>
-            </a:pPr>
-            <a:r>
-              <a:rPr b="1" lang="it" sz="1400">
-                <a:latin typeface="Arial"/>
-                <a:ea typeface="Arial"/>
-                <a:cs typeface="Arial"/>
-                <a:sym typeface="Arial"/>
-              </a:rPr>
-              <a:t>Between $20,000 to $30,000</a:t>
-            </a:r>
-            <a:endParaRPr b="1" sz="1400">
-              <a:latin typeface="Arial"/>
-              <a:ea typeface="Arial"/>
-              <a:cs typeface="Arial"/>
-              <a:sym typeface="Arial"/>
-            </a:endParaRPr>
-          </a:p>
-          <a:p>
-            <a:pPr indent="0" lvl="0" marL="0" rtl="0">
-              <a:spcBef>
+            <a:pPr indent="0" lvl="0" marL="0">
+              <a:spcBef>
+                <a:spcPts val="0"/>
+              </a:spcBef>
+              <a:spcAft>
                 <a:spcPts val="1600"/>
-              </a:spcBef>
-              <a:spcAft>
-                <a:spcPts val="0"/>
               </a:spcAft>
               <a:buNone/>
             </a:pPr>
             <a:r>
               <a:rPr lang="it" sz="1400">
-                <a:latin typeface="Arial"/>
-                <a:ea typeface="Arial"/>
-                <a:cs typeface="Arial"/>
-                <a:sym typeface="Arial"/>
+                <a:solidFill>
+                  <a:srgbClr val="000000"/>
+                </a:solidFill>
               </a:rPr>
-              <a:t>All the money will be directed towards the advertisement of our project and to get a first user base, either in Europe or Asia.</a:t>
+              <a:t>P2P market for university notes</a:t>
             </a:r>
             <a:endParaRPr sz="1400">
-              <a:latin typeface="Arial"/>
-              <a:ea typeface="Arial"/>
-              <a:cs typeface="Arial"/>
-              <a:sym typeface="Arial"/>
-            </a:endParaRPr>
-          </a:p>
-          <a:p>
-            <a:pPr indent="0" lvl="0" marL="0" rtl="0">
-              <a:spcBef>
-                <a:spcPts val="1600"/>
-              </a:spcBef>
-              <a:spcAft>
-                <a:spcPts val="1600"/>
-              </a:spcAft>
-              <a:buNone/>
-            </a:pPr>
-            <a:r>
-              <a:rPr lang="it" sz="1400">
-                <a:latin typeface="Arial"/>
-                <a:ea typeface="Arial"/>
-                <a:cs typeface="Arial"/>
-                <a:sym typeface="Arial"/>
-              </a:rPr>
-              <a:t>The target for this first stage is 10.000 users during the first year. </a:t>
-            </a:r>
-            <a:endParaRPr sz="1400">
-              <a:latin typeface="Arial"/>
-              <a:ea typeface="Arial"/>
-              <a:cs typeface="Arial"/>
-              <a:sym typeface="Arial"/>
+              <a:solidFill>
+                <a:srgbClr val="000000"/>
+              </a:solidFill>
             </a:endParaRPr>
           </a:p>
         </p:txBody>
       </p:sp>
       <p:pic>
         <p:nvPicPr>
-          <p:cNvPr id="166" name="Google Shape;166;p26"/>
+          <p:cNvPr id="63" name="Google Shape;63;p14"/>
           <p:cNvPicPr preferRelativeResize="0"/>
           <p:nvPr/>
         </p:nvPicPr>
@@ -9323,8 +7909,8 @@
         </p:blipFill>
         <p:spPr>
           <a:xfrm>
-            <a:off x="8396717" y="110700"/>
-            <a:ext cx="449509" cy="477600"/>
+            <a:off x="3119700" y="588300"/>
+            <a:ext cx="6024300" cy="4541116"/>
           </a:xfrm>
           <a:prstGeom prst="rect">
             <a:avLst/>
@@ -9335,165 +7921,14 @@
           </a:ln>
         </p:spPr>
       </p:pic>
-    </p:spTree>
-  </p:cSld>
-  <p:clrMapOvr>
-    <a:masterClrMapping/>
-  </p:clrMapOvr>
-</p:sld>
-</file>
-
-<file path=ppt/slides/slide2.xml><?xml version="1.0" encoding="utf-8"?>
-<p:sld xmlns:a="http://schemas.openxmlformats.org/drawingml/2006/main" xmlns:r="http://schemas.openxmlformats.org/officeDocument/2006/relationships" xmlns:mc="http://schemas.openxmlformats.org/markup-compatibility/2006" xmlns:mv="urn:schemas-microsoft-com:mac:vml" xmlns:p="http://schemas.openxmlformats.org/presentationml/2006/main" xmlns:c="http://schemas.openxmlformats.org/drawingml/2006/chart" xmlns:dgm="http://schemas.openxmlformats.org/drawingml/2006/diagram" xmlns:o="urn:schemas-microsoft-com:office:office" xmlns:v="urn:schemas-microsoft-com:vml" xmlns:pvml="urn:schemas-microsoft-com:office:powerpoint" xmlns:com="http://schemas.openxmlformats.org/drawingml/2006/compatibility" xmlns:p14="http://schemas.microsoft.com/office/powerpoint/2010/main" xmlns:p15="http://schemas.microsoft.com/office/powerpoint/2012/main">
-  <p:cSld>
-    <p:spTree>
-      <p:nvGrpSpPr>
-        <p:cNvPr id="73" name="Shape 73"/>
-        <p:cNvGrpSpPr/>
-        <p:nvPr/>
-      </p:nvGrpSpPr>
-      <p:grpSpPr>
-        <a:xfrm>
-          <a:off x="0" y="0"/>
-          <a:ext cx="0" cy="0"/>
-          <a:chOff x="0" y="0"/>
-          <a:chExt cx="0" cy="0"/>
-        </a:xfrm>
-      </p:grpSpPr>
-      <p:sp>
-        <p:nvSpPr>
-          <p:cNvPr id="74" name="Google Shape;74;p14"/>
-          <p:cNvSpPr txBox="1"/>
-          <p:nvPr>
-            <p:ph type="ctrTitle"/>
-          </p:nvPr>
-        </p:nvSpPr>
-        <p:spPr>
-          <a:xfrm>
-            <a:off x="390525" y="886775"/>
-            <a:ext cx="8222100" cy="933600"/>
-          </a:xfrm>
-          <a:prstGeom prst="rect">
-            <a:avLst/>
-          </a:prstGeom>
-        </p:spPr>
-        <p:txBody>
-          <a:bodyPr anchorCtr="0" anchor="b" bIns="91425" lIns="91425" spcFirstLastPara="1" rIns="91425" wrap="square" tIns="91425">
-            <a:noAutofit/>
-          </a:bodyPr>
-          <a:lstStyle/>
-          <a:p>
-            <a:pPr indent="0" lvl="0" marL="0">
-              <a:spcBef>
-                <a:spcPts val="0"/>
-              </a:spcBef>
-              <a:spcAft>
-                <a:spcPts val="0"/>
-              </a:spcAft>
-              <a:buNone/>
-            </a:pPr>
-            <a:r>
-              <a:rPr b="1" lang="it">
-                <a:latin typeface="Times New Roman"/>
-                <a:ea typeface="Times New Roman"/>
-                <a:cs typeface="Times New Roman"/>
-                <a:sym typeface="Times New Roman"/>
-              </a:rPr>
-              <a:t>StuSmart</a:t>
-            </a:r>
-            <a:endParaRPr b="1">
-              <a:latin typeface="Times New Roman"/>
-              <a:ea typeface="Times New Roman"/>
-              <a:cs typeface="Times New Roman"/>
-              <a:sym typeface="Times New Roman"/>
-            </a:endParaRPr>
-          </a:p>
-        </p:txBody>
-      </p:sp>
-      <p:sp>
-        <p:nvSpPr>
-          <p:cNvPr id="75" name="Google Shape;75;p14"/>
-          <p:cNvSpPr txBox="1"/>
-          <p:nvPr>
-            <p:ph idx="1" type="subTitle"/>
-          </p:nvPr>
-        </p:nvSpPr>
-        <p:spPr>
-          <a:xfrm>
-            <a:off x="390525" y="1782630"/>
-            <a:ext cx="8222100" cy="432900"/>
-          </a:xfrm>
-          <a:prstGeom prst="rect">
-            <a:avLst/>
-          </a:prstGeom>
-        </p:spPr>
-        <p:txBody>
-          <a:bodyPr anchorCtr="0" anchor="t" bIns="91425" lIns="91425" spcFirstLastPara="1" rIns="91425" wrap="square" tIns="91425">
-            <a:noAutofit/>
-          </a:bodyPr>
-          <a:lstStyle/>
-          <a:p>
-            <a:pPr indent="0" lvl="0" marL="0">
-              <a:spcBef>
-                <a:spcPts val="0"/>
-              </a:spcBef>
-              <a:spcAft>
-                <a:spcPts val="0"/>
-              </a:spcAft>
-              <a:buNone/>
-            </a:pPr>
-            <a:r>
-              <a:rPr lang="it">
-                <a:latin typeface="Times New Roman"/>
-                <a:ea typeface="Times New Roman"/>
-                <a:cs typeface="Times New Roman"/>
-                <a:sym typeface="Times New Roman"/>
-              </a:rPr>
-              <a:t>StuSmart is the easiest way to access digital documentations for studying purposes.</a:t>
-            </a:r>
-            <a:endParaRPr>
-              <a:latin typeface="Times New Roman"/>
-              <a:ea typeface="Times New Roman"/>
-              <a:cs typeface="Times New Roman"/>
-              <a:sym typeface="Times New Roman"/>
-            </a:endParaRPr>
-          </a:p>
-          <a:p>
-            <a:pPr indent="0" lvl="0" marL="0" rtl="0">
-              <a:spcBef>
-                <a:spcPts val="0"/>
-              </a:spcBef>
-              <a:spcAft>
-                <a:spcPts val="0"/>
-              </a:spcAft>
-              <a:buNone/>
-            </a:pPr>
-            <a:r>
-              <a:rPr lang="it">
-                <a:latin typeface="Times New Roman"/>
-                <a:ea typeface="Times New Roman"/>
-                <a:cs typeface="Times New Roman"/>
-                <a:sym typeface="Times New Roman"/>
-              </a:rPr>
-              <a:t> It is made to break barriers between students.</a:t>
-            </a:r>
-            <a:endParaRPr>
-              <a:latin typeface="Times New Roman"/>
-              <a:ea typeface="Times New Roman"/>
-              <a:cs typeface="Times New Roman"/>
-              <a:sym typeface="Times New Roman"/>
-            </a:endParaRPr>
-          </a:p>
-        </p:txBody>
-      </p:sp>
       <p:pic>
         <p:nvPicPr>
-          <p:cNvPr id="76" name="Google Shape;76;p14"/>
+          <p:cNvPr id="64" name="Google Shape;64;p14"/>
           <p:cNvPicPr preferRelativeResize="0"/>
           <p:nvPr/>
         </p:nvPicPr>
         <p:blipFill>
-          <a:blip r:embed="rId3">
+          <a:blip r:embed="rId4">
             <a:alphaModFix/>
           </a:blip>
           <a:stretch>
@@ -9527,7 +7962,7 @@
   <p:cSld>
     <p:spTree>
       <p:nvGrpSpPr>
-        <p:cNvPr id="80" name="Shape 80"/>
+        <p:cNvPr id="68" name="Shape 68"/>
         <p:cNvGrpSpPr/>
         <p:nvPr/>
       </p:nvGrpSpPr>
@@ -9541,7 +7976,7 @@
       </p:grpSpPr>
       <p:sp>
         <p:nvSpPr>
-          <p:cNvPr id="81" name="Google Shape;81;p15"/>
+          <p:cNvPr id="69" name="Google Shape;69;p15"/>
           <p:cNvSpPr txBox="1"/>
           <p:nvPr>
             <p:ph type="title"/>
@@ -9549,15 +7984,15 @@
         </p:nvSpPr>
         <p:spPr>
           <a:xfrm>
-            <a:off x="265500" y="278475"/>
-            <a:ext cx="4045200" cy="588000"/>
+            <a:off x="429425" y="252075"/>
+            <a:ext cx="8520600" cy="572700"/>
           </a:xfrm>
           <a:prstGeom prst="rect">
             <a:avLst/>
           </a:prstGeom>
         </p:spPr>
         <p:txBody>
-          <a:bodyPr anchorCtr="0" anchor="b" bIns="91425" lIns="91425" spcFirstLastPara="1" rIns="91425" wrap="square" tIns="91425">
+          <a:bodyPr anchorCtr="0" anchor="t" bIns="91425" lIns="91425" spcFirstLastPara="1" rIns="91425" wrap="square" tIns="91425">
             <a:noAutofit/>
           </a:bodyPr>
           <a:lstStyle/>
@@ -9572,7 +8007,7 @@
               <a:buNone/>
             </a:pPr>
             <a:r>
-              <a:rPr b="1" lang="it" sz="2400">
+              <a:rPr b="1" lang="it" sz="3600">
                 <a:latin typeface="Times New Roman"/>
                 <a:ea typeface="Times New Roman"/>
                 <a:cs typeface="Times New Roman"/>
@@ -9580,7 +8015,7 @@
               </a:rPr>
               <a:t>Problems</a:t>
             </a:r>
-            <a:endParaRPr b="1" sz="2400">
+            <a:endParaRPr b="1" sz="3600">
               <a:latin typeface="Times New Roman"/>
               <a:ea typeface="Times New Roman"/>
               <a:cs typeface="Times New Roman"/>
@@ -9589,322 +8024,9 @@
           </a:p>
         </p:txBody>
       </p:sp>
-      <p:sp>
-        <p:nvSpPr>
-          <p:cNvPr id="82" name="Google Shape;82;p15"/>
-          <p:cNvSpPr txBox="1"/>
-          <p:nvPr>
-            <p:ph idx="1" type="subTitle"/>
-          </p:nvPr>
-        </p:nvSpPr>
-        <p:spPr>
-          <a:xfrm>
-            <a:off x="265500" y="1044022"/>
-            <a:ext cx="4045200" cy="3648600"/>
-          </a:xfrm>
-          <a:prstGeom prst="rect">
-            <a:avLst/>
-          </a:prstGeom>
-        </p:spPr>
-        <p:txBody>
-          <a:bodyPr anchorCtr="0" anchor="t" bIns="91425" lIns="91425" spcFirstLastPara="1" rIns="91425" wrap="square" tIns="91425">
-            <a:noAutofit/>
-          </a:bodyPr>
-          <a:lstStyle/>
-          <a:p>
-            <a:pPr indent="-317500" lvl="0" marL="457200" rtl="0" algn="l">
-              <a:spcBef>
-                <a:spcPts val="0"/>
-              </a:spcBef>
-              <a:spcAft>
-                <a:spcPts val="0"/>
-              </a:spcAft>
-              <a:buSzPts val="1400"/>
-              <a:buFont typeface="Arial"/>
-              <a:buChar char="●"/>
-            </a:pPr>
-            <a:r>
-              <a:rPr lang="it" sz="1400">
-                <a:latin typeface="Arial"/>
-                <a:ea typeface="Arial"/>
-                <a:cs typeface="Arial"/>
-                <a:sym typeface="Arial"/>
-              </a:rPr>
-              <a:t>Not enough communication between students.</a:t>
-            </a:r>
-            <a:endParaRPr sz="1400">
-              <a:latin typeface="Arial"/>
-              <a:ea typeface="Arial"/>
-              <a:cs typeface="Arial"/>
-              <a:sym typeface="Arial"/>
-            </a:endParaRPr>
-          </a:p>
-          <a:p>
-            <a:pPr indent="0" lvl="0" marL="0" rtl="0" algn="l">
-              <a:spcBef>
-                <a:spcPts val="0"/>
-              </a:spcBef>
-              <a:spcAft>
-                <a:spcPts val="0"/>
-              </a:spcAft>
-              <a:buNone/>
-            </a:pPr>
-            <a:r>
-              <a:t/>
-            </a:r>
-            <a:endParaRPr sz="1400">
-              <a:latin typeface="Arial"/>
-              <a:ea typeface="Arial"/>
-              <a:cs typeface="Arial"/>
-              <a:sym typeface="Arial"/>
-            </a:endParaRPr>
-          </a:p>
-          <a:p>
-            <a:pPr indent="-317500" lvl="0" marL="457200" rtl="0" algn="l">
-              <a:spcBef>
-                <a:spcPts val="0"/>
-              </a:spcBef>
-              <a:spcAft>
-                <a:spcPts val="0"/>
-              </a:spcAft>
-              <a:buSzPts val="1400"/>
-              <a:buFont typeface="Arial"/>
-              <a:buChar char="●"/>
-            </a:pPr>
-            <a:r>
-              <a:rPr lang="it" sz="1400">
-                <a:latin typeface="Arial"/>
-                <a:ea typeface="Arial"/>
-                <a:cs typeface="Arial"/>
-                <a:sym typeface="Arial"/>
-              </a:rPr>
-              <a:t>Difficult to find high quality materials online with the same teaching methods of your professors.</a:t>
-            </a:r>
-            <a:endParaRPr sz="1400">
-              <a:latin typeface="Arial"/>
-              <a:ea typeface="Arial"/>
-              <a:cs typeface="Arial"/>
-              <a:sym typeface="Arial"/>
-            </a:endParaRPr>
-          </a:p>
-          <a:p>
-            <a:pPr indent="0" lvl="0" marL="457200" rtl="0" algn="l">
-              <a:spcBef>
-                <a:spcPts val="0"/>
-              </a:spcBef>
-              <a:spcAft>
-                <a:spcPts val="0"/>
-              </a:spcAft>
-              <a:buNone/>
-            </a:pPr>
-            <a:r>
-              <a:t/>
-            </a:r>
-            <a:endParaRPr sz="1400">
-              <a:latin typeface="Arial"/>
-              <a:ea typeface="Arial"/>
-              <a:cs typeface="Arial"/>
-              <a:sym typeface="Arial"/>
-            </a:endParaRPr>
-          </a:p>
-          <a:p>
-            <a:pPr indent="-317500" lvl="0" marL="457200" rtl="0" algn="l">
-              <a:spcBef>
-                <a:spcPts val="0"/>
-              </a:spcBef>
-              <a:spcAft>
-                <a:spcPts val="0"/>
-              </a:spcAft>
-              <a:buSzPts val="1400"/>
-              <a:buFont typeface="Arial"/>
-              <a:buChar char="●"/>
-            </a:pPr>
-            <a:r>
-              <a:rPr lang="it" sz="1400">
-                <a:latin typeface="Arial"/>
-                <a:ea typeface="Arial"/>
-                <a:cs typeface="Arial"/>
-                <a:sym typeface="Arial"/>
-              </a:rPr>
-              <a:t>Lack of interactive materials.</a:t>
-            </a:r>
-            <a:endParaRPr sz="1400">
-              <a:latin typeface="Arial"/>
-              <a:ea typeface="Arial"/>
-              <a:cs typeface="Arial"/>
-              <a:sym typeface="Arial"/>
-            </a:endParaRPr>
-          </a:p>
-          <a:p>
-            <a:pPr indent="0" lvl="0" marL="0" rtl="0" algn="l">
-              <a:spcBef>
-                <a:spcPts val="0"/>
-              </a:spcBef>
-              <a:spcAft>
-                <a:spcPts val="0"/>
-              </a:spcAft>
-              <a:buNone/>
-            </a:pPr>
-            <a:r>
-              <a:t/>
-            </a:r>
-            <a:endParaRPr sz="1400">
-              <a:latin typeface="Arial"/>
-              <a:ea typeface="Arial"/>
-              <a:cs typeface="Arial"/>
-              <a:sym typeface="Arial"/>
-            </a:endParaRPr>
-          </a:p>
-          <a:p>
-            <a:pPr indent="-317500" lvl="0" marL="457200" rtl="0" algn="l">
-              <a:spcBef>
-                <a:spcPts val="0"/>
-              </a:spcBef>
-              <a:spcAft>
-                <a:spcPts val="0"/>
-              </a:spcAft>
-              <a:buSzPts val="1400"/>
-              <a:buFont typeface="Arial"/>
-              <a:buChar char="●"/>
-            </a:pPr>
-            <a:r>
-              <a:rPr lang="it" sz="1400">
-                <a:latin typeface="Arial"/>
-                <a:ea typeface="Arial"/>
-                <a:cs typeface="Arial"/>
-                <a:sym typeface="Arial"/>
-              </a:rPr>
-              <a:t>Often students have to find  another job to pay for their study and living expenses.</a:t>
-            </a:r>
-            <a:endParaRPr sz="1400">
-              <a:latin typeface="Arial"/>
-              <a:ea typeface="Arial"/>
-              <a:cs typeface="Arial"/>
-              <a:sym typeface="Arial"/>
-            </a:endParaRPr>
-          </a:p>
-          <a:p>
-            <a:pPr indent="0" lvl="0" marL="457200" rtl="0" algn="l">
-              <a:spcBef>
-                <a:spcPts val="0"/>
-              </a:spcBef>
-              <a:spcAft>
-                <a:spcPts val="0"/>
-              </a:spcAft>
-              <a:buNone/>
-            </a:pPr>
-            <a:r>
-              <a:t/>
-            </a:r>
-            <a:endParaRPr sz="1400">
-              <a:latin typeface="Arial"/>
-              <a:ea typeface="Arial"/>
-              <a:cs typeface="Arial"/>
-              <a:sym typeface="Arial"/>
-            </a:endParaRPr>
-          </a:p>
-          <a:p>
-            <a:pPr indent="-317500" lvl="0" marL="457200" rtl="0" algn="l">
-              <a:spcBef>
-                <a:spcPts val="0"/>
-              </a:spcBef>
-              <a:spcAft>
-                <a:spcPts val="0"/>
-              </a:spcAft>
-              <a:buSzPts val="1400"/>
-              <a:buFont typeface="Arial"/>
-              <a:buChar char="●"/>
-            </a:pPr>
-            <a:r>
-              <a:rPr lang="it" sz="1400">
-                <a:latin typeface="Arial"/>
-                <a:ea typeface="Arial"/>
-                <a:cs typeface="Arial"/>
-                <a:sym typeface="Arial"/>
-              </a:rPr>
-              <a:t>Students want to always find the cheap and valuable materials to study and are becoming better at it.</a:t>
-            </a:r>
-            <a:endParaRPr sz="1400">
-              <a:latin typeface="Arial"/>
-              <a:ea typeface="Arial"/>
-              <a:cs typeface="Arial"/>
-              <a:sym typeface="Arial"/>
-            </a:endParaRPr>
-          </a:p>
-          <a:p>
-            <a:pPr indent="0" lvl="0" marL="457200" rtl="0" algn="l">
-              <a:spcBef>
-                <a:spcPts val="0"/>
-              </a:spcBef>
-              <a:spcAft>
-                <a:spcPts val="0"/>
-              </a:spcAft>
-              <a:buNone/>
-            </a:pPr>
-            <a:r>
-              <a:t/>
-            </a:r>
-            <a:endParaRPr sz="1400"/>
-          </a:p>
-          <a:p>
-            <a:pPr indent="0" lvl="0" marL="0" rtl="0" algn="l">
-              <a:spcBef>
-                <a:spcPts val="0"/>
-              </a:spcBef>
-              <a:spcAft>
-                <a:spcPts val="0"/>
-              </a:spcAft>
-              <a:buNone/>
-            </a:pPr>
-            <a:r>
-              <a:t/>
-            </a:r>
-            <a:endParaRPr sz="1400"/>
-          </a:p>
-        </p:txBody>
-      </p:sp>
-      <p:sp>
-        <p:nvSpPr>
-          <p:cNvPr id="83" name="Google Shape;83;p15"/>
-          <p:cNvSpPr txBox="1"/>
-          <p:nvPr>
-            <p:ph idx="2" type="body"/>
-          </p:nvPr>
-        </p:nvSpPr>
-        <p:spPr>
-          <a:xfrm>
-            <a:off x="4939500" y="724200"/>
-            <a:ext cx="3837000" cy="3695100"/>
-          </a:xfrm>
-          <a:prstGeom prst="rect">
-            <a:avLst/>
-          </a:prstGeom>
-        </p:spPr>
-        <p:txBody>
-          <a:bodyPr anchorCtr="0" anchor="ctr" bIns="91425" lIns="91425" spcFirstLastPara="1" rIns="91425" wrap="square" tIns="91425">
-            <a:noAutofit/>
-          </a:bodyPr>
-          <a:lstStyle/>
-          <a:p>
-            <a:pPr indent="0" lvl="0" marL="0">
-              <a:spcBef>
-                <a:spcPts val="0"/>
-              </a:spcBef>
-              <a:spcAft>
-                <a:spcPts val="1600"/>
-              </a:spcAft>
-              <a:buNone/>
-            </a:pPr>
-            <a:r>
-              <a:t/>
-            </a:r>
-            <a:endParaRPr/>
-          </a:p>
-        </p:txBody>
-      </p:sp>
       <p:pic>
         <p:nvPicPr>
-          <p:cNvPr id="84" name="Google Shape;84;p15"/>
+          <p:cNvPr id="70" name="Google Shape;70;p15"/>
           <p:cNvPicPr preferRelativeResize="0"/>
           <p:nvPr/>
         </p:nvPicPr>
@@ -9918,8 +8040,8 @@
         </p:blipFill>
         <p:spPr>
           <a:xfrm>
-            <a:off x="4533000" y="0"/>
-            <a:ext cx="4611000" cy="3508451"/>
+            <a:off x="429425" y="918925"/>
+            <a:ext cx="4608149" cy="3706701"/>
           </a:xfrm>
           <a:prstGeom prst="rect">
             <a:avLst/>
@@ -9930,9 +8052,220 @@
           </a:ln>
         </p:spPr>
       </p:pic>
+      <p:sp>
+        <p:nvSpPr>
+          <p:cNvPr id="71" name="Google Shape;71;p15"/>
+          <p:cNvSpPr txBox="1"/>
+          <p:nvPr/>
+        </p:nvSpPr>
+        <p:spPr>
+          <a:xfrm>
+            <a:off x="5225900" y="918050"/>
+            <a:ext cx="3672300" cy="3895800"/>
+          </a:xfrm>
+          <a:prstGeom prst="rect">
+            <a:avLst/>
+          </a:prstGeom>
+          <a:noFill/>
+          <a:ln>
+            <a:noFill/>
+          </a:ln>
+        </p:spPr>
+        <p:txBody>
+          <a:bodyPr anchorCtr="0" anchor="t" bIns="91425" lIns="91425" spcFirstLastPara="1" rIns="91425" wrap="square" tIns="91425">
+            <a:noAutofit/>
+          </a:bodyPr>
+          <a:lstStyle/>
+          <a:p>
+            <a:pPr indent="-317500" lvl="0" marL="457200" rtl="0">
+              <a:spcBef>
+                <a:spcPts val="0"/>
+              </a:spcBef>
+              <a:spcAft>
+                <a:spcPts val="0"/>
+              </a:spcAft>
+              <a:buClr>
+                <a:srgbClr val="000000"/>
+              </a:buClr>
+              <a:buSzPts val="1400"/>
+              <a:buFont typeface="Arial"/>
+              <a:buChar char="●"/>
+            </a:pPr>
+            <a:r>
+              <a:rPr lang="it"/>
+              <a:t>Not enough communication between students.</a:t>
+            </a:r>
+            <a:endParaRPr/>
+          </a:p>
+          <a:p>
+            <a:pPr indent="0" lvl="0" marL="0" rtl="0">
+              <a:spcBef>
+                <a:spcPts val="0"/>
+              </a:spcBef>
+              <a:spcAft>
+                <a:spcPts val="0"/>
+              </a:spcAft>
+              <a:buClr>
+                <a:schemeClr val="dk1"/>
+              </a:buClr>
+              <a:buSzPts val="1100"/>
+              <a:buFont typeface="Arial"/>
+              <a:buNone/>
+            </a:pPr>
+            <a:r>
+              <a:t/>
+            </a:r>
+            <a:endParaRPr/>
+          </a:p>
+          <a:p>
+            <a:pPr indent="-317500" lvl="0" marL="457200" rtl="0">
+              <a:spcBef>
+                <a:spcPts val="0"/>
+              </a:spcBef>
+              <a:spcAft>
+                <a:spcPts val="0"/>
+              </a:spcAft>
+              <a:buClr>
+                <a:srgbClr val="000000"/>
+              </a:buClr>
+              <a:buSzPts val="1400"/>
+              <a:buFont typeface="Arial"/>
+              <a:buChar char="●"/>
+            </a:pPr>
+            <a:r>
+              <a:rPr lang="it"/>
+              <a:t>Difficult to find high quality materials online with the same teaching methods of your professors.</a:t>
+            </a:r>
+            <a:endParaRPr/>
+          </a:p>
+          <a:p>
+            <a:pPr indent="0" lvl="0" marL="457200" rtl="0">
+              <a:spcBef>
+                <a:spcPts val="0"/>
+              </a:spcBef>
+              <a:spcAft>
+                <a:spcPts val="0"/>
+              </a:spcAft>
+              <a:buClr>
+                <a:schemeClr val="dk1"/>
+              </a:buClr>
+              <a:buSzPts val="1100"/>
+              <a:buFont typeface="Arial"/>
+              <a:buNone/>
+            </a:pPr>
+            <a:r>
+              <a:t/>
+            </a:r>
+            <a:endParaRPr/>
+          </a:p>
+          <a:p>
+            <a:pPr indent="-317500" lvl="0" marL="457200" rtl="0">
+              <a:spcBef>
+                <a:spcPts val="0"/>
+              </a:spcBef>
+              <a:spcAft>
+                <a:spcPts val="0"/>
+              </a:spcAft>
+              <a:buClr>
+                <a:srgbClr val="000000"/>
+              </a:buClr>
+              <a:buSzPts val="1400"/>
+              <a:buFont typeface="Arial"/>
+              <a:buChar char="●"/>
+            </a:pPr>
+            <a:r>
+              <a:rPr lang="it"/>
+              <a:t>Lack of interactive materials.</a:t>
+            </a:r>
+            <a:endParaRPr/>
+          </a:p>
+          <a:p>
+            <a:pPr indent="0" lvl="0" marL="0" rtl="0">
+              <a:spcBef>
+                <a:spcPts val="0"/>
+              </a:spcBef>
+              <a:spcAft>
+                <a:spcPts val="0"/>
+              </a:spcAft>
+              <a:buClr>
+                <a:schemeClr val="dk1"/>
+              </a:buClr>
+              <a:buSzPts val="1100"/>
+              <a:buFont typeface="Arial"/>
+              <a:buNone/>
+            </a:pPr>
+            <a:r>
+              <a:t/>
+            </a:r>
+            <a:endParaRPr/>
+          </a:p>
+          <a:p>
+            <a:pPr indent="-317500" lvl="0" marL="457200" rtl="0">
+              <a:spcBef>
+                <a:spcPts val="0"/>
+              </a:spcBef>
+              <a:spcAft>
+                <a:spcPts val="0"/>
+              </a:spcAft>
+              <a:buClr>
+                <a:srgbClr val="000000"/>
+              </a:buClr>
+              <a:buSzPts val="1400"/>
+              <a:buFont typeface="Arial"/>
+              <a:buChar char="●"/>
+            </a:pPr>
+            <a:r>
+              <a:rPr lang="it"/>
+              <a:t>Often students have to find  another job to pay for their study and living expenses.</a:t>
+            </a:r>
+            <a:endParaRPr/>
+          </a:p>
+          <a:p>
+            <a:pPr indent="0" lvl="0" marL="457200" rtl="0">
+              <a:spcBef>
+                <a:spcPts val="0"/>
+              </a:spcBef>
+              <a:spcAft>
+                <a:spcPts val="0"/>
+              </a:spcAft>
+              <a:buClr>
+                <a:schemeClr val="dk1"/>
+              </a:buClr>
+              <a:buSzPts val="1100"/>
+              <a:buFont typeface="Arial"/>
+              <a:buNone/>
+            </a:pPr>
+            <a:r>
+              <a:t/>
+            </a:r>
+            <a:endParaRPr/>
+          </a:p>
+          <a:p>
+            <a:pPr indent="-317500" lvl="0" marL="457200" rtl="0">
+              <a:spcBef>
+                <a:spcPts val="0"/>
+              </a:spcBef>
+              <a:spcAft>
+                <a:spcPts val="0"/>
+              </a:spcAft>
+              <a:buClr>
+                <a:srgbClr val="000000"/>
+              </a:buClr>
+              <a:buSzPts val="1400"/>
+              <a:buFont typeface="Arial"/>
+              <a:buChar char="●"/>
+            </a:pPr>
+            <a:r>
+              <a:rPr lang="it"/>
+              <a:t>Students want to always find the cheap and valuable materials to study and are becoming better at it.</a:t>
+            </a:r>
+            <a:endParaRPr/>
+          </a:p>
+        </p:txBody>
+      </p:sp>
       <p:pic>
         <p:nvPicPr>
-          <p:cNvPr id="85" name="Google Shape;85;p15"/>
+          <p:cNvPr id="72" name="Google Shape;72;p15"/>
           <p:cNvPicPr preferRelativeResize="0"/>
           <p:nvPr/>
         </p:nvPicPr>
@@ -9971,7 +8304,7 @@
   <p:cSld>
     <p:spTree>
       <p:nvGrpSpPr>
-        <p:cNvPr id="89" name="Shape 89"/>
+        <p:cNvPr id="76" name="Shape 76"/>
         <p:cNvGrpSpPr/>
         <p:nvPr/>
       </p:nvGrpSpPr>
@@ -9985,7 +8318,7 @@
       </p:grpSpPr>
       <p:sp>
         <p:nvSpPr>
-          <p:cNvPr id="90" name="Google Shape;90;p16"/>
+          <p:cNvPr id="77" name="Google Shape;77;p16"/>
           <p:cNvSpPr txBox="1"/>
           <p:nvPr>
             <p:ph type="title"/>
@@ -9993,15 +8326,15 @@
         </p:nvSpPr>
         <p:spPr>
           <a:xfrm>
-            <a:off x="471900" y="738725"/>
-            <a:ext cx="8222100" cy="767700"/>
+            <a:off x="311700" y="445025"/>
+            <a:ext cx="8520600" cy="572700"/>
           </a:xfrm>
           <a:prstGeom prst="rect">
             <a:avLst/>
           </a:prstGeom>
         </p:spPr>
         <p:txBody>
-          <a:bodyPr anchorCtr="0" anchor="b" bIns="91425" lIns="91425" spcFirstLastPara="1" rIns="91425" wrap="square" tIns="91425">
+          <a:bodyPr anchorCtr="0" anchor="t" bIns="91425" lIns="91425" spcFirstLastPara="1" rIns="91425" wrap="square" tIns="91425">
             <a:noAutofit/>
           </a:bodyPr>
           <a:lstStyle/>
@@ -10016,15 +8349,15 @@
               <a:buNone/>
             </a:pPr>
             <a:r>
-              <a:rPr b="1" lang="it">
+              <a:rPr b="1" lang="it" sz="3600">
                 <a:latin typeface="Times New Roman"/>
                 <a:ea typeface="Times New Roman"/>
                 <a:cs typeface="Times New Roman"/>
                 <a:sym typeface="Times New Roman"/>
               </a:rPr>
-              <a:t>Solutions Used Today</a:t>
+              <a:t>Today solutions</a:t>
             </a:r>
-            <a:endParaRPr b="1">
+            <a:endParaRPr b="1" sz="3600">
               <a:latin typeface="Times New Roman"/>
               <a:ea typeface="Times New Roman"/>
               <a:cs typeface="Times New Roman"/>
@@ -10035,20 +8368,22 @@
       </p:sp>
       <p:sp>
         <p:nvSpPr>
-          <p:cNvPr id="91" name="Google Shape;91;p16"/>
+          <p:cNvPr id="78" name="Google Shape;78;p16"/>
           <p:cNvSpPr txBox="1"/>
-          <p:nvPr>
-            <p:ph idx="1" type="body"/>
-          </p:nvPr>
+          <p:nvPr/>
         </p:nvSpPr>
         <p:spPr>
           <a:xfrm>
-            <a:off x="471900" y="1919075"/>
-            <a:ext cx="8222100" cy="2710200"/>
+            <a:off x="463975" y="1418425"/>
+            <a:ext cx="5156700" cy="3502500"/>
           </a:xfrm>
           <a:prstGeom prst="rect">
             <a:avLst/>
           </a:prstGeom>
+          <a:noFill/>
+          <a:ln>
+            <a:noFill/>
+          </a:ln>
         </p:spPr>
         <p:txBody>
           <a:bodyPr anchorCtr="0" anchor="t" bIns="91425" lIns="91425" spcFirstLastPara="1" rIns="91425" wrap="square" tIns="91425">
@@ -10056,134 +8391,128 @@
           </a:bodyPr>
           <a:lstStyle/>
           <a:p>
-            <a:pPr indent="-317500" lvl="0" marL="457200" rtl="0">
-              <a:spcBef>
-                <a:spcPts val="0"/>
-              </a:spcBef>
-              <a:spcAft>
-                <a:spcPts val="0"/>
-              </a:spcAft>
-              <a:buSzPts val="1400"/>
+            <a:pPr indent="-342900" lvl="0" marL="457200" rtl="0">
+              <a:lnSpc>
+                <a:spcPct val="115000"/>
+              </a:lnSpc>
+              <a:spcBef>
+                <a:spcPts val="0"/>
+              </a:spcBef>
+              <a:spcAft>
+                <a:spcPts val="0"/>
+              </a:spcAft>
+              <a:buClr>
+                <a:srgbClr val="000000"/>
+              </a:buClr>
+              <a:buSzPts val="1800"/>
               <a:buFont typeface="Arial"/>
               <a:buChar char="●"/>
             </a:pPr>
             <a:r>
-              <a:rPr lang="it" sz="1400">
-                <a:latin typeface="Arial"/>
-                <a:ea typeface="Arial"/>
-                <a:cs typeface="Arial"/>
-                <a:sym typeface="Arial"/>
-              </a:rPr>
+              <a:rPr b="1" lang="it" sz="1800"/>
               <a:t>Search for answers on the web.</a:t>
             </a:r>
-            <a:endParaRPr sz="1400">
-              <a:latin typeface="Arial"/>
-              <a:ea typeface="Arial"/>
-              <a:cs typeface="Arial"/>
-              <a:sym typeface="Arial"/>
-            </a:endParaRPr>
+            <a:endParaRPr b="1" sz="1800"/>
           </a:p>
           <a:p>
             <a:pPr indent="0" lvl="0" marL="457200" rtl="0">
+              <a:lnSpc>
+                <a:spcPct val="115000"/>
+              </a:lnSpc>
               <a:spcBef>
                 <a:spcPts val="1600"/>
               </a:spcBef>
               <a:spcAft>
                 <a:spcPts val="0"/>
               </a:spcAft>
+              <a:buClr>
+                <a:schemeClr val="dk1"/>
+              </a:buClr>
+              <a:buSzPts val="1100"/>
+              <a:buFont typeface="Arial"/>
               <a:buNone/>
             </a:pPr>
             <a:r>
               <a:t/>
             </a:r>
-            <a:endParaRPr sz="1400">
-              <a:latin typeface="Arial"/>
-              <a:ea typeface="Arial"/>
-              <a:cs typeface="Arial"/>
-              <a:sym typeface="Arial"/>
-            </a:endParaRPr>
+            <a:endParaRPr b="1" sz="1800"/>
           </a:p>
           <a:p>
-            <a:pPr indent="-317500" lvl="0" marL="457200" rtl="0">
+            <a:pPr indent="-342900" lvl="0" marL="457200" rtl="0">
+              <a:lnSpc>
+                <a:spcPct val="115000"/>
+              </a:lnSpc>
               <a:spcBef>
                 <a:spcPts val="1600"/>
               </a:spcBef>
               <a:spcAft>
                 <a:spcPts val="0"/>
               </a:spcAft>
-              <a:buSzPts val="1400"/>
+              <a:buClr>
+                <a:srgbClr val="000000"/>
+              </a:buClr>
+              <a:buSzPts val="1800"/>
               <a:buFont typeface="Arial"/>
               <a:buChar char="●"/>
             </a:pPr>
             <a:r>
-              <a:rPr lang="it" sz="1400">
-                <a:latin typeface="Arial"/>
-                <a:ea typeface="Arial"/>
-                <a:cs typeface="Arial"/>
-                <a:sym typeface="Arial"/>
-              </a:rPr>
+              <a:rPr b="1" lang="it" sz="1800"/>
               <a:t>Use an online tutor.</a:t>
             </a:r>
-            <a:endParaRPr sz="1400">
-              <a:latin typeface="Arial"/>
-              <a:ea typeface="Arial"/>
-              <a:cs typeface="Arial"/>
-              <a:sym typeface="Arial"/>
-            </a:endParaRPr>
+            <a:endParaRPr b="1" sz="1800"/>
           </a:p>
           <a:p>
             <a:pPr indent="0" lvl="0" marL="457200" rtl="0">
+              <a:lnSpc>
+                <a:spcPct val="115000"/>
+              </a:lnSpc>
               <a:spcBef>
                 <a:spcPts val="1600"/>
               </a:spcBef>
               <a:spcAft>
                 <a:spcPts val="0"/>
               </a:spcAft>
+              <a:buClr>
+                <a:schemeClr val="dk1"/>
+              </a:buClr>
+              <a:buSzPts val="1100"/>
+              <a:buFont typeface="Arial"/>
               <a:buNone/>
             </a:pPr>
             <a:r>
               <a:t/>
             </a:r>
-            <a:endParaRPr sz="1400">
-              <a:latin typeface="Arial"/>
-              <a:ea typeface="Arial"/>
-              <a:cs typeface="Arial"/>
-              <a:sym typeface="Arial"/>
-            </a:endParaRPr>
+            <a:endParaRPr b="1" sz="1800"/>
           </a:p>
           <a:p>
-            <a:pPr indent="-317500" lvl="0" marL="457200" rtl="0">
+            <a:pPr indent="-342900" lvl="0" marL="457200" rtl="0">
+              <a:lnSpc>
+                <a:spcPct val="115000"/>
+              </a:lnSpc>
               <a:spcBef>
                 <a:spcPts val="1600"/>
               </a:spcBef>
               <a:spcAft>
                 <a:spcPts val="0"/>
               </a:spcAft>
-              <a:buSzPts val="1400"/>
+              <a:buClr>
+                <a:srgbClr val="000000"/>
+              </a:buClr>
+              <a:buSzPts val="1800"/>
               <a:buFont typeface="Arial"/>
               <a:buChar char="●"/>
             </a:pPr>
             <a:r>
-              <a:rPr lang="it" sz="1400">
-                <a:latin typeface="Arial"/>
-                <a:ea typeface="Arial"/>
-                <a:cs typeface="Arial"/>
-                <a:sym typeface="Arial"/>
-              </a:rPr>
+              <a:rPr b="1" lang="it" sz="1800"/>
               <a:t>Buy a full pack of notes in facebook group.</a:t>
             </a:r>
-            <a:endParaRPr sz="1400">
-              <a:latin typeface="Arial"/>
-              <a:ea typeface="Arial"/>
-              <a:cs typeface="Arial"/>
-              <a:sym typeface="Arial"/>
-            </a:endParaRPr>
+            <a:endParaRPr b="1" sz="1800"/>
           </a:p>
         </p:txBody>
       </p:sp>
       <p:pic>
         <p:nvPicPr>
-          <p:cNvPr id="92" name="Google Shape;92;p16"/>
+          <p:cNvPr id="79" name="Google Shape;79;p16"/>
           <p:cNvPicPr preferRelativeResize="0"/>
           <p:nvPr/>
         </p:nvPicPr>
@@ -10199,6 +8528,34 @@
           <a:xfrm>
             <a:off x="8396717" y="110700"/>
             <a:ext cx="449509" cy="477600"/>
+          </a:xfrm>
+          <a:prstGeom prst="rect">
+            <a:avLst/>
+          </a:prstGeom>
+          <a:noFill/>
+          <a:ln>
+            <a:noFill/>
+          </a:ln>
+        </p:spPr>
+      </p:pic>
+      <p:pic>
+        <p:nvPicPr>
+          <p:cNvPr id="80" name="Google Shape;80;p16"/>
+          <p:cNvPicPr preferRelativeResize="0"/>
+          <p:nvPr/>
+        </p:nvPicPr>
+        <p:blipFill>
+          <a:blip r:embed="rId4">
+            <a:alphaModFix/>
+          </a:blip>
+          <a:stretch>
+            <a:fillRect/>
+          </a:stretch>
+        </p:blipFill>
+        <p:spPr>
+          <a:xfrm>
+            <a:off x="5289025" y="832158"/>
+            <a:ext cx="3619750" cy="3794375"/>
           </a:xfrm>
           <a:prstGeom prst="rect">
             <a:avLst/>
@@ -10222,7 +8579,7 @@
   <p:cSld>
     <p:spTree>
       <p:nvGrpSpPr>
-        <p:cNvPr id="96" name="Shape 96"/>
+        <p:cNvPr id="84" name="Shape 84"/>
         <p:cNvGrpSpPr/>
         <p:nvPr/>
       </p:nvGrpSpPr>
@@ -10236,7 +8593,7 @@
       </p:grpSpPr>
       <p:sp>
         <p:nvSpPr>
-          <p:cNvPr id="97" name="Google Shape;97;p17"/>
+          <p:cNvPr id="85" name="Google Shape;85;p17"/>
           <p:cNvSpPr txBox="1"/>
           <p:nvPr>
             <p:ph type="title"/>
@@ -10244,15 +8601,15 @@
         </p:nvSpPr>
         <p:spPr>
           <a:xfrm>
-            <a:off x="471900" y="738725"/>
-            <a:ext cx="8222100" cy="767700"/>
+            <a:off x="593275" y="523425"/>
+            <a:ext cx="8520600" cy="572700"/>
           </a:xfrm>
           <a:prstGeom prst="rect">
             <a:avLst/>
           </a:prstGeom>
         </p:spPr>
         <p:txBody>
-          <a:bodyPr anchorCtr="0" anchor="b" bIns="91425" lIns="91425" spcFirstLastPara="1" rIns="91425" wrap="square" tIns="91425">
+          <a:bodyPr anchorCtr="0" anchor="t" bIns="91425" lIns="91425" spcFirstLastPara="1" rIns="91425" wrap="square" tIns="91425">
             <a:noAutofit/>
           </a:bodyPr>
           <a:lstStyle/>
@@ -10267,33 +8624,15 @@
               <a:buNone/>
             </a:pPr>
             <a:r>
-              <a:rPr b="1" lang="it">
+              <a:rPr b="1" lang="it" sz="3600">
                 <a:latin typeface="Times New Roman"/>
                 <a:ea typeface="Times New Roman"/>
                 <a:cs typeface="Times New Roman"/>
                 <a:sym typeface="Times New Roman"/>
               </a:rPr>
-              <a:t>Why are these solutions not </a:t>
+              <a:t>Why are these solution not efficient ?</a:t>
             </a:r>
-            <a:r>
-              <a:rPr b="1" lang="it">
-                <a:latin typeface="Times New Roman"/>
-                <a:ea typeface="Times New Roman"/>
-                <a:cs typeface="Times New Roman"/>
-                <a:sym typeface="Times New Roman"/>
-              </a:rPr>
-              <a:t>efficient</a:t>
-            </a:r>
-            <a:r>
-              <a:rPr b="1" lang="it">
-                <a:latin typeface="Times New Roman"/>
-                <a:ea typeface="Times New Roman"/>
-                <a:cs typeface="Times New Roman"/>
-                <a:sym typeface="Times New Roman"/>
-              </a:rPr>
-              <a:t>?</a:t>
-            </a:r>
-            <a:endParaRPr b="1">
+            <a:endParaRPr b="1" sz="3600">
               <a:latin typeface="Times New Roman"/>
               <a:ea typeface="Times New Roman"/>
               <a:cs typeface="Times New Roman"/>
@@ -10304,97 +8643,167 @@
       </p:sp>
       <p:sp>
         <p:nvSpPr>
-          <p:cNvPr id="98" name="Google Shape;98;p17"/>
-          <p:cNvSpPr txBox="1"/>
-          <p:nvPr>
-            <p:ph idx="1" type="body"/>
-          </p:nvPr>
+          <p:cNvPr id="86" name="Google Shape;86;p17"/>
+          <p:cNvSpPr/>
+          <p:nvPr/>
         </p:nvSpPr>
         <p:spPr>
           <a:xfrm>
-            <a:off x="471900" y="1919075"/>
-            <a:ext cx="8222100" cy="2710200"/>
-          </a:xfrm>
-          <a:prstGeom prst="rect">
-            <a:avLst/>
-          </a:prstGeom>
+            <a:off x="768875" y="2028150"/>
+            <a:ext cx="1776300" cy="1087200"/>
+          </a:xfrm>
+          <a:prstGeom prst="roundRect">
+            <a:avLst>
+              <a:gd fmla="val 16667" name="adj"/>
+            </a:avLst>
+          </a:prstGeom>
+          <a:solidFill>
+            <a:schemeClr val="lt2"/>
+          </a:solidFill>
+          <a:ln cap="flat" cmpd="sng" w="9525">
+            <a:solidFill>
+              <a:schemeClr val="dk2"/>
+            </a:solidFill>
+            <a:prstDash val="solid"/>
+            <a:round/>
+            <a:headEnd len="sm" w="sm" type="none"/>
+            <a:tailEnd len="sm" w="sm" type="none"/>
+          </a:ln>
         </p:spPr>
         <p:txBody>
-          <a:bodyPr anchorCtr="0" anchor="t" bIns="91425" lIns="91425" spcFirstLastPara="1" rIns="91425" wrap="square" tIns="91425">
+          <a:bodyPr anchorCtr="0" anchor="ctr" bIns="91425" lIns="91425" spcFirstLastPara="1" rIns="91425" wrap="square" tIns="91425">
             <a:noAutofit/>
           </a:bodyPr>
           <a:lstStyle/>
           <a:p>
-            <a:pPr indent="-317500" lvl="0" marL="457200" rtl="0">
-              <a:spcBef>
-                <a:spcPts val="0"/>
-              </a:spcBef>
-              <a:spcAft>
-                <a:spcPts val="0"/>
-              </a:spcAft>
-              <a:buSzPts val="1400"/>
-              <a:buChar char="●"/>
+            <a:pPr indent="0" lvl="0" marL="0">
+              <a:spcBef>
+                <a:spcPts val="0"/>
+              </a:spcBef>
+              <a:spcAft>
+                <a:spcPts val="0"/>
+              </a:spcAft>
+              <a:buNone/>
             </a:pPr>
             <a:r>
-              <a:rPr lang="it" sz="1400"/>
-              <a:t>The answers that you find on google, youtube and forums might be good but take time to search and find. For example videos might have more information than necessary that you still need to go through to find the answers you are looking for, which can be pretty frustrating.</a:t>
+              <a:rPr lang="it" sz="1800"/>
+              <a:t>Too Expensive</a:t>
             </a:r>
-            <a:endParaRPr sz="1400"/>
+            <a:endParaRPr sz="1800"/>
           </a:p>
+        </p:txBody>
+      </p:sp>
+      <p:sp>
+        <p:nvSpPr>
+          <p:cNvPr id="87" name="Google Shape;87;p17"/>
+          <p:cNvSpPr/>
+          <p:nvPr/>
+        </p:nvSpPr>
+        <p:spPr>
+          <a:xfrm>
+            <a:off x="3400252" y="2028150"/>
+            <a:ext cx="1696800" cy="1087200"/>
+          </a:xfrm>
+          <a:prstGeom prst="roundRect">
+            <a:avLst>
+              <a:gd fmla="val 16667" name="adj"/>
+            </a:avLst>
+          </a:prstGeom>
+          <a:solidFill>
+            <a:schemeClr val="lt2"/>
+          </a:solidFill>
+          <a:ln cap="flat" cmpd="sng" w="9525">
+            <a:solidFill>
+              <a:schemeClr val="dk2"/>
+            </a:solidFill>
+            <a:prstDash val="solid"/>
+            <a:round/>
+            <a:headEnd len="sm" w="sm" type="none"/>
+            <a:tailEnd len="sm" w="sm" type="none"/>
+          </a:ln>
+        </p:spPr>
+        <p:txBody>
+          <a:bodyPr anchorCtr="0" anchor="ctr" bIns="91425" lIns="91425" spcFirstLastPara="1" rIns="91425" wrap="square" tIns="91425">
+            <a:noAutofit/>
+          </a:bodyPr>
+          <a:lstStyle/>
           <a:p>
-            <a:pPr indent="-317500" lvl="0" marL="457200" rtl="0">
-              <a:spcBef>
-                <a:spcPts val="0"/>
-              </a:spcBef>
-              <a:spcAft>
-                <a:spcPts val="0"/>
-              </a:spcAft>
-              <a:buSzPts val="1400"/>
-              <a:buChar char="●"/>
+            <a:pPr indent="0" lvl="0" marL="0" rtl="0">
+              <a:spcBef>
+                <a:spcPts val="0"/>
+              </a:spcBef>
+              <a:spcAft>
+                <a:spcPts val="0"/>
+              </a:spcAft>
+              <a:buNone/>
             </a:pPr>
             <a:r>
-              <a:rPr lang="it" sz="1400"/>
-              <a:t> Online tutors are expensive at 15$ per week for half an hour a day is pretty expensive and not all students can afford it.</a:t>
+              <a:rPr lang="it" sz="1800"/>
+              <a:t>      </a:t>
             </a:r>
-            <a:endParaRPr sz="1400"/>
+            <a:r>
+              <a:rPr lang="it" sz="1800"/>
+              <a:t>Boring </a:t>
+            </a:r>
+            <a:endParaRPr sz="1800"/>
           </a:p>
+        </p:txBody>
+      </p:sp>
+      <p:sp>
+        <p:nvSpPr>
+          <p:cNvPr id="88" name="Google Shape;88;p17"/>
+          <p:cNvSpPr/>
+          <p:nvPr/>
+        </p:nvSpPr>
+        <p:spPr>
+          <a:xfrm>
+            <a:off x="5952050" y="2028150"/>
+            <a:ext cx="1696800" cy="1087200"/>
+          </a:xfrm>
+          <a:prstGeom prst="roundRect">
+            <a:avLst>
+              <a:gd fmla="val 16667" name="adj"/>
+            </a:avLst>
+          </a:prstGeom>
+          <a:solidFill>
+            <a:schemeClr val="lt2"/>
+          </a:solidFill>
+          <a:ln cap="flat" cmpd="sng" w="9525">
+            <a:solidFill>
+              <a:schemeClr val="dk2"/>
+            </a:solidFill>
+            <a:prstDash val="solid"/>
+            <a:round/>
+            <a:headEnd len="sm" w="sm" type="none"/>
+            <a:tailEnd len="sm" w="sm" type="none"/>
+          </a:ln>
+        </p:spPr>
+        <p:txBody>
+          <a:bodyPr anchorCtr="0" anchor="ctr" bIns="91425" lIns="91425" spcFirstLastPara="1" rIns="91425" wrap="square" tIns="91425">
+            <a:noAutofit/>
+          </a:bodyPr>
+          <a:lstStyle/>
           <a:p>
-            <a:pPr indent="-317500" lvl="0" marL="457200" rtl="0">
-              <a:spcBef>
-                <a:spcPts val="0"/>
-              </a:spcBef>
-              <a:spcAft>
-                <a:spcPts val="0"/>
-              </a:spcAft>
-              <a:buSzPts val="1400"/>
-              <a:buChar char="●"/>
+            <a:pPr indent="0" lvl="0" marL="0" rtl="0">
+              <a:spcBef>
+                <a:spcPts val="0"/>
+              </a:spcBef>
+              <a:spcAft>
+                <a:spcPts val="0"/>
+              </a:spcAft>
+              <a:buNone/>
             </a:pPr>
             <a:r>
-              <a:rPr lang="it" sz="1400"/>
-              <a:t>A student can buy a full pack of notes using facebook groups. It takes time to find the notes, you always need to check the quality, and it might not be useful all the way throughout the pack. It is quite expensive as some notes for one subject can cost more than 30$.</a:t>
+              <a:rPr lang="it" sz="1800"/>
+              <a:t>Time wasting</a:t>
             </a:r>
-            <a:endParaRPr sz="1400"/>
-          </a:p>
-          <a:p>
-            <a:pPr indent="0" lvl="0" marL="457200" rtl="0">
-              <a:spcBef>
-                <a:spcPts val="1600"/>
-              </a:spcBef>
-              <a:spcAft>
-                <a:spcPts val="1600"/>
-              </a:spcAft>
-              <a:buNone/>
-            </a:pPr>
-            <a:r>
-              <a:t/>
-            </a:r>
-            <a:endParaRPr sz="1400"/>
+            <a:endParaRPr sz="1800"/>
           </a:p>
         </p:txBody>
       </p:sp>
       <p:pic>
         <p:nvPicPr>
-          <p:cNvPr id="99" name="Google Shape;99;p17"/>
+          <p:cNvPr id="89" name="Google Shape;89;p17"/>
           <p:cNvPicPr preferRelativeResize="0"/>
           <p:nvPr/>
         </p:nvPicPr>
@@ -10433,7 +8842,7 @@
   <p:cSld>
     <p:spTree>
       <p:nvGrpSpPr>
-        <p:cNvPr id="103" name="Shape 103"/>
+        <p:cNvPr id="93" name="Shape 93"/>
         <p:cNvGrpSpPr/>
         <p:nvPr/>
       </p:nvGrpSpPr>
@@ -10447,7 +8856,7 @@
       </p:grpSpPr>
       <p:sp>
         <p:nvSpPr>
-          <p:cNvPr id="104" name="Google Shape;104;p18"/>
+          <p:cNvPr id="94" name="Google Shape;94;p18"/>
           <p:cNvSpPr txBox="1"/>
           <p:nvPr>
             <p:ph type="title"/>
@@ -10455,15 +8864,15 @@
         </p:nvSpPr>
         <p:spPr>
           <a:xfrm>
-            <a:off x="471900" y="738725"/>
-            <a:ext cx="8222100" cy="767700"/>
+            <a:off x="311700" y="445025"/>
+            <a:ext cx="8520600" cy="572700"/>
           </a:xfrm>
           <a:prstGeom prst="rect">
             <a:avLst/>
           </a:prstGeom>
         </p:spPr>
         <p:txBody>
-          <a:bodyPr anchorCtr="0" anchor="b" bIns="91425" lIns="91425" spcFirstLastPara="1" rIns="91425" wrap="square" tIns="91425">
+          <a:bodyPr anchorCtr="0" anchor="t" bIns="91425" lIns="91425" spcFirstLastPara="1" rIns="91425" wrap="square" tIns="91425">
             <a:noAutofit/>
           </a:bodyPr>
           <a:lstStyle/>
@@ -10478,15 +8887,15 @@
               <a:buNone/>
             </a:pPr>
             <a:r>
-              <a:rPr b="1" lang="it">
+              <a:rPr b="1" lang="it" sz="3600">
                 <a:latin typeface="Times New Roman"/>
                 <a:ea typeface="Times New Roman"/>
                 <a:cs typeface="Times New Roman"/>
                 <a:sym typeface="Times New Roman"/>
               </a:rPr>
-              <a:t>Our Solution</a:t>
+              <a:t>Our Solutions</a:t>
             </a:r>
-            <a:endParaRPr b="1">
+            <a:endParaRPr b="1" sz="3600">
               <a:latin typeface="Times New Roman"/>
               <a:ea typeface="Times New Roman"/>
               <a:cs typeface="Times New Roman"/>
@@ -10497,7 +8906,7 @@
       </p:sp>
       <p:sp>
         <p:nvSpPr>
-          <p:cNvPr id="105" name="Google Shape;105;p18"/>
+          <p:cNvPr id="95" name="Google Shape;95;p18"/>
           <p:cNvSpPr txBox="1"/>
           <p:nvPr>
             <p:ph idx="1" type="body"/>
@@ -10505,8 +8914,8 @@
         </p:nvSpPr>
         <p:spPr>
           <a:xfrm>
-            <a:off x="471900" y="1860225"/>
-            <a:ext cx="8222100" cy="2710200"/>
+            <a:off x="377975" y="1152475"/>
+            <a:ext cx="8520600" cy="3416400"/>
           </a:xfrm>
           <a:prstGeom prst="rect">
             <a:avLst/>
@@ -10528,20 +8937,9 @@
               <a:buNone/>
             </a:pPr>
             <a:r>
-              <a:rPr b="1" lang="it">
-                <a:latin typeface="Arial"/>
-                <a:ea typeface="Arial"/>
-                <a:cs typeface="Arial"/>
-                <a:sym typeface="Arial"/>
-              </a:rPr>
-              <a:t>Web and Mobile platform:  </a:t>
+              <a:t/>
             </a:r>
-            <a:endParaRPr b="1">
-              <a:latin typeface="Arial"/>
-              <a:ea typeface="Arial"/>
-              <a:cs typeface="Arial"/>
-              <a:sym typeface="Arial"/>
-            </a:endParaRPr>
+            <a:endParaRPr b="1"/>
           </a:p>
           <a:p>
             <a:pPr indent="0" lvl="0" marL="0" rtl="0">
@@ -10549,74 +8947,237 @@
                 <a:spcPts val="1600"/>
               </a:spcBef>
               <a:spcAft>
-                <a:spcPts val="0"/>
-              </a:spcAft>
+                <a:spcPts val="1600"/>
+              </a:spcAft>
+              <a:buClr>
+                <a:schemeClr val="dk1"/>
+              </a:buClr>
+              <a:buSzPts val="1100"/>
+              <a:buFont typeface="Arial"/>
               <a:buNone/>
             </a:pPr>
             <a:r>
-              <a:rPr lang="it" sz="1400">
-                <a:latin typeface="Arial"/>
-                <a:ea typeface="Arial"/>
-                <a:cs typeface="Arial"/>
-                <a:sym typeface="Arial"/>
-              </a:rPr>
-              <a:t>Students can upload their courses notes online and get paid. </a:t>
-            </a:r>
-            <a:br>
-              <a:rPr lang="it" sz="1400">
-                <a:latin typeface="Arial"/>
-                <a:ea typeface="Arial"/>
-                <a:cs typeface="Arial"/>
-                <a:sym typeface="Arial"/>
-              </a:rPr>
-            </a:br>
-            <a:r>
-              <a:rPr lang="it" sz="1400">
-                <a:latin typeface="Arial"/>
-                <a:ea typeface="Arial"/>
-                <a:cs typeface="Arial"/>
-                <a:sym typeface="Arial"/>
-              </a:rPr>
-              <a:t>The uploader can be a tutor for the students.</a:t>
+              <a:t/>
             </a:r>
             <a:endParaRPr sz="1400">
-              <a:latin typeface="Arial"/>
-              <a:ea typeface="Arial"/>
-              <a:cs typeface="Arial"/>
-              <a:sym typeface="Arial"/>
+              <a:solidFill>
+                <a:srgbClr val="737373"/>
+              </a:solidFill>
             </a:endParaRPr>
           </a:p>
+        </p:txBody>
+      </p:sp>
+      <p:sp>
+        <p:nvSpPr>
+          <p:cNvPr id="96" name="Google Shape;96;p18"/>
+          <p:cNvSpPr/>
+          <p:nvPr/>
+        </p:nvSpPr>
+        <p:spPr>
+          <a:xfrm>
+            <a:off x="377975" y="1776375"/>
+            <a:ext cx="3810900" cy="901500"/>
+          </a:xfrm>
+          <a:prstGeom prst="roundRect">
+            <a:avLst>
+              <a:gd fmla="val 16667" name="adj"/>
+            </a:avLst>
+          </a:prstGeom>
+          <a:solidFill>
+            <a:schemeClr val="lt2"/>
+          </a:solidFill>
+          <a:ln cap="flat" cmpd="sng" w="9525">
+            <a:solidFill>
+              <a:schemeClr val="dk2"/>
+            </a:solidFill>
+            <a:prstDash val="solid"/>
+            <a:round/>
+            <a:headEnd len="sm" w="sm" type="none"/>
+            <a:tailEnd len="sm" w="sm" type="none"/>
+          </a:ln>
+        </p:spPr>
+        <p:txBody>
+          <a:bodyPr anchorCtr="0" anchor="ctr" bIns="91425" lIns="91425" spcFirstLastPara="1" rIns="91425" wrap="square" tIns="91425">
+            <a:noAutofit/>
+          </a:bodyPr>
+          <a:lstStyle/>
           <a:p>
             <a:pPr indent="0" lvl="0" marL="0">
               <a:spcBef>
-                <a:spcPts val="1600"/>
-              </a:spcBef>
-              <a:spcAft>
-                <a:spcPts val="1600"/>
+                <a:spcPts val="0"/>
+              </a:spcBef>
+              <a:spcAft>
+                <a:spcPts val="0"/>
               </a:spcAft>
               <a:buNone/>
             </a:pPr>
             <a:r>
-              <a:rPr lang="it" sz="1400">
-                <a:latin typeface="Arial"/>
-                <a:ea typeface="Arial"/>
-                <a:cs typeface="Arial"/>
-                <a:sym typeface="Arial"/>
-              </a:rPr>
-              <a:t>Other students can access the notes paying a subscription fee 5$/ month.</a:t>
+              <a:rPr b="1" lang="it" sz="1800"/>
+              <a:t>Upload your notes and get paid</a:t>
             </a:r>
-            <a:endParaRPr sz="1400">
-              <a:latin typeface="Arial"/>
-              <a:ea typeface="Arial"/>
-              <a:cs typeface="Arial"/>
-              <a:sym typeface="Arial"/>
-            </a:endParaRPr>
+            <a:endParaRPr b="1" sz="1800"/>
+          </a:p>
+        </p:txBody>
+      </p:sp>
+      <p:sp>
+        <p:nvSpPr>
+          <p:cNvPr id="97" name="Google Shape;97;p18"/>
+          <p:cNvSpPr/>
+          <p:nvPr/>
+        </p:nvSpPr>
+        <p:spPr>
+          <a:xfrm>
+            <a:off x="377975" y="3055575"/>
+            <a:ext cx="3810900" cy="901500"/>
+          </a:xfrm>
+          <a:prstGeom prst="roundRect">
+            <a:avLst>
+              <a:gd fmla="val 16667" name="adj"/>
+            </a:avLst>
+          </a:prstGeom>
+          <a:solidFill>
+            <a:schemeClr val="lt2"/>
+          </a:solidFill>
+          <a:ln cap="flat" cmpd="sng" w="9525">
+            <a:solidFill>
+              <a:schemeClr val="dk2"/>
+            </a:solidFill>
+            <a:prstDash val="solid"/>
+            <a:round/>
+            <a:headEnd len="sm" w="sm" type="none"/>
+            <a:tailEnd len="sm" w="sm" type="none"/>
+          </a:ln>
+        </p:spPr>
+        <p:txBody>
+          <a:bodyPr anchorCtr="0" anchor="ctr" bIns="91425" lIns="91425" spcFirstLastPara="1" rIns="91425" wrap="square" tIns="91425">
+            <a:noAutofit/>
+          </a:bodyPr>
+          <a:lstStyle/>
+          <a:p>
+            <a:pPr indent="0" lvl="0" marL="0" rtl="0">
+              <a:spcBef>
+                <a:spcPts val="0"/>
+              </a:spcBef>
+              <a:spcAft>
+                <a:spcPts val="0"/>
+              </a:spcAft>
+              <a:buNone/>
+            </a:pPr>
+            <a:r>
+              <a:rPr b="1" lang="it" sz="1800"/>
+              <a:t>Access notes for 5$/ month</a:t>
+            </a:r>
+            <a:endParaRPr b="1" sz="1800"/>
+          </a:p>
+        </p:txBody>
+      </p:sp>
+      <p:sp>
+        <p:nvSpPr>
+          <p:cNvPr id="98" name="Google Shape;98;p18"/>
+          <p:cNvSpPr/>
+          <p:nvPr/>
+        </p:nvSpPr>
+        <p:spPr>
+          <a:xfrm>
+            <a:off x="4572000" y="1776375"/>
+            <a:ext cx="3810900" cy="901500"/>
+          </a:xfrm>
+          <a:prstGeom prst="roundRect">
+            <a:avLst>
+              <a:gd fmla="val 16667" name="adj"/>
+            </a:avLst>
+          </a:prstGeom>
+          <a:solidFill>
+            <a:schemeClr val="lt2"/>
+          </a:solidFill>
+          <a:ln cap="flat" cmpd="sng" w="9525">
+            <a:solidFill>
+              <a:schemeClr val="dk2"/>
+            </a:solidFill>
+            <a:prstDash val="solid"/>
+            <a:round/>
+            <a:headEnd len="sm" w="sm" type="none"/>
+            <a:tailEnd len="sm" w="sm" type="none"/>
+          </a:ln>
+        </p:spPr>
+        <p:txBody>
+          <a:bodyPr anchorCtr="0" anchor="ctr" bIns="91425" lIns="91425" spcFirstLastPara="1" rIns="91425" wrap="square" tIns="91425">
+            <a:noAutofit/>
+          </a:bodyPr>
+          <a:lstStyle/>
+          <a:p>
+            <a:pPr indent="0" lvl="0" marL="0" rtl="0">
+              <a:spcBef>
+                <a:spcPts val="0"/>
+              </a:spcBef>
+              <a:spcAft>
+                <a:spcPts val="0"/>
+              </a:spcAft>
+              <a:buNone/>
+            </a:pPr>
+            <a:r>
+              <a:rPr b="1" lang="it" sz="1800"/>
+              <a:t>Become a tutor and earn money </a:t>
+            </a:r>
+            <a:endParaRPr b="1" sz="1800"/>
+          </a:p>
+        </p:txBody>
+      </p:sp>
+      <p:sp>
+        <p:nvSpPr>
+          <p:cNvPr id="99" name="Google Shape;99;p18"/>
+          <p:cNvSpPr/>
+          <p:nvPr/>
+        </p:nvSpPr>
+        <p:spPr>
+          <a:xfrm>
+            <a:off x="4572000" y="3055575"/>
+            <a:ext cx="3810900" cy="901500"/>
+          </a:xfrm>
+          <a:prstGeom prst="roundRect">
+            <a:avLst>
+              <a:gd fmla="val 16667" name="adj"/>
+            </a:avLst>
+          </a:prstGeom>
+          <a:solidFill>
+            <a:schemeClr val="lt2"/>
+          </a:solidFill>
+          <a:ln cap="flat" cmpd="sng" w="9525">
+            <a:solidFill>
+              <a:schemeClr val="dk2"/>
+            </a:solidFill>
+            <a:prstDash val="solid"/>
+            <a:round/>
+            <a:headEnd len="sm" w="sm" type="none"/>
+            <a:tailEnd len="sm" w="sm" type="none"/>
+          </a:ln>
+        </p:spPr>
+        <p:txBody>
+          <a:bodyPr anchorCtr="0" anchor="ctr" bIns="91425" lIns="91425" spcFirstLastPara="1" rIns="91425" wrap="square" tIns="91425">
+            <a:noAutofit/>
+          </a:bodyPr>
+          <a:lstStyle/>
+          <a:p>
+            <a:pPr indent="0" lvl="0" marL="0" rtl="0">
+              <a:spcBef>
+                <a:spcPts val="0"/>
+              </a:spcBef>
+              <a:spcAft>
+                <a:spcPts val="0"/>
+              </a:spcAft>
+              <a:buNone/>
+            </a:pPr>
+            <a:r>
+              <a:rPr b="1" lang="it" sz="1800"/>
+              <a:t>Sell your used books</a:t>
+            </a:r>
+            <a:endParaRPr b="1" sz="1800"/>
           </a:p>
         </p:txBody>
       </p:sp>
       <p:pic>
         <p:nvPicPr>
-          <p:cNvPr id="106" name="Google Shape;106;p18"/>
+          <p:cNvPr id="100" name="Google Shape;100;p18"/>
           <p:cNvPicPr preferRelativeResize="0"/>
           <p:nvPr/>
         </p:nvPicPr>
@@ -10655,7 +9216,7 @@
   <p:cSld>
     <p:spTree>
       <p:nvGrpSpPr>
-        <p:cNvPr id="110" name="Shape 110"/>
+        <p:cNvPr id="104" name="Shape 104"/>
         <p:cNvGrpSpPr/>
         <p:nvPr/>
       </p:nvGrpSpPr>
@@ -10669,7 +9230,7 @@
       </p:grpSpPr>
       <p:sp>
         <p:nvSpPr>
-          <p:cNvPr id="111" name="Google Shape;111;p19"/>
+          <p:cNvPr id="105" name="Google Shape;105;p19"/>
           <p:cNvSpPr txBox="1"/>
           <p:nvPr>
             <p:ph type="title"/>
@@ -10677,8 +9238,8 @@
         </p:nvSpPr>
         <p:spPr>
           <a:xfrm>
-            <a:off x="471900" y="738725"/>
-            <a:ext cx="8222100" cy="767700"/>
+            <a:off x="324975" y="237425"/>
+            <a:ext cx="2808000" cy="755700"/>
           </a:xfrm>
           <a:prstGeom prst="rect">
             <a:avLst/>
@@ -10700,15 +9261,15 @@
               <a:buNone/>
             </a:pPr>
             <a:r>
-              <a:rPr b="1" lang="it">
+              <a:rPr b="1" lang="it" sz="3600">
                 <a:latin typeface="Times New Roman"/>
                 <a:ea typeface="Times New Roman"/>
                 <a:cs typeface="Times New Roman"/>
                 <a:sym typeface="Times New Roman"/>
               </a:rPr>
-              <a:t>Problems We Are Solving</a:t>
+              <a:t>Our product</a:t>
             </a:r>
-            <a:endParaRPr b="1">
+            <a:endParaRPr b="1" sz="3600">
               <a:latin typeface="Times New Roman"/>
               <a:ea typeface="Times New Roman"/>
               <a:cs typeface="Times New Roman"/>
@@ -10717,22 +9278,52 @@
           </a:p>
         </p:txBody>
       </p:sp>
+      <p:pic>
+        <p:nvPicPr>
+          <p:cNvPr id="106" name="Google Shape;106;p19"/>
+          <p:cNvPicPr preferRelativeResize="0"/>
+          <p:nvPr/>
+        </p:nvPicPr>
+        <p:blipFill>
+          <a:blip r:embed="rId3">
+            <a:alphaModFix/>
+          </a:blip>
+          <a:stretch>
+            <a:fillRect/>
+          </a:stretch>
+        </p:blipFill>
+        <p:spPr>
+          <a:xfrm>
+            <a:off x="5765100" y="237425"/>
+            <a:ext cx="2069475" cy="4457601"/>
+          </a:xfrm>
+          <a:prstGeom prst="rect">
+            <a:avLst/>
+          </a:prstGeom>
+          <a:noFill/>
+          <a:ln>
+            <a:noFill/>
+          </a:ln>
+        </p:spPr>
+      </p:pic>
       <p:sp>
         <p:nvSpPr>
-          <p:cNvPr id="112" name="Google Shape;112;p19"/>
+          <p:cNvPr id="107" name="Google Shape;107;p19"/>
           <p:cNvSpPr txBox="1"/>
-          <p:nvPr>
-            <p:ph idx="1" type="body"/>
-          </p:nvPr>
+          <p:nvPr/>
         </p:nvSpPr>
         <p:spPr>
           <a:xfrm>
-            <a:off x="318900" y="1848450"/>
-            <a:ext cx="8222100" cy="2710200"/>
+            <a:off x="397725" y="1085925"/>
+            <a:ext cx="3897300" cy="856200"/>
           </a:xfrm>
           <a:prstGeom prst="rect">
             <a:avLst/>
           </a:prstGeom>
+          <a:noFill/>
+          <a:ln>
+            <a:noFill/>
+          </a:ln>
         </p:spPr>
         <p:txBody>
           <a:bodyPr anchorCtr="0" anchor="t" bIns="91425" lIns="91425" spcFirstLastPara="1" rIns="91425" wrap="square" tIns="91425">
@@ -10740,175 +9331,239 @@
           </a:bodyPr>
           <a:lstStyle/>
           <a:p>
-            <a:pPr indent="-317500" lvl="0" marL="457200" rtl="0">
-              <a:spcBef>
-                <a:spcPts val="0"/>
-              </a:spcBef>
-              <a:spcAft>
-                <a:spcPts val="0"/>
-              </a:spcAft>
-              <a:buSzPts val="1400"/>
+            <a:pPr indent="0" lvl="0" marL="0" rtl="0">
+              <a:spcBef>
+                <a:spcPts val="0"/>
+              </a:spcBef>
+              <a:spcAft>
+                <a:spcPts val="0"/>
+              </a:spcAft>
+              <a:buClr>
+                <a:schemeClr val="dk1"/>
+              </a:buClr>
+              <a:buSzPts val="1100"/>
               <a:buFont typeface="Arial"/>
-              <a:buChar char="●"/>
+              <a:buNone/>
             </a:pPr>
             <a:r>
-              <a:rPr lang="it" sz="1400">
-                <a:latin typeface="Arial"/>
-                <a:ea typeface="Arial"/>
-                <a:cs typeface="Arial"/>
-                <a:sym typeface="Arial"/>
+              <a:rPr b="1" lang="it" sz="2400">
+                <a:latin typeface="Times New Roman"/>
+                <a:ea typeface="Times New Roman"/>
+                <a:cs typeface="Times New Roman"/>
+                <a:sym typeface="Times New Roman"/>
               </a:rPr>
-              <a:t>Students can make money and ease the need for long hours at side jobs that are needed today to pay for </a:t>
+              <a:t>Mobile application:</a:t>
             </a:r>
-            <a:r>
-              <a:rPr lang="it" sz="1400">
-                <a:latin typeface="Arial"/>
-                <a:ea typeface="Arial"/>
-                <a:cs typeface="Arial"/>
-                <a:sym typeface="Arial"/>
-              </a:rPr>
-              <a:t>tuition</a:t>
-            </a:r>
-            <a:r>
-              <a:rPr lang="it" sz="1400">
-                <a:latin typeface="Arial"/>
-                <a:ea typeface="Arial"/>
-                <a:cs typeface="Arial"/>
-                <a:sym typeface="Arial"/>
-              </a:rPr>
-              <a:t>. </a:t>
-            </a:r>
-            <a:endParaRPr sz="1400">
-              <a:latin typeface="Arial"/>
-              <a:ea typeface="Arial"/>
-              <a:cs typeface="Arial"/>
-              <a:sym typeface="Arial"/>
+            <a:endParaRPr b="1" sz="2400">
+              <a:latin typeface="Times New Roman"/>
+              <a:ea typeface="Times New Roman"/>
+              <a:cs typeface="Times New Roman"/>
+              <a:sym typeface="Times New Roman"/>
             </a:endParaRPr>
           </a:p>
           <a:p>
-            <a:pPr indent="0" lvl="0" marL="457200" rtl="0">
-              <a:spcBef>
-                <a:spcPts val="1600"/>
-              </a:spcBef>
-              <a:spcAft>
-                <a:spcPts val="0"/>
-              </a:spcAft>
+            <a:pPr indent="0" lvl="0" marL="0" rtl="0">
+              <a:spcBef>
+                <a:spcPts val="0"/>
+              </a:spcBef>
+              <a:spcAft>
+                <a:spcPts val="0"/>
+              </a:spcAft>
+              <a:buClr>
+                <a:schemeClr val="dk1"/>
+              </a:buClr>
+              <a:buSzPts val="1100"/>
+              <a:buFont typeface="Arial"/>
               <a:buNone/>
             </a:pPr>
             <a:r>
               <a:t/>
             </a:r>
-            <a:endParaRPr sz="1400">
-              <a:latin typeface="Arial"/>
-              <a:ea typeface="Arial"/>
-              <a:cs typeface="Arial"/>
-              <a:sym typeface="Arial"/>
-            </a:endParaRPr>
+            <a:endParaRPr/>
           </a:p>
           <a:p>
-            <a:pPr indent="-317500" lvl="0" marL="457200" rtl="0">
-              <a:spcBef>
-                <a:spcPts val="1600"/>
-              </a:spcBef>
-              <a:spcAft>
-                <a:spcPts val="0"/>
-              </a:spcAft>
-              <a:buSzPts val="1400"/>
+            <a:pPr indent="0" lvl="0" marL="0" rtl="0">
+              <a:spcBef>
+                <a:spcPts val="0"/>
+              </a:spcBef>
+              <a:spcAft>
+                <a:spcPts val="0"/>
+              </a:spcAft>
+              <a:buClr>
+                <a:schemeClr val="dk1"/>
+              </a:buClr>
+              <a:buSzPts val="1100"/>
               <a:buFont typeface="Arial"/>
-              <a:buChar char="●"/>
+              <a:buNone/>
             </a:pPr>
             <a:r>
-              <a:rPr lang="it" sz="1400">
-                <a:latin typeface="Arial"/>
-                <a:ea typeface="Arial"/>
-                <a:cs typeface="Arial"/>
-                <a:sym typeface="Arial"/>
-              </a:rPr>
-              <a:t>Students can find suitable studying material for an affordable price.</a:t>
+              <a:rPr b="1" lang="it"/>
+              <a:t>Fast way to view the notes.</a:t>
             </a:r>
-            <a:endParaRPr sz="1400">
-              <a:latin typeface="Arial"/>
-              <a:ea typeface="Arial"/>
-              <a:cs typeface="Arial"/>
-              <a:sym typeface="Arial"/>
-            </a:endParaRPr>
+            <a:endParaRPr b="1"/>
           </a:p>
           <a:p>
-            <a:pPr indent="0" lvl="0" marL="457200" rtl="0">
-              <a:spcBef>
-                <a:spcPts val="1600"/>
-              </a:spcBef>
-              <a:spcAft>
-                <a:spcPts val="0"/>
-              </a:spcAft>
+            <a:pPr indent="0" lvl="0" marL="0" rtl="0">
+              <a:spcBef>
+                <a:spcPts val="0"/>
+              </a:spcBef>
+              <a:spcAft>
+                <a:spcPts val="0"/>
+              </a:spcAft>
+              <a:buClr>
+                <a:schemeClr val="dk1"/>
+              </a:buClr>
+              <a:buSzPts val="1100"/>
+              <a:buFont typeface="Arial"/>
               <a:buNone/>
             </a:pPr>
             <a:r>
               <a:t/>
             </a:r>
-            <a:endParaRPr sz="1400">
-              <a:latin typeface="Arial"/>
-              <a:ea typeface="Arial"/>
-              <a:cs typeface="Arial"/>
-              <a:sym typeface="Arial"/>
+            <a:endParaRPr/>
+          </a:p>
+          <a:p>
+            <a:pPr indent="0" lvl="0" marL="0" rtl="0">
+              <a:spcBef>
+                <a:spcPts val="0"/>
+              </a:spcBef>
+              <a:spcAft>
+                <a:spcPts val="0"/>
+              </a:spcAft>
+              <a:buClr>
+                <a:schemeClr val="dk1"/>
+              </a:buClr>
+              <a:buSzPts val="1100"/>
+              <a:buFont typeface="Arial"/>
+              <a:buNone/>
+            </a:pPr>
+            <a:r>
+              <a:t/>
+            </a:r>
+            <a:endParaRPr/>
+          </a:p>
+          <a:p>
+            <a:pPr indent="0" lvl="0" marL="0" rtl="0">
+              <a:spcBef>
+                <a:spcPts val="0"/>
+              </a:spcBef>
+              <a:spcAft>
+                <a:spcPts val="0"/>
+              </a:spcAft>
+              <a:buClr>
+                <a:schemeClr val="dk1"/>
+              </a:buClr>
+              <a:buSzPts val="1100"/>
+              <a:buFont typeface="Arial"/>
+              <a:buNone/>
+            </a:pPr>
+            <a:r>
+              <a:t/>
+            </a:r>
+            <a:endParaRPr/>
+          </a:p>
+          <a:p>
+            <a:pPr indent="0" lvl="0" marL="0" rtl="0">
+              <a:spcBef>
+                <a:spcPts val="0"/>
+              </a:spcBef>
+              <a:spcAft>
+                <a:spcPts val="0"/>
+              </a:spcAft>
+              <a:buClr>
+                <a:schemeClr val="dk1"/>
+              </a:buClr>
+              <a:buSzPts val="1100"/>
+              <a:buFont typeface="Arial"/>
+              <a:buNone/>
+            </a:pPr>
+            <a:r>
+              <a:t/>
+            </a:r>
+            <a:endParaRPr/>
+          </a:p>
+          <a:p>
+            <a:pPr indent="0" lvl="0" marL="0" rtl="0">
+              <a:spcBef>
+                <a:spcPts val="0"/>
+              </a:spcBef>
+              <a:spcAft>
+                <a:spcPts val="0"/>
+              </a:spcAft>
+              <a:buClr>
+                <a:schemeClr val="dk1"/>
+              </a:buClr>
+              <a:buSzPts val="1100"/>
+              <a:buFont typeface="Arial"/>
+              <a:buNone/>
+            </a:pPr>
+            <a:r>
+              <a:rPr b="1" lang="it" sz="2400">
+                <a:latin typeface="Times New Roman"/>
+                <a:ea typeface="Times New Roman"/>
+                <a:cs typeface="Times New Roman"/>
+                <a:sym typeface="Times New Roman"/>
+              </a:rPr>
+              <a:t>Web application:</a:t>
+            </a:r>
+            <a:endParaRPr b="1" sz="2400">
+              <a:latin typeface="Times New Roman"/>
+              <a:ea typeface="Times New Roman"/>
+              <a:cs typeface="Times New Roman"/>
+              <a:sym typeface="Times New Roman"/>
             </a:endParaRPr>
           </a:p>
           <a:p>
-            <a:pPr indent="-317500" lvl="0" marL="457200">
-              <a:spcBef>
-                <a:spcPts val="1600"/>
-              </a:spcBef>
-              <a:spcAft>
-                <a:spcPts val="0"/>
-              </a:spcAft>
-              <a:buSzPts val="1400"/>
+            <a:pPr indent="0" lvl="0" marL="0" rtl="0">
+              <a:spcBef>
+                <a:spcPts val="0"/>
+              </a:spcBef>
+              <a:spcAft>
+                <a:spcPts val="0"/>
+              </a:spcAft>
+              <a:buClr>
+                <a:schemeClr val="dk1"/>
+              </a:buClr>
+              <a:buSzPts val="1100"/>
               <a:buFont typeface="Arial"/>
-              <a:buChar char="●"/>
+              <a:buNone/>
             </a:pPr>
             <a:r>
-              <a:rPr lang="it" sz="1400">
-                <a:latin typeface="Arial"/>
-                <a:ea typeface="Arial"/>
-                <a:cs typeface="Arial"/>
-                <a:sym typeface="Arial"/>
-              </a:rPr>
-              <a:t>Tutors can also be more </a:t>
+              <a:t/>
             </a:r>
+            <a:endParaRPr b="1" sz="1800"/>
+          </a:p>
+          <a:p>
+            <a:pPr indent="0" lvl="0" marL="0" rtl="0">
+              <a:spcBef>
+                <a:spcPts val="0"/>
+              </a:spcBef>
+              <a:spcAft>
+                <a:spcPts val="0"/>
+              </a:spcAft>
+              <a:buClr>
+                <a:schemeClr val="dk1"/>
+              </a:buClr>
+              <a:buSzPts val="1100"/>
+              <a:buFont typeface="Arial"/>
+              <a:buNone/>
+            </a:pPr>
             <a:r>
-              <a:rPr lang="it" sz="1400">
-                <a:latin typeface="Arial"/>
-                <a:ea typeface="Arial"/>
-                <a:cs typeface="Arial"/>
-                <a:sym typeface="Arial"/>
-              </a:rPr>
-              <a:t>affordable</a:t>
+              <a:rPr b="1" lang="it"/>
+              <a:t>Upload and download notes.</a:t>
             </a:r>
-            <a:r>
-              <a:rPr lang="it" sz="1400">
-                <a:latin typeface="Arial"/>
-                <a:ea typeface="Arial"/>
-                <a:cs typeface="Arial"/>
-                <a:sym typeface="Arial"/>
-              </a:rPr>
-              <a:t>.  </a:t>
-            </a:r>
-            <a:endParaRPr sz="1400">
-              <a:latin typeface="Arial"/>
-              <a:ea typeface="Arial"/>
-              <a:cs typeface="Arial"/>
-              <a:sym typeface="Arial"/>
-            </a:endParaRPr>
+            <a:endParaRPr/>
           </a:p>
         </p:txBody>
       </p:sp>
       <p:pic>
         <p:nvPicPr>
-          <p:cNvPr id="113" name="Google Shape;113;p19"/>
+          <p:cNvPr id="108" name="Google Shape;108;p19"/>
           <p:cNvPicPr preferRelativeResize="0"/>
           <p:nvPr/>
         </p:nvPicPr>
         <p:blipFill>
-          <a:blip r:embed="rId3">
+          <a:blip r:embed="rId4">
             <a:alphaModFix/>
           </a:blip>
           <a:stretch>
@@ -10942,7 +9597,7 @@
   <p:cSld>
     <p:spTree>
       <p:nvGrpSpPr>
-        <p:cNvPr id="117" name="Shape 117"/>
+        <p:cNvPr id="112" name="Shape 112"/>
         <p:cNvGrpSpPr/>
         <p:nvPr/>
       </p:nvGrpSpPr>
@@ -10956,7 +9611,7 @@
       </p:grpSpPr>
       <p:sp>
         <p:nvSpPr>
-          <p:cNvPr id="118" name="Google Shape;118;p20"/>
+          <p:cNvPr id="113" name="Google Shape;113;p20"/>
           <p:cNvSpPr txBox="1"/>
           <p:nvPr>
             <p:ph type="title"/>
@@ -10964,15 +9619,15 @@
         </p:nvSpPr>
         <p:spPr>
           <a:xfrm>
-            <a:off x="226075" y="229850"/>
-            <a:ext cx="2808000" cy="534900"/>
+            <a:off x="311700" y="445025"/>
+            <a:ext cx="8520600" cy="572700"/>
           </a:xfrm>
           <a:prstGeom prst="rect">
             <a:avLst/>
           </a:prstGeom>
         </p:spPr>
         <p:txBody>
-          <a:bodyPr anchorCtr="0" anchor="b" bIns="91425" lIns="91425" spcFirstLastPara="1" rIns="91425" wrap="square" tIns="91425">
+          <a:bodyPr anchorCtr="0" anchor="t" bIns="91425" lIns="91425" spcFirstLastPara="1" rIns="91425" wrap="square" tIns="91425">
             <a:noAutofit/>
           </a:bodyPr>
           <a:lstStyle/>
@@ -10987,15 +9642,15 @@
               <a:buNone/>
             </a:pPr>
             <a:r>
-              <a:rPr b="1" lang="it" sz="3000">
+              <a:rPr b="1" lang="it" sz="3600">
                 <a:latin typeface="Times New Roman"/>
                 <a:ea typeface="Times New Roman"/>
                 <a:cs typeface="Times New Roman"/>
                 <a:sym typeface="Times New Roman"/>
               </a:rPr>
-              <a:t>Our Products</a:t>
+              <a:t>Notes quality benchmark</a:t>
             </a:r>
-            <a:endParaRPr b="1" sz="3000">
+            <a:endParaRPr b="1" sz="3600">
               <a:latin typeface="Times New Roman"/>
               <a:ea typeface="Times New Roman"/>
               <a:cs typeface="Times New Roman"/>
@@ -11006,7 +9661,7 @@
       </p:sp>
       <p:sp>
         <p:nvSpPr>
-          <p:cNvPr id="119" name="Google Shape;119;p20"/>
+          <p:cNvPr id="114" name="Google Shape;114;p20"/>
           <p:cNvSpPr txBox="1"/>
           <p:nvPr>
             <p:ph idx="1" type="body"/>
@@ -11014,8 +9669,8 @@
         </p:nvSpPr>
         <p:spPr>
           <a:xfrm>
-            <a:off x="226075" y="1465800"/>
-            <a:ext cx="2808000" cy="3163500"/>
+            <a:off x="311700" y="1152475"/>
+            <a:ext cx="8520600" cy="3416400"/>
           </a:xfrm>
           <a:prstGeom prst="rect">
             <a:avLst/>
@@ -11027,69 +9682,28 @@
           </a:bodyPr>
           <a:lstStyle/>
           <a:p>
-            <a:pPr indent="0" lvl="0" marL="0">
-              <a:spcBef>
-                <a:spcPts val="0"/>
-              </a:spcBef>
-              <a:spcAft>
-                <a:spcPts val="1600"/>
+            <a:pPr indent="0" lvl="0" marL="0" rtl="0">
+              <a:spcBef>
+                <a:spcPts val="0"/>
+              </a:spcBef>
+              <a:spcAft>
+                <a:spcPts val="0"/>
               </a:spcAft>
               <a:buNone/>
             </a:pPr>
             <a:r>
               <a:t/>
             </a:r>
-            <a:endParaRPr/>
-          </a:p>
-        </p:txBody>
-      </p:sp>
-      <p:sp>
-        <p:nvSpPr>
-          <p:cNvPr id="120" name="Google Shape;120;p20"/>
-          <p:cNvSpPr txBox="1"/>
-          <p:nvPr/>
-        </p:nvSpPr>
-        <p:spPr>
-          <a:xfrm>
-            <a:off x="3304475" y="229850"/>
-            <a:ext cx="5772900" cy="4247700"/>
-          </a:xfrm>
-          <a:prstGeom prst="rect">
-            <a:avLst/>
-          </a:prstGeom>
-          <a:noFill/>
-          <a:ln>
-            <a:noFill/>
-          </a:ln>
-        </p:spPr>
-        <p:txBody>
-          <a:bodyPr anchorCtr="0" anchor="ctr" bIns="91425" lIns="91425" spcFirstLastPara="1" rIns="91425" wrap="square" tIns="91425">
-            <a:noAutofit/>
-          </a:bodyPr>
-          <a:lstStyle/>
-          <a:p>
-            <a:pPr indent="0" lvl="0" marL="0" rtl="0">
-              <a:spcBef>
-                <a:spcPts val="0"/>
-              </a:spcBef>
-              <a:spcAft>
-                <a:spcPts val="0"/>
-              </a:spcAft>
-              <a:buNone/>
-            </a:pPr>
-            <a:r>
-              <a:t/>
-            </a:r>
-            <a:endParaRPr b="1" sz="1800">
+            <a:endParaRPr sz="1400">
               <a:solidFill>
-                <a:schemeClr val="lt2"/>
+                <a:srgbClr val="737373"/>
               </a:solidFill>
             </a:endParaRPr>
           </a:p>
           <a:p>
             <a:pPr indent="0" lvl="0" marL="0" rtl="0">
               <a:spcBef>
-                <a:spcPts val="0"/>
+                <a:spcPts val="1600"/>
               </a:spcBef>
               <a:spcAft>
                 <a:spcPts val="0"/>
@@ -11097,206 +9711,34 @@
               <a:buNone/>
             </a:pPr>
             <a:r>
-              <a:rPr b="1" lang="it" sz="1800">
-                <a:solidFill>
-                  <a:schemeClr val="lt2"/>
-                </a:solidFill>
-              </a:rPr>
-              <a:t>Mobile application:</a:t>
+              <a:t/>
             </a:r>
-            <a:endParaRPr b="1" sz="1800">
+            <a:endParaRPr b="1" sz="1400">
               <a:solidFill>
-                <a:schemeClr val="lt2"/>
+                <a:srgbClr val="737373"/>
               </a:solidFill>
             </a:endParaRPr>
           </a:p>
           <a:p>
             <a:pPr indent="0" lvl="0" marL="0" rtl="0">
               <a:spcBef>
-                <a:spcPts val="0"/>
-              </a:spcBef>
-              <a:spcAft>
-                <a:spcPts val="0"/>
+                <a:spcPts val="1600"/>
+              </a:spcBef>
+              <a:spcAft>
+                <a:spcPts val="1600"/>
               </a:spcAft>
               <a:buNone/>
             </a:pPr>
             <a:r>
               <a:t/>
             </a:r>
-            <a:endParaRPr>
-              <a:solidFill>
-                <a:schemeClr val="lt2"/>
-              </a:solidFill>
-            </a:endParaRPr>
-          </a:p>
-          <a:p>
-            <a:pPr indent="0" lvl="0" marL="0" rtl="0">
-              <a:spcBef>
-                <a:spcPts val="0"/>
-              </a:spcBef>
-              <a:spcAft>
-                <a:spcPts val="0"/>
-              </a:spcAft>
-              <a:buNone/>
-            </a:pPr>
-            <a:r>
-              <a:rPr lang="it">
-                <a:solidFill>
-                  <a:schemeClr val="lt2"/>
-                </a:solidFill>
-              </a:rPr>
-              <a:t>Will be used by students to download files. Easiest way to access and download documents.</a:t>
-            </a:r>
-            <a:endParaRPr>
-              <a:solidFill>
-                <a:schemeClr val="lt2"/>
-              </a:solidFill>
-            </a:endParaRPr>
-          </a:p>
-          <a:p>
-            <a:pPr indent="0" lvl="0" marL="0" rtl="0">
-              <a:spcBef>
-                <a:spcPts val="0"/>
-              </a:spcBef>
-              <a:spcAft>
-                <a:spcPts val="0"/>
-              </a:spcAft>
-              <a:buNone/>
-            </a:pPr>
-            <a:r>
-              <a:t/>
-            </a:r>
-            <a:endParaRPr>
-              <a:solidFill>
-                <a:schemeClr val="lt2"/>
-              </a:solidFill>
-            </a:endParaRPr>
-          </a:p>
-          <a:p>
-            <a:pPr indent="0" lvl="0" marL="0" rtl="0">
-              <a:spcBef>
-                <a:spcPts val="0"/>
-              </a:spcBef>
-              <a:spcAft>
-                <a:spcPts val="0"/>
-              </a:spcAft>
-              <a:buNone/>
-            </a:pPr>
-            <a:r>
-              <a:t/>
-            </a:r>
-            <a:endParaRPr>
-              <a:solidFill>
-                <a:schemeClr val="lt2"/>
-              </a:solidFill>
-            </a:endParaRPr>
-          </a:p>
-          <a:p>
-            <a:pPr indent="0" lvl="0" marL="0" rtl="0">
-              <a:spcBef>
-                <a:spcPts val="0"/>
-              </a:spcBef>
-              <a:spcAft>
-                <a:spcPts val="0"/>
-              </a:spcAft>
-              <a:buNone/>
-            </a:pPr>
-            <a:r>
-              <a:t/>
-            </a:r>
-            <a:endParaRPr>
-              <a:solidFill>
-                <a:schemeClr val="lt2"/>
-              </a:solidFill>
-            </a:endParaRPr>
-          </a:p>
-          <a:p>
-            <a:pPr indent="0" lvl="0" marL="0" rtl="0">
-              <a:spcBef>
-                <a:spcPts val="0"/>
-              </a:spcBef>
-              <a:spcAft>
-                <a:spcPts val="0"/>
-              </a:spcAft>
-              <a:buNone/>
-            </a:pPr>
-            <a:r>
-              <a:t/>
-            </a:r>
-            <a:endParaRPr sz="1800">
-              <a:solidFill>
-                <a:schemeClr val="lt2"/>
-              </a:solidFill>
-            </a:endParaRPr>
-          </a:p>
-          <a:p>
-            <a:pPr indent="0" lvl="0" marL="0" rtl="0">
-              <a:spcBef>
-                <a:spcPts val="0"/>
-              </a:spcBef>
-              <a:spcAft>
-                <a:spcPts val="0"/>
-              </a:spcAft>
-              <a:buNone/>
-            </a:pPr>
-            <a:r>
-              <a:rPr b="1" lang="it" sz="1800">
-                <a:solidFill>
-                  <a:schemeClr val="lt2"/>
-                </a:solidFill>
-              </a:rPr>
-              <a:t>Web application:</a:t>
-            </a:r>
-            <a:endParaRPr b="1" sz="1800">
-              <a:solidFill>
-                <a:schemeClr val="lt2"/>
-              </a:solidFill>
-            </a:endParaRPr>
-          </a:p>
-          <a:p>
-            <a:pPr indent="0" lvl="0" marL="0" rtl="0">
-              <a:spcBef>
-                <a:spcPts val="0"/>
-              </a:spcBef>
-              <a:spcAft>
-                <a:spcPts val="0"/>
-              </a:spcAft>
-              <a:buNone/>
-            </a:pPr>
-            <a:r>
-              <a:t/>
-            </a:r>
-            <a:endParaRPr>
-              <a:solidFill>
-                <a:schemeClr val="lt2"/>
-              </a:solidFill>
-            </a:endParaRPr>
-          </a:p>
-          <a:p>
-            <a:pPr indent="0" lvl="0" marL="0" rtl="0">
-              <a:spcBef>
-                <a:spcPts val="0"/>
-              </a:spcBef>
-              <a:spcAft>
-                <a:spcPts val="0"/>
-              </a:spcAft>
-              <a:buNone/>
-            </a:pPr>
-            <a:r>
-              <a:rPr lang="it">
-                <a:solidFill>
-                  <a:schemeClr val="lt2"/>
-                </a:solidFill>
-              </a:rPr>
-              <a:t>Used for all case scenarios: Students uploading and downloading </a:t>
-            </a:r>
-            <a:endParaRPr/>
+            <a:endParaRPr b="1"/>
           </a:p>
         </p:txBody>
       </p:sp>
       <p:pic>
         <p:nvPicPr>
-          <p:cNvPr id="121" name="Google Shape;121;p20"/>
+          <p:cNvPr id="115" name="Google Shape;115;p20"/>
           <p:cNvPicPr preferRelativeResize="0"/>
           <p:nvPr/>
         </p:nvPicPr>
@@ -11310,8 +9752,8 @@
         </p:blipFill>
         <p:spPr>
           <a:xfrm>
-            <a:off x="773498" y="1092250"/>
-            <a:ext cx="1713150" cy="3690077"/>
+            <a:off x="2464225" y="2916850"/>
+            <a:ext cx="4215549" cy="1652024"/>
           </a:xfrm>
           <a:prstGeom prst="rect">
             <a:avLst/>
@@ -11322,9 +9764,257 @@
           </a:ln>
         </p:spPr>
       </p:pic>
+      <p:sp>
+        <p:nvSpPr>
+          <p:cNvPr id="116" name="Google Shape;116;p20"/>
+          <p:cNvSpPr/>
+          <p:nvPr/>
+        </p:nvSpPr>
+        <p:spPr>
+          <a:xfrm>
+            <a:off x="470750" y="2425075"/>
+            <a:ext cx="6429300" cy="572700"/>
+          </a:xfrm>
+          <a:prstGeom prst="roundRect">
+            <a:avLst>
+              <a:gd fmla="val 16667" name="adj"/>
+            </a:avLst>
+          </a:prstGeom>
+          <a:solidFill>
+            <a:srgbClr val="F4CCCC"/>
+          </a:solidFill>
+          <a:ln cap="flat" cmpd="sng" w="9525">
+            <a:solidFill>
+              <a:schemeClr val="dk2"/>
+            </a:solidFill>
+            <a:prstDash val="solid"/>
+            <a:round/>
+            <a:headEnd len="sm" w="sm" type="none"/>
+            <a:tailEnd len="sm" w="sm" type="none"/>
+          </a:ln>
+        </p:spPr>
+        <p:txBody>
+          <a:bodyPr anchorCtr="0" anchor="ctr" bIns="91425" lIns="91425" spcFirstLastPara="1" rIns="91425" wrap="square" tIns="91425">
+            <a:noAutofit/>
+          </a:bodyPr>
+          <a:lstStyle/>
+          <a:p>
+            <a:pPr indent="0" lvl="0" marL="0" rtl="0">
+              <a:lnSpc>
+                <a:spcPct val="115000"/>
+              </a:lnSpc>
+              <a:spcBef>
+                <a:spcPts val="0"/>
+              </a:spcBef>
+              <a:spcAft>
+                <a:spcPts val="0"/>
+              </a:spcAft>
+              <a:buNone/>
+            </a:pPr>
+            <a:r>
+              <a:t/>
+            </a:r>
+            <a:endParaRPr b="1">
+              <a:solidFill>
+                <a:srgbClr val="737373"/>
+              </a:solidFill>
+            </a:endParaRPr>
+          </a:p>
+          <a:p>
+            <a:pPr indent="0" lvl="0" marL="0" rtl="0">
+              <a:lnSpc>
+                <a:spcPct val="115000"/>
+              </a:lnSpc>
+              <a:spcBef>
+                <a:spcPts val="1600"/>
+              </a:spcBef>
+              <a:spcAft>
+                <a:spcPts val="0"/>
+              </a:spcAft>
+              <a:buNone/>
+            </a:pPr>
+            <a:r>
+              <a:t/>
+            </a:r>
+            <a:endParaRPr b="1" sz="1800">
+              <a:solidFill>
+                <a:srgbClr val="737373"/>
+              </a:solidFill>
+            </a:endParaRPr>
+          </a:p>
+          <a:p>
+            <a:pPr indent="0" lvl="0" marL="0" rtl="0">
+              <a:lnSpc>
+                <a:spcPct val="115000"/>
+              </a:lnSpc>
+              <a:spcBef>
+                <a:spcPts val="1600"/>
+              </a:spcBef>
+              <a:spcAft>
+                <a:spcPts val="0"/>
+              </a:spcAft>
+              <a:buNone/>
+            </a:pPr>
+            <a:r>
+              <a:rPr lang="it" sz="1800"/>
+              <a:t>Notes lower than 4 stars would not meeting our benchmark. </a:t>
+            </a:r>
+            <a:endParaRPr sz="1800"/>
+          </a:p>
+          <a:p>
+            <a:pPr indent="0" lvl="0" marL="0" rtl="0">
+              <a:lnSpc>
+                <a:spcPct val="115000"/>
+              </a:lnSpc>
+              <a:spcBef>
+                <a:spcPts val="1600"/>
+              </a:spcBef>
+              <a:spcAft>
+                <a:spcPts val="0"/>
+              </a:spcAft>
+              <a:buClr>
+                <a:schemeClr val="dk1"/>
+              </a:buClr>
+              <a:buSzPts val="1100"/>
+              <a:buFont typeface="Arial"/>
+              <a:buNone/>
+            </a:pPr>
+            <a:r>
+              <a:t/>
+            </a:r>
+            <a:endParaRPr b="1">
+              <a:solidFill>
+                <a:srgbClr val="737373"/>
+              </a:solidFill>
+            </a:endParaRPr>
+          </a:p>
+          <a:p>
+            <a:pPr indent="0" lvl="0" marL="0">
+              <a:spcBef>
+                <a:spcPts val="1600"/>
+              </a:spcBef>
+              <a:spcAft>
+                <a:spcPts val="0"/>
+              </a:spcAft>
+              <a:buNone/>
+            </a:pPr>
+            <a:r>
+              <a:t/>
+            </a:r>
+            <a:endParaRPr/>
+          </a:p>
+        </p:txBody>
+      </p:sp>
+      <p:sp>
+        <p:nvSpPr>
+          <p:cNvPr id="117" name="Google Shape;117;p20"/>
+          <p:cNvSpPr txBox="1"/>
+          <p:nvPr/>
+        </p:nvSpPr>
+        <p:spPr>
+          <a:xfrm>
+            <a:off x="344675" y="1034000"/>
+            <a:ext cx="6429300" cy="291600"/>
+          </a:xfrm>
+          <a:prstGeom prst="rect">
+            <a:avLst/>
+          </a:prstGeom>
+          <a:noFill/>
+          <a:ln>
+            <a:noFill/>
+          </a:ln>
+        </p:spPr>
+        <p:txBody>
+          <a:bodyPr anchorCtr="0" anchor="t" bIns="91425" lIns="91425" spcFirstLastPara="1" rIns="91425" wrap="square" tIns="91425">
+            <a:noAutofit/>
+          </a:bodyPr>
+          <a:lstStyle/>
+          <a:p>
+            <a:pPr indent="0" lvl="0" marL="0" rtl="0">
+              <a:lnSpc>
+                <a:spcPct val="115000"/>
+              </a:lnSpc>
+              <a:spcBef>
+                <a:spcPts val="0"/>
+              </a:spcBef>
+              <a:spcAft>
+                <a:spcPts val="1600"/>
+              </a:spcAft>
+              <a:buClr>
+                <a:schemeClr val="dk1"/>
+              </a:buClr>
+              <a:buSzPts val="1100"/>
+              <a:buFont typeface="Arial"/>
+              <a:buNone/>
+            </a:pPr>
+            <a:r>
+              <a:rPr b="1" lang="it"/>
+              <a:t>The notes that are uploaded have to follow a certain standard.</a:t>
+            </a:r>
+            <a:endParaRPr/>
+          </a:p>
+        </p:txBody>
+      </p:sp>
+      <p:sp>
+        <p:nvSpPr>
+          <p:cNvPr id="118" name="Google Shape;118;p20"/>
+          <p:cNvSpPr/>
+          <p:nvPr/>
+        </p:nvSpPr>
+        <p:spPr>
+          <a:xfrm>
+            <a:off x="470750" y="1669400"/>
+            <a:ext cx="4101300" cy="572700"/>
+          </a:xfrm>
+          <a:prstGeom prst="roundRect">
+            <a:avLst>
+              <a:gd fmla="val 16667" name="adj"/>
+            </a:avLst>
+          </a:prstGeom>
+          <a:solidFill>
+            <a:schemeClr val="lt2"/>
+          </a:solidFill>
+          <a:ln cap="flat" cmpd="sng" w="9525">
+            <a:solidFill>
+              <a:schemeClr val="dk2"/>
+            </a:solidFill>
+            <a:prstDash val="solid"/>
+            <a:round/>
+            <a:headEnd len="sm" w="sm" type="none"/>
+            <a:tailEnd len="sm" w="sm" type="none"/>
+          </a:ln>
+        </p:spPr>
+        <p:txBody>
+          <a:bodyPr anchorCtr="0" anchor="ctr" bIns="91425" lIns="91425" spcFirstLastPara="1" rIns="91425" wrap="square" tIns="91425">
+            <a:noAutofit/>
+          </a:bodyPr>
+          <a:lstStyle/>
+          <a:p>
+            <a:pPr indent="0" lvl="0" marL="0" rtl="0">
+              <a:spcBef>
+                <a:spcPts val="0"/>
+              </a:spcBef>
+              <a:spcAft>
+                <a:spcPts val="0"/>
+              </a:spcAft>
+              <a:buClr>
+                <a:srgbClr val="000000"/>
+              </a:buClr>
+              <a:buSzPts val="1100"/>
+              <a:buFont typeface="Arial"/>
+              <a:buNone/>
+            </a:pPr>
+            <a:r>
+              <a:rPr lang="it" sz="1800"/>
+              <a:t>Users can votes for the notes quality</a:t>
+            </a:r>
+            <a:endParaRPr sz="1800"/>
+          </a:p>
+        </p:txBody>
+      </p:sp>
       <p:pic>
         <p:nvPicPr>
-          <p:cNvPr id="122" name="Google Shape;122;p20"/>
+          <p:cNvPr id="119" name="Google Shape;119;p20"/>
           <p:cNvPicPr preferRelativeResize="0"/>
           <p:nvPr/>
         </p:nvPicPr>
@@ -11363,7 +10053,7 @@
   <p:cSld>
     <p:spTree>
       <p:nvGrpSpPr>
-        <p:cNvPr id="126" name="Shape 126"/>
+        <p:cNvPr id="123" name="Shape 123"/>
         <p:cNvGrpSpPr/>
         <p:nvPr/>
       </p:nvGrpSpPr>
@@ -11377,7 +10067,7 @@
       </p:grpSpPr>
       <p:sp>
         <p:nvSpPr>
-          <p:cNvPr id="127" name="Google Shape;127;p21"/>
+          <p:cNvPr id="124" name="Google Shape;124;p21"/>
           <p:cNvSpPr txBox="1"/>
           <p:nvPr>
             <p:ph type="title"/>
@@ -11385,15 +10075,15 @@
         </p:nvSpPr>
         <p:spPr>
           <a:xfrm>
-            <a:off x="471900" y="738725"/>
-            <a:ext cx="8222100" cy="767700"/>
+            <a:off x="311700" y="445025"/>
+            <a:ext cx="8520600" cy="572700"/>
           </a:xfrm>
           <a:prstGeom prst="rect">
             <a:avLst/>
           </a:prstGeom>
         </p:spPr>
         <p:txBody>
-          <a:bodyPr anchorCtr="0" anchor="b" bIns="91425" lIns="91425" spcFirstLastPara="1" rIns="91425" wrap="square" tIns="91425">
+          <a:bodyPr anchorCtr="0" anchor="t" bIns="91425" lIns="91425" spcFirstLastPara="1" rIns="91425" wrap="square" tIns="91425">
             <a:noAutofit/>
           </a:bodyPr>
           <a:lstStyle/>
@@ -11405,18 +10095,23 @@
               <a:spcAft>
                 <a:spcPts val="0"/>
               </a:spcAft>
+              <a:buClr>
+                <a:srgbClr val="000000"/>
+              </a:buClr>
+              <a:buSzPts val="1100"/>
+              <a:buFont typeface="Arial"/>
               <a:buNone/>
             </a:pPr>
             <a:r>
-              <a:rPr b="1" lang="it">
+              <a:rPr b="1" lang="it" sz="3600">
                 <a:latin typeface="Times New Roman"/>
                 <a:ea typeface="Times New Roman"/>
                 <a:cs typeface="Times New Roman"/>
                 <a:sym typeface="Times New Roman"/>
               </a:rPr>
-              <a:t>Notes quality benchmark</a:t>
+              <a:t>Payment method</a:t>
             </a:r>
-            <a:endParaRPr b="1">
+            <a:endParaRPr b="1" sz="3600">
               <a:latin typeface="Times New Roman"/>
               <a:ea typeface="Times New Roman"/>
               <a:cs typeface="Times New Roman"/>
@@ -11427,20 +10122,186 @@
       </p:sp>
       <p:sp>
         <p:nvSpPr>
+          <p:cNvPr id="125" name="Google Shape;125;p21"/>
+          <p:cNvSpPr/>
+          <p:nvPr/>
+        </p:nvSpPr>
+        <p:spPr>
+          <a:xfrm>
+            <a:off x="1693625" y="2034875"/>
+            <a:ext cx="1763100" cy="1338900"/>
+          </a:xfrm>
+          <a:prstGeom prst="ellipse">
+            <a:avLst/>
+          </a:prstGeom>
+          <a:solidFill>
+            <a:schemeClr val="lt2"/>
+          </a:solidFill>
+          <a:ln cap="flat" cmpd="sng" w="9525">
+            <a:solidFill>
+              <a:schemeClr val="dk2"/>
+            </a:solidFill>
+            <a:prstDash val="solid"/>
+            <a:round/>
+            <a:headEnd len="sm" w="sm" type="none"/>
+            <a:tailEnd len="sm" w="sm" type="none"/>
+          </a:ln>
+        </p:spPr>
+        <p:txBody>
+          <a:bodyPr anchorCtr="0" anchor="ctr" bIns="91425" lIns="91425" spcFirstLastPara="1" rIns="91425" wrap="square" tIns="91425">
+            <a:noAutofit/>
+          </a:bodyPr>
+          <a:lstStyle/>
+          <a:p>
+            <a:pPr indent="0" lvl="0" marL="0">
+              <a:spcBef>
+                <a:spcPts val="0"/>
+              </a:spcBef>
+              <a:spcAft>
+                <a:spcPts val="0"/>
+              </a:spcAft>
+              <a:buNone/>
+            </a:pPr>
+            <a:r>
+              <a:rPr lang="it"/>
+              <a:t>More </a:t>
+            </a:r>
+            <a:r>
+              <a:rPr b="1" lang="it"/>
+              <a:t>Start </a:t>
+            </a:r>
+            <a:r>
+              <a:rPr lang="it"/>
+              <a:t>and </a:t>
+            </a:r>
+            <a:r>
+              <a:rPr b="1" lang="it"/>
+              <a:t>View</a:t>
+            </a:r>
+            <a:endParaRPr b="1"/>
+          </a:p>
+        </p:txBody>
+      </p:sp>
+      <p:sp>
+        <p:nvSpPr>
+          <p:cNvPr id="126" name="Google Shape;126;p21"/>
+          <p:cNvSpPr/>
+          <p:nvPr/>
+        </p:nvSpPr>
+        <p:spPr>
+          <a:xfrm>
+            <a:off x="3602550" y="2578325"/>
+            <a:ext cx="1564200" cy="252000"/>
+          </a:xfrm>
+          <a:prstGeom prst="rightArrow">
+            <a:avLst>
+              <a:gd fmla="val 50000" name="adj1"/>
+              <a:gd fmla="val 50000" name="adj2"/>
+            </a:avLst>
+          </a:prstGeom>
+          <a:solidFill>
+            <a:schemeClr val="lt2"/>
+          </a:solidFill>
+          <a:ln cap="flat" cmpd="sng" w="9525">
+            <a:solidFill>
+              <a:schemeClr val="dk2"/>
+            </a:solidFill>
+            <a:prstDash val="solid"/>
+            <a:round/>
+            <a:headEnd len="sm" w="sm" type="none"/>
+            <a:tailEnd len="sm" w="sm" type="none"/>
+          </a:ln>
+        </p:spPr>
+        <p:txBody>
+          <a:bodyPr anchorCtr="0" anchor="ctr" bIns="91425" lIns="91425" spcFirstLastPara="1" rIns="91425" wrap="square" tIns="91425">
+            <a:noAutofit/>
+          </a:bodyPr>
+          <a:lstStyle/>
+          <a:p>
+            <a:pPr indent="0" lvl="0" marL="0">
+              <a:spcBef>
+                <a:spcPts val="0"/>
+              </a:spcBef>
+              <a:spcAft>
+                <a:spcPts val="0"/>
+              </a:spcAft>
+              <a:buNone/>
+            </a:pPr>
+            <a:r>
+              <a:t/>
+            </a:r>
+            <a:endParaRPr/>
+          </a:p>
+        </p:txBody>
+      </p:sp>
+      <p:sp>
+        <p:nvSpPr>
+          <p:cNvPr id="127" name="Google Shape;127;p21"/>
+          <p:cNvSpPr/>
+          <p:nvPr/>
+        </p:nvSpPr>
+        <p:spPr>
+          <a:xfrm>
+            <a:off x="5312575" y="2034875"/>
+            <a:ext cx="1763100" cy="1338900"/>
+          </a:xfrm>
+          <a:prstGeom prst="ellipse">
+            <a:avLst/>
+          </a:prstGeom>
+          <a:solidFill>
+            <a:schemeClr val="lt2"/>
+          </a:solidFill>
+          <a:ln cap="flat" cmpd="sng" w="9525">
+            <a:solidFill>
+              <a:schemeClr val="dk2"/>
+            </a:solidFill>
+            <a:prstDash val="solid"/>
+            <a:round/>
+            <a:headEnd len="sm" w="sm" type="none"/>
+            <a:tailEnd len="sm" w="sm" type="none"/>
+          </a:ln>
+        </p:spPr>
+        <p:txBody>
+          <a:bodyPr anchorCtr="0" anchor="ctr" bIns="91425" lIns="91425" spcFirstLastPara="1" rIns="91425" wrap="square" tIns="91425">
+            <a:noAutofit/>
+          </a:bodyPr>
+          <a:lstStyle/>
+          <a:p>
+            <a:pPr indent="0" lvl="0" marL="0" rtl="0">
+              <a:spcBef>
+                <a:spcPts val="0"/>
+              </a:spcBef>
+              <a:spcAft>
+                <a:spcPts val="0"/>
+              </a:spcAft>
+              <a:buNone/>
+            </a:pPr>
+            <a:r>
+              <a:rPr lang="it"/>
+              <a:t>More pay out</a:t>
+            </a:r>
+            <a:endParaRPr/>
+          </a:p>
+        </p:txBody>
+      </p:sp>
+      <p:sp>
+        <p:nvSpPr>
           <p:cNvPr id="128" name="Google Shape;128;p21"/>
           <p:cNvSpPr txBox="1"/>
-          <p:nvPr>
-            <p:ph idx="1" type="body"/>
-          </p:nvPr>
+          <p:nvPr/>
         </p:nvSpPr>
         <p:spPr>
           <a:xfrm>
-            <a:off x="471900" y="1919075"/>
-            <a:ext cx="8222100" cy="2710200"/>
+            <a:off x="311700" y="1232825"/>
+            <a:ext cx="8145900" cy="357900"/>
           </a:xfrm>
           <a:prstGeom prst="rect">
             <a:avLst/>
           </a:prstGeom>
+          <a:noFill/>
+          <a:ln>
+            <a:noFill/>
+          </a:ln>
         </p:spPr>
         <p:txBody>
           <a:bodyPr anchorCtr="0" anchor="t" bIns="91425" lIns="91425" spcFirstLastPara="1" rIns="91425" wrap="square" tIns="91425">
@@ -11448,7 +10309,7 @@
           </a:bodyPr>
           <a:lstStyle/>
           <a:p>
-            <a:pPr indent="0" lvl="0" marL="0" rtl="0">
+            <a:pPr indent="0" lvl="0" marL="0">
               <a:spcBef>
                 <a:spcPts val="0"/>
               </a:spcBef>
@@ -11458,63 +10319,10 @@
               <a:buNone/>
             </a:pPr>
             <a:r>
-              <a:rPr lang="it" sz="1400">
-                <a:latin typeface="Arial"/>
-                <a:ea typeface="Arial"/>
-                <a:cs typeface="Arial"/>
-                <a:sym typeface="Arial"/>
-              </a:rPr>
-              <a:t>The notes that are uploaded have to follow a certain standard. For a low cost approach a 5-star rating has been implemented. </a:t>
+              <a:rPr b="1" lang="it" sz="1800"/>
+              <a:t>50% of the revenue are given to students, based on their skill.</a:t>
             </a:r>
-            <a:endParaRPr sz="1400">
-              <a:latin typeface="Arial"/>
-              <a:ea typeface="Arial"/>
-              <a:cs typeface="Arial"/>
-              <a:sym typeface="Arial"/>
-            </a:endParaRPr>
-          </a:p>
-          <a:p>
-            <a:pPr indent="0" lvl="0" marL="0">
-              <a:spcBef>
-                <a:spcPts val="1600"/>
-              </a:spcBef>
-              <a:spcAft>
-                <a:spcPts val="1600"/>
-              </a:spcAft>
-              <a:buNone/>
-            </a:pPr>
-            <a:r>
-              <a:rPr lang="it" sz="1400">
-                <a:latin typeface="Arial"/>
-                <a:ea typeface="Arial"/>
-                <a:cs typeface="Arial"/>
-                <a:sym typeface="Arial"/>
-              </a:rPr>
-              <a:t>Notes lower than 4 stars would not meeting our benchmark. </a:t>
-            </a:r>
-            <a:br>
-              <a:rPr lang="it" sz="1400">
-                <a:latin typeface="Arial"/>
-                <a:ea typeface="Arial"/>
-                <a:cs typeface="Arial"/>
-                <a:sym typeface="Arial"/>
-              </a:rPr>
-            </a:br>
-            <a:r>
-              <a:rPr lang="it" sz="1400">
-                <a:latin typeface="Arial"/>
-                <a:ea typeface="Arial"/>
-                <a:cs typeface="Arial"/>
-                <a:sym typeface="Arial"/>
-              </a:rPr>
-              <a:t>In this case we might not process the payment and /or delete the notes.</a:t>
-            </a:r>
-            <a:endParaRPr sz="1400">
-              <a:latin typeface="Arial"/>
-              <a:ea typeface="Arial"/>
-              <a:cs typeface="Arial"/>
-              <a:sym typeface="Arial"/>
-            </a:endParaRPr>
+            <a:endParaRPr b="1" sz="1800"/>
           </a:p>
         </p:txBody>
       </p:sp>
@@ -11834,44 +10642,44 @@
 </file>
 
 <file path=ppt/theme/theme2.xml><?xml version="1.0" encoding="utf-8"?>
-<a:theme xmlns:a="http://schemas.openxmlformats.org/drawingml/2006/main" xmlns:r="http://schemas.openxmlformats.org/officeDocument/2006/relationships" name="Material">
+<a:theme xmlns:a="http://schemas.openxmlformats.org/drawingml/2006/main" xmlns:r="http://schemas.openxmlformats.org/officeDocument/2006/relationships" name="Simple Light">
   <a:themeElements>
-    <a:clrScheme name="Material">
+    <a:clrScheme name="Simple Light">
       <a:dk1>
-        <a:srgbClr val="4285F4"/>
+        <a:srgbClr val="000000"/>
       </a:dk1>
       <a:lt1>
         <a:srgbClr val="FFFFFF"/>
       </a:lt1>
       <a:dk2>
-        <a:srgbClr val="424242"/>
+        <a:srgbClr val="595959"/>
       </a:dk2>
       <a:lt2>
-        <a:srgbClr val="737373"/>
+        <a:srgbClr val="EEEEEE"/>
       </a:lt2>
       <a:accent1>
-        <a:srgbClr val="0277BD"/>
+        <a:srgbClr val="FFAB40"/>
       </a:accent1>
       <a:accent2>
-        <a:srgbClr val="0F9D58"/>
+        <a:srgbClr val="212121"/>
       </a:accent2>
       <a:accent3>
-        <a:srgbClr val="DB4437"/>
+        <a:srgbClr val="78909C"/>
       </a:accent3>
       <a:accent4>
-        <a:srgbClr val="FAFAFA"/>
+        <a:srgbClr val="FFAB40"/>
       </a:accent4>
       <a:accent5>
-        <a:srgbClr val="4FC3F7"/>
+        <a:srgbClr val="0097A7"/>
       </a:accent5>
       <a:accent6>
-        <a:srgbClr val="F4B400"/>
+        <a:srgbClr val="EEFF41"/>
       </a:accent6>
       <a:hlink>
-        <a:srgbClr val="4FC3F7"/>
+        <a:srgbClr val="0097A7"/>
       </a:hlink>
       <a:folHlink>
-        <a:srgbClr val="4FC3F7"/>
+        <a:srgbClr val="0097A7"/>
       </a:folHlink>
     </a:clrScheme>
     <a:fontScheme name="Office">
